--- a/presentacion.pptx
+++ b/presentacion.pptx
@@ -587,8 +587,8 @@
         </p:nvSpPr>
         <p:spPr>
           <a:xfrm>
-            <a:off x="1143225" y="685800"/>
-            <a:ext cx="4572299" cy="3429000"/>
+            <a:off x="1143000" y="685800"/>
+            <a:ext cx="4572000" cy="3429000"/>
           </a:xfrm>
           <a:custGeom>
             <a:avLst/>
@@ -641,25 +641,7 @@
           </a:bodyPr>
           <a:lstStyle/>
           <a:p>
-            <a:endParaRPr/>
-          </a:p>
-          <a:p>
-            <a:r>
-              <a:t>----- Meeting Notes (13/06/13 20:56) -----</a:t>
-            </a:r>
-          </a:p>
-          <a:p>
-            <a:r>
-              <a:t>duracion*precio/hora</a:t>
-            </a:r>
-          </a:p>
-          <a:p>
-            <a:endParaRPr/>
-          </a:p>
-          <a:p>
-            <a:r>
-              <a:t>aclarar que de mayor a menor y decir que el 2do es desempate</a:t>
-            </a:r>
+            <a:endParaRPr dirty="0"/>
           </a:p>
         </p:txBody>
       </p:sp>
@@ -700,8 +682,8 @@
         </p:nvSpPr>
         <p:spPr>
           <a:xfrm>
-            <a:off x="1143225" y="685800"/>
-            <a:ext cx="4572299" cy="3429000"/>
+            <a:off x="1143000" y="685800"/>
+            <a:ext cx="4572000" cy="3429000"/>
           </a:xfrm>
           <a:custGeom>
             <a:avLst/>
@@ -754,17 +736,7 @@
           </a:bodyPr>
           <a:lstStyle/>
           <a:p>
-            <a:endParaRPr/>
-          </a:p>
-          <a:p>
-            <a:r>
-              <a:t>----- Meeting Notes (13/06/13 20:56) -----</a:t>
-            </a:r>
-          </a:p>
-          <a:p>
-            <a:r>
-              <a:t>make atractivo more abstracty</a:t>
-            </a:r>
+            <a:endParaRPr dirty="0"/>
           </a:p>
         </p:txBody>
       </p:sp>
@@ -900,8 +872,8 @@
         </p:nvSpPr>
         <p:spPr>
           <a:xfrm>
-            <a:off x="1143225" y="685800"/>
-            <a:ext cx="4572299" cy="3429000"/>
+            <a:off x="1143000" y="685800"/>
+            <a:ext cx="4572000" cy="3429000"/>
           </a:xfrm>
           <a:custGeom>
             <a:avLst/>
@@ -954,28 +926,31 @@
           </a:bodyPr>
           <a:lstStyle/>
           <a:p>
-            <a:endParaRPr/>
-          </a:p>
-          <a:p>
-            <a:r>
+            <a:endParaRPr dirty="0"/>
+          </a:p>
+          <a:p>
+            <a:r>
+              <a:rPr dirty="0"/>
               <a:t>----- Meeting Notes (13/06/13 20:56) -----</a:t>
             </a:r>
           </a:p>
           <a:p>
             <a:r>
-              <a:t>especificar la media n shit</a:t>
-            </a:r>
-          </a:p>
-          <a:p>
-            <a:r>
-              <a:t>tambien hacer tab, xq dependen del tamaño del proyecto</a:t>
-            </a:r>
-          </a:p>
-          <a:p>
-            <a:endParaRPr/>
-          </a:p>
-          <a:p>
-            <a:r>
+              <a:rPr dirty="0"/>
+              <a:t>especificar la media n </a:t>
+            </a:r>
+            <a:r>
+              <a:rPr dirty="0" smtClean="0"/>
+              <a:t>shit</a:t>
+            </a:r>
+            <a:endParaRPr dirty="0"/>
+          </a:p>
+          <a:p>
+            <a:endParaRPr dirty="0"/>
+          </a:p>
+          <a:p>
+            <a:r>
+              <a:rPr dirty="0"/>
               <a:t>insertar graficos en esta filmina que demuestren cuanto toma cada uno</a:t>
             </a:r>
           </a:p>
@@ -1883,8 +1858,8 @@
         </p:nvSpPr>
         <p:spPr>
           <a:xfrm>
-            <a:off x="1143225" y="685800"/>
-            <a:ext cx="4572299" cy="3429000"/>
+            <a:off x="1143000" y="685800"/>
+            <a:ext cx="4572000" cy="3429000"/>
           </a:xfrm>
           <a:custGeom>
             <a:avLst/>
@@ -1937,22 +1912,7 @@
           </a:bodyPr>
           <a:lstStyle/>
           <a:p>
-            <a:endParaRPr/>
-          </a:p>
-          <a:p>
-            <a:r>
-              <a:t>----- Meeting Notes (13/06/13 20:56) -----</a:t>
-            </a:r>
-          </a:p>
-          <a:p>
-            <a:r>
-              <a:t>indentar las ultimas 3 VAs </a:t>
-            </a:r>
-          </a:p>
-          <a:p>
-            <a:r>
-              <a:t>aclarar relacion entre duracion y desarrolladores</a:t>
-            </a:r>
+            <a:endParaRPr dirty="0"/>
           </a:p>
         </p:txBody>
       </p:sp>
@@ -2047,17 +2007,7 @@
           </a:bodyPr>
           <a:lstStyle/>
           <a:p>
-            <a:endParaRPr/>
-          </a:p>
-          <a:p>
-            <a:r>
-              <a:t>----- Meeting Notes (13/06/13 20:56) -----</a:t>
-            </a:r>
-          </a:p>
-          <a:p>
-            <a:r>
-              <a:t>primero guita ganada, despues costo</a:t>
-            </a:r>
+            <a:endParaRPr dirty="0"/>
           </a:p>
         </p:txBody>
       </p:sp>
@@ -2152,17 +2102,7 @@
           </a:bodyPr>
           <a:lstStyle/>
           <a:p>
-            <a:endParaRPr/>
-          </a:p>
-          <a:p>
-            <a:r>
-              <a:t>----- Meeting Notes (13/06/13 20:56) -----</a:t>
-            </a:r>
-          </a:p>
-          <a:p>
-            <a:r>
-              <a:t>historicamente bueno para is_awesome</a:t>
-            </a:r>
+            <a:endParaRPr dirty="0"/>
           </a:p>
         </p:txBody>
       </p:sp>
@@ -4961,21 +4901,53 @@
               <a:buNone/>
             </a:pPr>
             <a:r>
-              <a:rPr lang="en"/>
-              <a:t>Tienen 2 criterios: </a:t>
-            </a:r>
-          </a:p>
-          <a:p>
-            <a:pPr marL="914400" lvl="0" indent="457200" rtl="0">
+              <a:rPr lang="en" dirty="0"/>
+              <a:t>Tienen 2 </a:t>
+            </a:r>
+            <a:r>
+              <a:rPr lang="en" dirty="0" smtClean="0"/>
+              <a:t>criterios:</a:t>
+            </a:r>
+            <a:endParaRPr lang="es-ES_tradnl" dirty="0" smtClean="0"/>
+          </a:p>
+          <a:p>
+            <a:pPr marL="514350" lvl="0" indent="-514350" rtl="0">
+              <a:buSzPct val="100000"/>
+              <a:buFont typeface="+mj-lt"/>
+              <a:buAutoNum type="arabicPeriod"/>
+            </a:pPr>
+            <a:r>
+              <a:rPr lang="es-ES_tradnl" dirty="0"/>
+              <a:t> </a:t>
+            </a:r>
+            <a:r>
+              <a:rPr lang="es-ES_tradnl" dirty="0" smtClean="0"/>
+              <a:t>Para ordenar de mayor a menor</a:t>
+            </a:r>
+          </a:p>
+          <a:p>
+            <a:pPr marL="514350" lvl="0" indent="-514350" rtl="0">
+              <a:buSzPct val="100000"/>
+              <a:buFont typeface="+mj-lt"/>
+              <a:buAutoNum type="arabicPeriod"/>
+            </a:pPr>
+            <a:r>
+              <a:rPr lang="es-ES_tradnl" dirty="0" smtClean="0"/>
+              <a:t> Para desempatar</a:t>
+            </a:r>
+          </a:p>
+          <a:p>
+            <a:pPr marL="514350" lvl="0" indent="-514350" rtl="0">
+              <a:buFont typeface="+mj-lt"/>
+              <a:buAutoNum type="arabicPeriod"/>
+            </a:pPr>
+            <a:endParaRPr lang="es-ES_tradnl" dirty="0" smtClean="0"/>
+          </a:p>
+          <a:p>
+            <a:pPr marL="0" lvl="0" indent="0" rtl="0">
               <a:buNone/>
             </a:pPr>
-            <a:r>
-              <a:rPr lang="en"/>
-              <a:t>uno primario y uno secundario</a:t>
-            </a:r>
-          </a:p>
-          <a:p>
-            <a:endParaRPr lang="en"/>
+            <a:endParaRPr lang="en" dirty="0"/>
           </a:p>
           <a:p>
             <a:pPr marL="457200" lvl="0" indent="-419100" algn="ctr" rtl="0">
@@ -4987,15 +4959,18 @@
               <a:buChar char="•"/>
             </a:pPr>
             <a:r>
-              <a:rPr lang="en"/>
-              <a:t>Precio/hora - Horas</a:t>
-            </a:r>
-          </a:p>
-          <a:p>
-            <a:endParaRPr lang="en"/>
-          </a:p>
-          <a:p>
-            <a:endParaRPr lang="en"/>
+              <a:rPr lang="en" dirty="0"/>
+              <a:t>Precio/hora </a:t>
+            </a:r>
+            <a:r>
+              <a:rPr lang="en-US" dirty="0" smtClean="0"/>
+              <a:t>-</a:t>
+            </a:r>
+            <a:r>
+              <a:rPr lang="en" dirty="0" smtClean="0"/>
+              <a:t> Horas</a:t>
+            </a:r>
+            <a:endParaRPr lang="en" dirty="0"/>
           </a:p>
           <a:p>
             <a:pPr marL="457200" lvl="0" indent="-419100" algn="ctr" rtl="0">
@@ -5007,12 +4982,12 @@
               <a:buChar char="•"/>
             </a:pPr>
             <a:r>
-              <a:rPr lang="en"/>
+              <a:rPr lang="en" dirty="0"/>
               <a:t>Facturación - Precio/hora</a:t>
             </a:r>
           </a:p>
           <a:p>
-            <a:endParaRPr lang="en"/>
+            <a:endParaRPr lang="en" dirty="0"/>
           </a:p>
         </p:txBody>
       </p:sp>
@@ -5120,12 +5095,12 @@
               <a:buChar char="•"/>
             </a:pPr>
             <a:r>
-              <a:rPr lang="en"/>
+              <a:rPr lang="en" dirty="0"/>
               <a:t>Por si llega un proyecto atractivo y no se lo puede aceptar</a:t>
             </a:r>
           </a:p>
           <a:p>
-            <a:endParaRPr lang="en"/>
+            <a:endParaRPr lang="en" dirty="0"/>
           </a:p>
           <a:p>
             <a:pPr marL="457200" lvl="0" indent="-419100" rtl="0">
@@ -5137,12 +5112,12 @@
               <a:buChar char="•"/>
             </a:pPr>
             <a:r>
-              <a:rPr lang="en"/>
+              <a:rPr lang="en" dirty="0"/>
               <a:t>Se activan desarrolladores reservados</a:t>
             </a:r>
           </a:p>
           <a:p>
-            <a:endParaRPr lang="en"/>
+            <a:endParaRPr lang="en" dirty="0"/>
           </a:p>
           <a:p>
             <a:pPr marL="457200" lvl="0" indent="-419100" rtl="0">
@@ -5154,19 +5129,36 @@
               <a:buChar char="•"/>
             </a:pPr>
             <a:r>
-              <a:rPr lang="en"/>
+              <a:rPr lang="en" dirty="0"/>
               <a:t>La estrategia determina que es </a:t>
             </a:r>
             <a:r>
-              <a:rPr lang="en" b="1" i="1"/>
+              <a:rPr lang="en" b="1" i="1" dirty="0" smtClean="0"/>
               <a:t>atractivo</a:t>
             </a:r>
-          </a:p>
-          <a:p>
-            <a:endParaRPr lang="en" b="1" i="1"/>
-          </a:p>
-          <a:p>
-            <a:endParaRPr lang="en" b="1" i="1"/>
+            <a:endParaRPr lang="es-ES_tradnl" b="1" i="1" dirty="0" smtClean="0"/>
+          </a:p>
+          <a:p>
+            <a:pPr marL="857250" lvl="1" indent="-419100">
+              <a:buSzPct val="166666"/>
+              <a:buFont typeface="Arial"/>
+              <a:buChar char="•"/>
+            </a:pPr>
+            <a:r>
+              <a:rPr lang="es-ES_tradnl" dirty="0" smtClean="0"/>
+              <a:t>Los proyectos mejores que el 80% percentil </a:t>
+            </a:r>
+            <a:r>
+              <a:rPr lang="es-ES_tradnl" dirty="0" err="1" smtClean="0"/>
+              <a:t>historico</a:t>
+            </a:r>
+            <a:endParaRPr lang="en" dirty="0"/>
+          </a:p>
+          <a:p>
+            <a:endParaRPr lang="en" b="1" i="1" dirty="0"/>
+          </a:p>
+          <a:p>
+            <a:endParaRPr lang="en" b="1" i="1" dirty="0"/>
           </a:p>
         </p:txBody>
       </p:sp>
@@ -5419,12 +5411,12 @@
               <a:buChar char="•"/>
             </a:pPr>
             <a:r>
-              <a:rPr lang="en"/>
+              <a:rPr lang="en" dirty="0"/>
               <a:t>Cantidad de proyectos por mes. P(3)</a:t>
             </a:r>
           </a:p>
           <a:p>
-            <a:endParaRPr lang="en"/>
+            <a:endParaRPr lang="en" dirty="0"/>
           </a:p>
           <a:p>
             <a:pPr marL="457200" lvl="0" indent="-419100" rtl="0">
@@ -5436,58 +5428,51 @@
               <a:buChar char="•"/>
             </a:pPr>
             <a:r>
-              <a:rPr lang="en"/>
+              <a:rPr lang="en" dirty="0"/>
               <a:t>Tipo de proyecto. U(10%/75%/15%)</a:t>
             </a:r>
           </a:p>
           <a:p>
-            <a:endParaRPr lang="en"/>
-          </a:p>
-          <a:p>
-            <a:pPr marL="457200" lvl="0" indent="-419100" rtl="0">
-              <a:buClr>
-                <a:srgbClr val="000000"/>
-              </a:buClr>
+            <a:endParaRPr lang="en" dirty="0"/>
+          </a:p>
+          <a:p>
+            <a:pPr marL="857250" lvl="1" indent="-419100">
               <a:buSzPct val="166666"/>
               <a:buFont typeface="Arial"/>
               <a:buChar char="•"/>
             </a:pPr>
             <a:r>
-              <a:rPr lang="en"/>
+              <a:rPr lang="en" dirty="0"/>
               <a:t>Tamaño de proyecto. Triangular</a:t>
             </a:r>
           </a:p>
           <a:p>
-            <a:endParaRPr lang="en"/>
-          </a:p>
-          <a:p>
-            <a:pPr marL="457200" lvl="0" indent="-419100" rtl="0">
-              <a:buClr>
-                <a:srgbClr val="000000"/>
-              </a:buClr>
+            <a:pPr lvl="1"/>
+            <a:endParaRPr lang="en" dirty="0"/>
+          </a:p>
+          <a:p>
+            <a:pPr marL="857250" lvl="1" indent="-419100">
               <a:buSzPct val="166666"/>
               <a:buFont typeface="Arial"/>
               <a:buChar char="•"/>
             </a:pPr>
             <a:r>
-              <a:rPr lang="en"/>
+              <a:rPr lang="en" dirty="0"/>
               <a:t>Precio hora-hombre del proyecto. Triangular</a:t>
             </a:r>
           </a:p>
           <a:p>
-            <a:endParaRPr lang="en"/>
-          </a:p>
-          <a:p>
-            <a:pPr marL="457200" lvl="0" indent="-419100">
-              <a:buClr>
-                <a:srgbClr val="000000"/>
-              </a:buClr>
+            <a:pPr lvl="1"/>
+            <a:endParaRPr lang="en" dirty="0"/>
+          </a:p>
+          <a:p>
+            <a:pPr marL="857250" lvl="1" indent="-419100">
               <a:buSzPct val="166666"/>
               <a:buFont typeface="Arial"/>
               <a:buChar char="•"/>
             </a:pPr>
             <a:r>
-              <a:rPr lang="en"/>
+              <a:rPr lang="en" dirty="0"/>
               <a:t>Desarrolladores pretendidos. Uniforme.</a:t>
             </a:r>
           </a:p>
@@ -7261,9 +7246,14 @@
               <a:buChar char="•"/>
             </a:pPr>
             <a:r>
-              <a:rPr lang="en" sz="2800"/>
-              <a:t>Cantidad de proyectos que llegan en un determinado período.</a:t>
-            </a:r>
+              <a:rPr lang="en" sz="2800" dirty="0"/>
+              <a:t>Cantidad de proyectos que llegan en un determinado período</a:t>
+            </a:r>
+            <a:r>
+              <a:rPr lang="en" sz="2800" dirty="0" smtClean="0"/>
+              <a:t>.</a:t>
+            </a:r>
+            <a:endParaRPr lang="es-ES_tradnl" sz="2800" dirty="0" smtClean="0"/>
           </a:p>
           <a:p>
             <a:pPr marL="457200" lvl="0" indent="-419100" rtl="0">
@@ -7274,10 +7264,7 @@
               <a:buFont typeface="Arial"/>
               <a:buChar char="•"/>
             </a:pPr>
-            <a:r>
-              <a:rPr lang="en" sz="2800"/>
-              <a:t>Tipo del proyecto (pequeño, mediano o grande).</a:t>
-            </a:r>
+            <a:endParaRPr lang="en" sz="2800" dirty="0"/>
           </a:p>
           <a:p>
             <a:pPr marL="457200" lvl="0" indent="-419100" rtl="0">
@@ -7289,55 +7276,112 @@
               <a:buChar char="•"/>
             </a:pPr>
             <a:r>
-              <a:rPr lang="en" sz="2800"/>
-              <a:t>Tamaño del proyecto (medido en horas-hombre).</a:t>
-            </a:r>
-          </a:p>
-          <a:p>
-            <a:pPr marL="457200" lvl="0" indent="-419100" rtl="0">
-              <a:buClr>
-                <a:srgbClr val="000000"/>
-              </a:buClr>
+              <a:rPr lang="en" sz="2800" dirty="0"/>
+              <a:t>Tipo del proyecto (pequeño, mediano o grande).</a:t>
+            </a:r>
+          </a:p>
+          <a:p>
+            <a:pPr marL="857250" lvl="1" indent="-419100">
               <a:buSzPct val="178571"/>
               <a:buFont typeface="Arial"/>
               <a:buChar char="•"/>
             </a:pPr>
             <a:r>
-              <a:rPr lang="en" sz="2800"/>
-              <a:t>Precio por hora del proyecto.</a:t>
-            </a:r>
-          </a:p>
-          <a:p>
-            <a:endParaRPr lang="en" sz="2800"/>
-          </a:p>
-          <a:p>
-            <a:pPr marL="457200" lvl="0" indent="-419100" rtl="0">
-              <a:buClr>
-                <a:srgbClr val="000000"/>
-              </a:buClr>
+              <a:rPr lang="en" sz="2200" dirty="0"/>
+              <a:t>Tamaño del proyecto (medido en horas-hombre).</a:t>
+            </a:r>
+          </a:p>
+          <a:p>
+            <a:pPr marL="857250" lvl="1" indent="-419100">
               <a:buSzPct val="178571"/>
               <a:buFont typeface="Arial"/>
               <a:buChar char="•"/>
             </a:pPr>
             <a:r>
-              <a:rPr lang="en" sz="2800"/>
-              <a:t>Cantidad de desarrolladores pretendidos.</a:t>
-            </a:r>
-          </a:p>
-          <a:p>
-            <a:endParaRPr lang="en" sz="2800"/>
-          </a:p>
-          <a:p>
-            <a:endParaRPr lang="en" sz="2800"/>
-          </a:p>
-          <a:p>
-            <a:endParaRPr lang="en" sz="2800"/>
-          </a:p>
-          <a:p>
-            <a:endParaRPr lang="en" sz="2800"/>
+              <a:rPr lang="en" sz="2200" dirty="0"/>
+              <a:t>Precio por hora del proyecto</a:t>
+            </a:r>
+            <a:r>
+              <a:rPr lang="en" sz="2200" dirty="0" smtClean="0"/>
+              <a:t>.</a:t>
+            </a:r>
+            <a:endParaRPr lang="en" sz="2200" dirty="0"/>
+          </a:p>
+          <a:p>
+            <a:pPr marL="857250" lvl="1" indent="-419100">
+              <a:buSzPct val="178571"/>
+              <a:buFont typeface="Arial"/>
+              <a:buChar char="•"/>
+            </a:pPr>
+            <a:r>
+              <a:rPr lang="en" sz="2200" dirty="0"/>
+              <a:t>Cantidad de desarrolladores pretendidos</a:t>
+            </a:r>
+            <a:r>
+              <a:rPr lang="en" sz="2200" dirty="0" smtClean="0"/>
+              <a:t>.</a:t>
+            </a:r>
+            <a:endParaRPr lang="es-ES_tradnl" sz="2200" dirty="0" smtClean="0"/>
+          </a:p>
+          <a:p>
+            <a:pPr marL="838200" lvl="2" indent="0">
+              <a:buSzPct val="178571"/>
+              <a:buNone/>
+            </a:pPr>
+            <a:endParaRPr lang="es-ES_tradnl" sz="2200" dirty="0"/>
+          </a:p>
+          <a:p>
+            <a:pPr marL="1257300" lvl="2" indent="-419100">
+              <a:buSzPct val="178571"/>
+              <a:buFont typeface="Arial"/>
+              <a:buChar char="•"/>
+            </a:pPr>
+            <a:endParaRPr lang="en" sz="2200" dirty="0"/>
+          </a:p>
+          <a:p>
+            <a:endParaRPr lang="en" sz="2800" dirty="0"/>
+          </a:p>
+          <a:p>
+            <a:endParaRPr lang="en" sz="2800" dirty="0"/>
+          </a:p>
+          <a:p>
+            <a:endParaRPr lang="en" sz="2800" dirty="0"/>
+          </a:p>
+          <a:p>
+            <a:endParaRPr lang="en" sz="2800" dirty="0"/>
           </a:p>
         </p:txBody>
       </p:sp>
+      <p:pic>
+        <p:nvPicPr>
+          <p:cNvPr id="3" name="Picture 2" descr="CodeCogsEqn.png"/>
+          <p:cNvPicPr>
+            <a:picLocks noChangeAspect="1"/>
+          </p:cNvPicPr>
+          <p:nvPr/>
+        </p:nvPicPr>
+        <p:blipFill>
+          <a:blip r:embed="rId3">
+            <a:extLst>
+              <a:ext uri="{28A0092B-C50C-407E-A947-70E740481C1C}">
+                <a14:useLocalDpi xmlns:a14="http://schemas.microsoft.com/office/drawing/2010/main" val="0"/>
+              </a:ext>
+            </a:extLst>
+          </a:blip>
+          <a:stretch>
+            <a:fillRect/>
+          </a:stretch>
+        </p:blipFill>
+        <p:spPr>
+          <a:xfrm>
+            <a:off x="1725580" y="5008357"/>
+            <a:ext cx="5266690" cy="586740"/>
+          </a:xfrm>
+          <a:prstGeom prst="rect">
+            <a:avLst/>
+          </a:prstGeom>
+        </p:spPr>
+      </p:pic>
     </p:spTree>
   </p:cSld>
   <p:clrMapOvr>
@@ -7433,6 +7477,23 @@
           </a:bodyPr>
           <a:lstStyle/>
           <a:p>
+            <a:pPr marL="457200" indent="-419100"/>
+            <a:r>
+              <a:rPr lang="en" dirty="0"/>
+              <a:t>Ingreso generado por los proyectos aceptados.</a:t>
+            </a:r>
+          </a:p>
+          <a:p>
+            <a:pPr marL="38100" lvl="0" indent="0" rtl="0">
+              <a:buClr>
+                <a:srgbClr val="000000"/>
+              </a:buClr>
+              <a:buSzPct val="166666"/>
+              <a:buNone/>
+            </a:pPr>
+            <a:endParaRPr lang="es-ES_tradnl" dirty="0" smtClean="0"/>
+          </a:p>
+          <a:p>
             <a:pPr marL="457200" lvl="0" indent="-419100" rtl="0">
               <a:buClr>
                 <a:srgbClr val="000000"/>
@@ -7462,20 +7523,6 @@
               <a:buChar char="•"/>
             </a:pPr>
             <a:endParaRPr lang="en" dirty="0"/>
-          </a:p>
-          <a:p>
-            <a:pPr marL="457200" lvl="0" indent="-419100" rtl="0">
-              <a:buClr>
-                <a:srgbClr val="000000"/>
-              </a:buClr>
-              <a:buSzPct val="166666"/>
-              <a:buFont typeface="Arial"/>
-              <a:buChar char="•"/>
-            </a:pPr>
-            <a:r>
-              <a:rPr lang="en" dirty="0"/>
-              <a:t>Ingreso generado por los proyectos aceptados.</a:t>
-            </a:r>
           </a:p>
           <a:p>
             <a:endParaRPr lang="en" dirty="0"/>

--- a/presentacion.pptx
+++ b/presentacion.pptx
@@ -1,11 +1,11 @@
 
 <file path=ppt/presentation.xml><?xml version="1.0" encoding="utf-8"?>
-<p:presentation xmlns:a="http://schemas.openxmlformats.org/drawingml/2006/main" xmlns:r="http://schemas.openxmlformats.org/officeDocument/2006/relationships" xmlns:p="http://schemas.openxmlformats.org/presentationml/2006/main" saveSubsetFonts="1" autoCompressPictures="0">
+<p:presentation xmlns:a="http://schemas.openxmlformats.org/drawingml/2006/main" xmlns:r="http://schemas.openxmlformats.org/officeDocument/2006/relationships" xmlns:mc="http://schemas.openxmlformats.org/markup-compatibility/2006" xmlns:mv="urn:schemas-microsoft-com:mac:vml" xmlns:p="http://schemas.openxmlformats.org/presentationml/2006/main" mc:Ignorable="mv" mc:PreserveAttributes="mv:*" saveSubsetFonts="1" autoCompressPictures="0">
   <p:sldMasterIdLst>
     <p:sldMasterId id="2147483654" r:id="rId1"/>
   </p:sldMasterIdLst>
   <p:notesMasterIdLst>
-    <p:notesMasterId r:id="rId19"/>
+    <p:notesMasterId r:id="rId37"/>
   </p:notesMasterIdLst>
   <p:sldIdLst>
     <p:sldId id="256" r:id="rId2"/>
@@ -16,15 +16,33 @@
     <p:sldId id="261" r:id="rId7"/>
     <p:sldId id="262" r:id="rId8"/>
     <p:sldId id="263" r:id="rId9"/>
-    <p:sldId id="264" r:id="rId10"/>
-    <p:sldId id="265" r:id="rId11"/>
-    <p:sldId id="266" r:id="rId12"/>
-    <p:sldId id="267" r:id="rId13"/>
-    <p:sldId id="268" r:id="rId14"/>
-    <p:sldId id="269" r:id="rId15"/>
-    <p:sldId id="270" r:id="rId16"/>
-    <p:sldId id="271" r:id="rId17"/>
-    <p:sldId id="272" r:id="rId18"/>
+    <p:sldId id="281" r:id="rId10"/>
+    <p:sldId id="264" r:id="rId11"/>
+    <p:sldId id="265" r:id="rId12"/>
+    <p:sldId id="266" r:id="rId13"/>
+    <p:sldId id="267" r:id="rId14"/>
+    <p:sldId id="268" r:id="rId15"/>
+    <p:sldId id="274" r:id="rId16"/>
+    <p:sldId id="275" r:id="rId17"/>
+    <p:sldId id="277" r:id="rId18"/>
+    <p:sldId id="278" r:id="rId19"/>
+    <p:sldId id="276" r:id="rId20"/>
+    <p:sldId id="279" r:id="rId21"/>
+    <p:sldId id="280" r:id="rId22"/>
+    <p:sldId id="282" r:id="rId23"/>
+    <p:sldId id="269" r:id="rId24"/>
+    <p:sldId id="270" r:id="rId25"/>
+    <p:sldId id="283" r:id="rId26"/>
+    <p:sldId id="284" r:id="rId27"/>
+    <p:sldId id="285" r:id="rId28"/>
+    <p:sldId id="286" r:id="rId29"/>
+    <p:sldId id="287" r:id="rId30"/>
+    <p:sldId id="288" r:id="rId31"/>
+    <p:sldId id="289" r:id="rId32"/>
+    <p:sldId id="290" r:id="rId33"/>
+    <p:sldId id="291" r:id="rId34"/>
+    <p:sldId id="271" r:id="rId35"/>
+    <p:sldId id="272" r:id="rId36"/>
   </p:sldIdLst>
   <p:sldSz cx="9144000" cy="6858000" type="screen4x3"/>
   <p:notesSz cx="6858000" cy="9144000"/>
@@ -59,7 +77,6 @@
         <a:ea typeface="Arial"/>
         <a:cs typeface="Arial"/>
         <a:sym typeface="Arial"/>
-        <a:rtl val="0"/>
       </a:defRPr>
     </a:lvl1pPr>
     <a:lvl2pPr marR="0" algn="l" rtl="0">
@@ -81,7 +98,6 @@
         <a:ea typeface="Arial"/>
         <a:cs typeface="Arial"/>
         <a:sym typeface="Arial"/>
-        <a:rtl val="0"/>
       </a:defRPr>
     </a:lvl2pPr>
     <a:lvl3pPr marR="0" algn="l" rtl="0">
@@ -103,7 +119,6 @@
         <a:ea typeface="Arial"/>
         <a:cs typeface="Arial"/>
         <a:sym typeface="Arial"/>
-        <a:rtl val="0"/>
       </a:defRPr>
     </a:lvl3pPr>
     <a:lvl4pPr marR="0" algn="l" rtl="0">
@@ -125,7 +140,6 @@
         <a:ea typeface="Arial"/>
         <a:cs typeface="Arial"/>
         <a:sym typeface="Arial"/>
-        <a:rtl val="0"/>
       </a:defRPr>
     </a:lvl4pPr>
     <a:lvl5pPr marR="0" algn="l" rtl="0">
@@ -147,7 +161,6 @@
         <a:ea typeface="Arial"/>
         <a:cs typeface="Arial"/>
         <a:sym typeface="Arial"/>
-        <a:rtl val="0"/>
       </a:defRPr>
     </a:lvl5pPr>
     <a:lvl6pPr marR="0" algn="l" rtl="0">
@@ -169,7 +182,6 @@
         <a:ea typeface="Arial"/>
         <a:cs typeface="Arial"/>
         <a:sym typeface="Arial"/>
-        <a:rtl val="0"/>
       </a:defRPr>
     </a:lvl6pPr>
     <a:lvl7pPr marR="0" algn="l" rtl="0">
@@ -191,7 +203,6 @@
         <a:ea typeface="Arial"/>
         <a:cs typeface="Arial"/>
         <a:sym typeface="Arial"/>
-        <a:rtl val="0"/>
       </a:defRPr>
     </a:lvl7pPr>
     <a:lvl8pPr marR="0" algn="l" rtl="0">
@@ -213,7 +224,6 @@
         <a:ea typeface="Arial"/>
         <a:cs typeface="Arial"/>
         <a:sym typeface="Arial"/>
-        <a:rtl val="0"/>
       </a:defRPr>
     </a:lvl8pPr>
     <a:lvl9pPr marR="0" algn="l" rtl="0">
@@ -235,7 +245,6 @@
         <a:ea typeface="Arial"/>
         <a:cs typeface="Arial"/>
         <a:sym typeface="Arial"/>
-        <a:rtl val="0"/>
       </a:defRPr>
     </a:lvl9pPr>
   </p:defaultTextStyle>
@@ -243,7 +252,7 @@
 </file>
 
 <file path=ppt/notesMasters/notesMaster1.xml><?xml version="1.0" encoding="utf-8"?>
-<p:notesMaster xmlns:a="http://schemas.openxmlformats.org/drawingml/2006/main" xmlns:r="http://schemas.openxmlformats.org/officeDocument/2006/relationships" xmlns:p="http://schemas.openxmlformats.org/presentationml/2006/main">
+<p:notesMaster xmlns:a="http://schemas.openxmlformats.org/drawingml/2006/main" xmlns:r="http://schemas.openxmlformats.org/officeDocument/2006/relationships" xmlns:mc="http://schemas.openxmlformats.org/markup-compatibility/2006" xmlns:mv="urn:schemas-microsoft-com:mac:vml" xmlns:p="http://schemas.openxmlformats.org/presentationml/2006/main" mc:Ignorable="mv" mc:PreserveAttributes="mv:*">
   <p:cSld>
     <p:bg>
       <p:bgRef idx="1001">
@@ -363,7 +372,7 @@
     </p:spTree>
     <p:extLst>
       <p:ext uri="{BB962C8B-B14F-4D97-AF65-F5344CB8AC3E}">
-        <p14:creationId xmlns:p14="http://schemas.microsoft.com/office/powerpoint/2010/main" val="2584821894"/>
+        <p14:creationId xmlns:p14="http://schemas.microsoft.com/office/powerpoint/2010/main" xmlns:p="http://schemas.openxmlformats.org/presentationml/2006/main" xmlns:r="http://schemas.openxmlformats.org/officeDocument/2006/relationships" xmlns:a="http://schemas.openxmlformats.org/drawingml/2006/main" xmlns="" val="2584821894"/>
       </p:ext>
     </p:extLst>
   </p:cSld>
@@ -464,7 +473,7 @@
 </file>
 
 <file path=ppt/notesSlides/notesSlide1.xml><?xml version="1.0" encoding="utf-8"?>
-<p:notes xmlns:a="http://schemas.openxmlformats.org/drawingml/2006/main" xmlns:r="http://schemas.openxmlformats.org/officeDocument/2006/relationships" xmlns:p="http://schemas.openxmlformats.org/presentationml/2006/main" showMasterSp="0" showMasterPhAnim="0">
+<p:notes xmlns:a="http://schemas.openxmlformats.org/drawingml/2006/main" xmlns:r="http://schemas.openxmlformats.org/officeDocument/2006/relationships" xmlns:mc="http://schemas.openxmlformats.org/markup-compatibility/2006" xmlns:mv="urn:schemas-microsoft-com:mac:vml" xmlns:p="http://schemas.openxmlformats.org/presentationml/2006/main" mc:Ignorable="mv" mc:PreserveAttributes="mv:*" showMasterSp="0" showMasterPhAnim="0">
   <p:cSld>
     <p:spTree>
       <p:nvGrpSpPr>
@@ -559,7 +568,7 @@
 </file>
 
 <file path=ppt/notesSlides/notesSlide10.xml><?xml version="1.0" encoding="utf-8"?>
-<p:notes xmlns:a="http://schemas.openxmlformats.org/drawingml/2006/main" xmlns:r="http://schemas.openxmlformats.org/officeDocument/2006/relationships" xmlns:p="http://schemas.openxmlformats.org/presentationml/2006/main" showMasterSp="0" showMasterPhAnim="0">
+<p:notes xmlns:a="http://schemas.openxmlformats.org/drawingml/2006/main" xmlns:r="http://schemas.openxmlformats.org/officeDocument/2006/relationships" xmlns:mc="http://schemas.openxmlformats.org/markup-compatibility/2006" xmlns:mv="urn:schemas-microsoft-com:mac:vml" xmlns:p="http://schemas.openxmlformats.org/presentationml/2006/main" mc:Ignorable="mv" mc:PreserveAttributes="mv:*" showMasterSp="0" showMasterPhAnim="0">
   <p:cSld>
     <p:spTree>
       <p:nvGrpSpPr>
@@ -654,7 +663,7 @@
 </file>
 
 <file path=ppt/notesSlides/notesSlide11.xml><?xml version="1.0" encoding="utf-8"?>
-<p:notes xmlns:a="http://schemas.openxmlformats.org/drawingml/2006/main" xmlns:r="http://schemas.openxmlformats.org/officeDocument/2006/relationships" xmlns:p="http://schemas.openxmlformats.org/presentationml/2006/main" showMasterSp="0" showMasterPhAnim="0">
+<p:notes xmlns:a="http://schemas.openxmlformats.org/drawingml/2006/main" xmlns:r="http://schemas.openxmlformats.org/officeDocument/2006/relationships" xmlns:mc="http://schemas.openxmlformats.org/markup-compatibility/2006" xmlns:mv="urn:schemas-microsoft-com:mac:vml" xmlns:p="http://schemas.openxmlformats.org/presentationml/2006/main" mc:Ignorable="mv" mc:PreserveAttributes="mv:*" showMasterSp="0" showMasterPhAnim="0">
   <p:cSld>
     <p:spTree>
       <p:nvGrpSpPr>
@@ -749,7 +758,7 @@
 </file>
 
 <file path=ppt/notesSlides/notesSlide12.xml><?xml version="1.0" encoding="utf-8"?>
-<p:notes xmlns:a="http://schemas.openxmlformats.org/drawingml/2006/main" xmlns:r="http://schemas.openxmlformats.org/officeDocument/2006/relationships" xmlns:p="http://schemas.openxmlformats.org/presentationml/2006/main" showMasterSp="0" showMasterPhAnim="0">
+<p:notes xmlns:a="http://schemas.openxmlformats.org/drawingml/2006/main" xmlns:r="http://schemas.openxmlformats.org/officeDocument/2006/relationships" xmlns:mc="http://schemas.openxmlformats.org/markup-compatibility/2006" xmlns:mv="urn:schemas-microsoft-com:mac:vml" xmlns:p="http://schemas.openxmlformats.org/presentationml/2006/main" mc:Ignorable="mv" mc:PreserveAttributes="mv:*" showMasterSp="0" showMasterPhAnim="0">
   <p:cSld>
     <p:spTree>
       <p:nvGrpSpPr>
@@ -844,7 +853,7 @@
 </file>
 
 <file path=ppt/notesSlides/notesSlide13.xml><?xml version="1.0" encoding="utf-8"?>
-<p:notes xmlns:a="http://schemas.openxmlformats.org/drawingml/2006/main" xmlns:r="http://schemas.openxmlformats.org/officeDocument/2006/relationships" xmlns:p="http://schemas.openxmlformats.org/presentationml/2006/main" showMasterSp="0" showMasterPhAnim="0">
+<p:notes xmlns:a="http://schemas.openxmlformats.org/drawingml/2006/main" xmlns:r="http://schemas.openxmlformats.org/officeDocument/2006/relationships" xmlns:mc="http://schemas.openxmlformats.org/markup-compatibility/2006" xmlns:mv="urn:schemas-microsoft-com:mac:vml" xmlns:p="http://schemas.openxmlformats.org/presentationml/2006/main" mc:Ignorable="mv" mc:PreserveAttributes="mv:*" showMasterSp="0" showMasterPhAnim="0">
   <p:cSld>
     <p:spTree>
       <p:nvGrpSpPr>
@@ -965,7 +974,7 @@
 </file>
 
 <file path=ppt/notesSlides/notesSlide14.xml><?xml version="1.0" encoding="utf-8"?>
-<p:notes xmlns:a="http://schemas.openxmlformats.org/drawingml/2006/main" xmlns:r="http://schemas.openxmlformats.org/officeDocument/2006/relationships" xmlns:p="http://schemas.openxmlformats.org/presentationml/2006/main" showMasterSp="0" showMasterPhAnim="0">
+<p:notes xmlns:a="http://schemas.openxmlformats.org/drawingml/2006/main" xmlns:r="http://schemas.openxmlformats.org/officeDocument/2006/relationships" xmlns:mc="http://schemas.openxmlformats.org/markup-compatibility/2006" xmlns:mv="urn:schemas-microsoft-com:mac:vml" xmlns:p="http://schemas.openxmlformats.org/presentationml/2006/main" mc:Ignorable="mv" mc:PreserveAttributes="mv:*" showMasterSp="0" showMasterPhAnim="0">
   <p:cSld>
     <p:spTree>
       <p:nvGrpSpPr>
@@ -1060,7 +1069,7 @@
 </file>
 
 <file path=ppt/notesSlides/notesSlide15.xml><?xml version="1.0" encoding="utf-8"?>
-<p:notes xmlns:a="http://schemas.openxmlformats.org/drawingml/2006/main" xmlns:r="http://schemas.openxmlformats.org/officeDocument/2006/relationships" xmlns:p="http://schemas.openxmlformats.org/presentationml/2006/main" showMasterSp="0" showMasterPhAnim="0">
+<p:notes xmlns:a="http://schemas.openxmlformats.org/drawingml/2006/main" xmlns:r="http://schemas.openxmlformats.org/officeDocument/2006/relationships" xmlns:mc="http://schemas.openxmlformats.org/markup-compatibility/2006" xmlns:mv="urn:schemas-microsoft-com:mac:vml" xmlns:p="http://schemas.openxmlformats.org/presentationml/2006/main" mc:Ignorable="mv" mc:PreserveAttributes="mv:*" showMasterSp="0" showMasterPhAnim="0">
   <p:cSld>
     <p:spTree>
       <p:nvGrpSpPr>
@@ -1165,7 +1174,7 @@
 </file>
 
 <file path=ppt/notesSlides/notesSlide16.xml><?xml version="1.0" encoding="utf-8"?>
-<p:notes xmlns:a="http://schemas.openxmlformats.org/drawingml/2006/main" xmlns:r="http://schemas.openxmlformats.org/officeDocument/2006/relationships" xmlns:p="http://schemas.openxmlformats.org/presentationml/2006/main" showMasterSp="0" showMasterPhAnim="0">
+<p:notes xmlns:a="http://schemas.openxmlformats.org/drawingml/2006/main" xmlns:r="http://schemas.openxmlformats.org/officeDocument/2006/relationships" xmlns:mc="http://schemas.openxmlformats.org/markup-compatibility/2006" xmlns:mv="urn:schemas-microsoft-com:mac:vml" xmlns:p="http://schemas.openxmlformats.org/presentationml/2006/main" mc:Ignorable="mv" mc:PreserveAttributes="mv:*" showMasterSp="0" showMasterPhAnim="0">
   <p:cSld>
     <p:spTree>
       <p:nvGrpSpPr>
@@ -1260,7 +1269,7 @@
 </file>
 
 <file path=ppt/notesSlides/notesSlide17.xml><?xml version="1.0" encoding="utf-8"?>
-<p:notes xmlns:a="http://schemas.openxmlformats.org/drawingml/2006/main" xmlns:r="http://schemas.openxmlformats.org/officeDocument/2006/relationships" xmlns:p="http://schemas.openxmlformats.org/presentationml/2006/main" showMasterSp="0" showMasterPhAnim="0">
+<p:notes xmlns:a="http://schemas.openxmlformats.org/drawingml/2006/main" xmlns:r="http://schemas.openxmlformats.org/officeDocument/2006/relationships" xmlns:mc="http://schemas.openxmlformats.org/markup-compatibility/2006" xmlns:mv="urn:schemas-microsoft-com:mac:vml" xmlns:p="http://schemas.openxmlformats.org/presentationml/2006/main" mc:Ignorable="mv" mc:PreserveAttributes="mv:*" showMasterSp="0" showMasterPhAnim="0">
   <p:cSld>
     <p:spTree>
       <p:nvGrpSpPr>
@@ -1355,7 +1364,7 @@
 </file>
 
 <file path=ppt/notesSlides/notesSlide2.xml><?xml version="1.0" encoding="utf-8"?>
-<p:notes xmlns:a="http://schemas.openxmlformats.org/drawingml/2006/main" xmlns:r="http://schemas.openxmlformats.org/officeDocument/2006/relationships" xmlns:p="http://schemas.openxmlformats.org/presentationml/2006/main" showMasterSp="0" showMasterPhAnim="0">
+<p:notes xmlns:a="http://schemas.openxmlformats.org/drawingml/2006/main" xmlns:r="http://schemas.openxmlformats.org/officeDocument/2006/relationships" xmlns:mc="http://schemas.openxmlformats.org/markup-compatibility/2006" xmlns:mv="urn:schemas-microsoft-com:mac:vml" xmlns:p="http://schemas.openxmlformats.org/presentationml/2006/main" mc:Ignorable="mv" mc:PreserveAttributes="mv:*" showMasterSp="0" showMasterPhAnim="0">
   <p:cSld>
     <p:spTree>
       <p:nvGrpSpPr>
@@ -1450,7 +1459,7 @@
 </file>
 
 <file path=ppt/notesSlides/notesSlide3.xml><?xml version="1.0" encoding="utf-8"?>
-<p:notes xmlns:a="http://schemas.openxmlformats.org/drawingml/2006/main" xmlns:r="http://schemas.openxmlformats.org/officeDocument/2006/relationships" xmlns:p="http://schemas.openxmlformats.org/presentationml/2006/main" showMasterSp="0" showMasterPhAnim="0">
+<p:notes xmlns:a="http://schemas.openxmlformats.org/drawingml/2006/main" xmlns:r="http://schemas.openxmlformats.org/officeDocument/2006/relationships" xmlns:mc="http://schemas.openxmlformats.org/markup-compatibility/2006" xmlns:mv="urn:schemas-microsoft-com:mac:vml" xmlns:p="http://schemas.openxmlformats.org/presentationml/2006/main" mc:Ignorable="mv" mc:PreserveAttributes="mv:*" showMasterSp="0" showMasterPhAnim="0">
   <p:cSld>
     <p:spTree>
       <p:nvGrpSpPr>
@@ -1545,7 +1554,7 @@
 </file>
 
 <file path=ppt/notesSlides/notesSlide4.xml><?xml version="1.0" encoding="utf-8"?>
-<p:notes xmlns:a="http://schemas.openxmlformats.org/drawingml/2006/main" xmlns:r="http://schemas.openxmlformats.org/officeDocument/2006/relationships" xmlns:p="http://schemas.openxmlformats.org/presentationml/2006/main" showMasterSp="0" showMasterPhAnim="0">
+<p:notes xmlns:a="http://schemas.openxmlformats.org/drawingml/2006/main" xmlns:r="http://schemas.openxmlformats.org/officeDocument/2006/relationships" xmlns:mc="http://schemas.openxmlformats.org/markup-compatibility/2006" xmlns:mv="urn:schemas-microsoft-com:mac:vml" xmlns:p="http://schemas.openxmlformats.org/presentationml/2006/main" mc:Ignorable="mv" mc:PreserveAttributes="mv:*" showMasterSp="0" showMasterPhAnim="0">
   <p:cSld>
     <p:spTree>
       <p:nvGrpSpPr>
@@ -1640,7 +1649,7 @@
 </file>
 
 <file path=ppt/notesSlides/notesSlide5.xml><?xml version="1.0" encoding="utf-8"?>
-<p:notes xmlns:a="http://schemas.openxmlformats.org/drawingml/2006/main" xmlns:r="http://schemas.openxmlformats.org/officeDocument/2006/relationships" xmlns:p="http://schemas.openxmlformats.org/presentationml/2006/main" showMasterSp="0" showMasterPhAnim="0">
+<p:notes xmlns:a="http://schemas.openxmlformats.org/drawingml/2006/main" xmlns:r="http://schemas.openxmlformats.org/officeDocument/2006/relationships" xmlns:mc="http://schemas.openxmlformats.org/markup-compatibility/2006" xmlns:mv="urn:schemas-microsoft-com:mac:vml" xmlns:p="http://schemas.openxmlformats.org/presentationml/2006/main" mc:Ignorable="mv" mc:PreserveAttributes="mv:*" showMasterSp="0" showMasterPhAnim="0">
   <p:cSld>
     <p:spTree>
       <p:nvGrpSpPr>
@@ -1735,7 +1744,7 @@
 </file>
 
 <file path=ppt/notesSlides/notesSlide6.xml><?xml version="1.0" encoding="utf-8"?>
-<p:notes xmlns:a="http://schemas.openxmlformats.org/drawingml/2006/main" xmlns:r="http://schemas.openxmlformats.org/officeDocument/2006/relationships" xmlns:p="http://schemas.openxmlformats.org/presentationml/2006/main" showMasterSp="0" showMasterPhAnim="0">
+<p:notes xmlns:a="http://schemas.openxmlformats.org/drawingml/2006/main" xmlns:r="http://schemas.openxmlformats.org/officeDocument/2006/relationships" xmlns:mc="http://schemas.openxmlformats.org/markup-compatibility/2006" xmlns:mv="urn:schemas-microsoft-com:mac:vml" xmlns:p="http://schemas.openxmlformats.org/presentationml/2006/main" mc:Ignorable="mv" mc:PreserveAttributes="mv:*" showMasterSp="0" showMasterPhAnim="0">
   <p:cSld>
     <p:spTree>
       <p:nvGrpSpPr>
@@ -1830,7 +1839,7 @@
 </file>
 
 <file path=ppt/notesSlides/notesSlide7.xml><?xml version="1.0" encoding="utf-8"?>
-<p:notes xmlns:a="http://schemas.openxmlformats.org/drawingml/2006/main" xmlns:r="http://schemas.openxmlformats.org/officeDocument/2006/relationships" xmlns:p="http://schemas.openxmlformats.org/presentationml/2006/main" showMasterSp="0" showMasterPhAnim="0">
+<p:notes xmlns:a="http://schemas.openxmlformats.org/drawingml/2006/main" xmlns:r="http://schemas.openxmlformats.org/officeDocument/2006/relationships" xmlns:mc="http://schemas.openxmlformats.org/markup-compatibility/2006" xmlns:mv="urn:schemas-microsoft-com:mac:vml" xmlns:p="http://schemas.openxmlformats.org/presentationml/2006/main" mc:Ignorable="mv" mc:PreserveAttributes="mv:*" showMasterSp="0" showMasterPhAnim="0">
   <p:cSld>
     <p:spTree>
       <p:nvGrpSpPr>
@@ -1925,7 +1934,7 @@
 </file>
 
 <file path=ppt/notesSlides/notesSlide8.xml><?xml version="1.0" encoding="utf-8"?>
-<p:notes xmlns:a="http://schemas.openxmlformats.org/drawingml/2006/main" xmlns:r="http://schemas.openxmlformats.org/officeDocument/2006/relationships" xmlns:p="http://schemas.openxmlformats.org/presentationml/2006/main" showMasterSp="0" showMasterPhAnim="0">
+<p:notes xmlns:a="http://schemas.openxmlformats.org/drawingml/2006/main" xmlns:r="http://schemas.openxmlformats.org/officeDocument/2006/relationships" xmlns:mc="http://schemas.openxmlformats.org/markup-compatibility/2006" xmlns:mv="urn:schemas-microsoft-com:mac:vml" xmlns:p="http://schemas.openxmlformats.org/presentationml/2006/main" mc:Ignorable="mv" mc:PreserveAttributes="mv:*" showMasterSp="0" showMasterPhAnim="0">
   <p:cSld>
     <p:spTree>
       <p:nvGrpSpPr>
@@ -2020,7 +2029,7 @@
 </file>
 
 <file path=ppt/notesSlides/notesSlide9.xml><?xml version="1.0" encoding="utf-8"?>
-<p:notes xmlns:a="http://schemas.openxmlformats.org/drawingml/2006/main" xmlns:r="http://schemas.openxmlformats.org/officeDocument/2006/relationships" xmlns:p="http://schemas.openxmlformats.org/presentationml/2006/main" showMasterSp="0" showMasterPhAnim="0">
+<p:notes xmlns:a="http://schemas.openxmlformats.org/drawingml/2006/main" xmlns:r="http://schemas.openxmlformats.org/officeDocument/2006/relationships" xmlns:mc="http://schemas.openxmlformats.org/markup-compatibility/2006" xmlns:mv="urn:schemas-microsoft-com:mac:vml" xmlns:p="http://schemas.openxmlformats.org/presentationml/2006/main" mc:Ignorable="mv" mc:PreserveAttributes="mv:*" showMasterSp="0" showMasterPhAnim="0">
   <p:cSld>
     <p:spTree>
       <p:nvGrpSpPr>
@@ -2115,7 +2124,7 @@
 </file>
 
 <file path=ppt/slideLayouts/slideLayout1.xml><?xml version="1.0" encoding="utf-8"?>
-<p:sldLayout xmlns:a="http://schemas.openxmlformats.org/drawingml/2006/main" xmlns:r="http://schemas.openxmlformats.org/officeDocument/2006/relationships" xmlns:p="http://schemas.openxmlformats.org/presentationml/2006/main" matchingName="title" type="title">
+<p:sldLayout xmlns:a="http://schemas.openxmlformats.org/drawingml/2006/main" xmlns:r="http://schemas.openxmlformats.org/officeDocument/2006/relationships" xmlns:mc="http://schemas.openxmlformats.org/markup-compatibility/2006" xmlns:mv="urn:schemas-microsoft-com:mac:vml" xmlns:p="http://schemas.openxmlformats.org/presentationml/2006/main" mc:Ignorable="mv" mc:PreserveAttributes="mv:*" matchingName="title" type="title">
   <p:cSld name="title">
     <p:spTree>
       <p:nvGrpSpPr>
@@ -2618,7 +2627,7 @@
 </file>
 
 <file path=ppt/slideLayouts/slideLayout2.xml><?xml version="1.0" encoding="utf-8"?>
-<p:sldLayout xmlns:a="http://schemas.openxmlformats.org/drawingml/2006/main" xmlns:r="http://schemas.openxmlformats.org/officeDocument/2006/relationships" xmlns:p="http://schemas.openxmlformats.org/presentationml/2006/main" matchingName="tx" type="tx">
+<p:sldLayout xmlns:a="http://schemas.openxmlformats.org/drawingml/2006/main" xmlns:r="http://schemas.openxmlformats.org/officeDocument/2006/relationships" xmlns:mc="http://schemas.openxmlformats.org/markup-compatibility/2006" xmlns:mv="urn:schemas-microsoft-com:mac:vml" xmlns:p="http://schemas.openxmlformats.org/presentationml/2006/main" mc:Ignorable="mv" mc:PreserveAttributes="mv:*" matchingName="tx" type="tx">
   <p:cSld name="tx">
     <p:spTree>
       <p:nvGrpSpPr>
@@ -2887,7 +2896,7 @@
 </file>
 
 <file path=ppt/slideLayouts/slideLayout3.xml><?xml version="1.0" encoding="utf-8"?>
-<p:sldLayout xmlns:a="http://schemas.openxmlformats.org/drawingml/2006/main" xmlns:r="http://schemas.openxmlformats.org/officeDocument/2006/relationships" xmlns:p="http://schemas.openxmlformats.org/presentationml/2006/main" matchingName="twoColTx" type="twoColTx">
+<p:sldLayout xmlns:a="http://schemas.openxmlformats.org/drawingml/2006/main" xmlns:r="http://schemas.openxmlformats.org/officeDocument/2006/relationships" xmlns:mc="http://schemas.openxmlformats.org/markup-compatibility/2006" xmlns:mv="urn:schemas-microsoft-com:mac:vml" xmlns:p="http://schemas.openxmlformats.org/presentationml/2006/main" mc:Ignorable="mv" mc:PreserveAttributes="mv:*" matchingName="twoColTx" type="twoColTx">
   <p:cSld name="twoColTx">
     <p:spTree>
       <p:nvGrpSpPr>
@@ -3215,7 +3224,7 @@
 </file>
 
 <file path=ppt/slideLayouts/slideLayout4.xml><?xml version="1.0" encoding="utf-8"?>
-<p:sldLayout xmlns:a="http://schemas.openxmlformats.org/drawingml/2006/main" xmlns:r="http://schemas.openxmlformats.org/officeDocument/2006/relationships" xmlns:p="http://schemas.openxmlformats.org/presentationml/2006/main" matchingName="titleOnly" type="titleOnly">
+<p:sldLayout xmlns:a="http://schemas.openxmlformats.org/drawingml/2006/main" xmlns:r="http://schemas.openxmlformats.org/officeDocument/2006/relationships" xmlns:mc="http://schemas.openxmlformats.org/markup-compatibility/2006" xmlns:mv="urn:schemas-microsoft-com:mac:vml" xmlns:p="http://schemas.openxmlformats.org/presentationml/2006/main" mc:Ignorable="mv" mc:PreserveAttributes="mv:*" matchingName="titleOnly" type="titleOnly">
   <p:cSld name="titleOnly">
     <p:spTree>
       <p:nvGrpSpPr>
@@ -3425,7 +3434,7 @@
 </file>
 
 <file path=ppt/slideLayouts/slideLayout5.xml><?xml version="1.0" encoding="utf-8"?>
-<p:sldLayout xmlns:a="http://schemas.openxmlformats.org/drawingml/2006/main" xmlns:r="http://schemas.openxmlformats.org/officeDocument/2006/relationships" xmlns:p="http://schemas.openxmlformats.org/presentationml/2006/main" matchingName="CAPTION_ONLY">
+<p:sldLayout xmlns:a="http://schemas.openxmlformats.org/drawingml/2006/main" xmlns:r="http://schemas.openxmlformats.org/officeDocument/2006/relationships" xmlns:mc="http://schemas.openxmlformats.org/markup-compatibility/2006" xmlns:mv="urn:schemas-microsoft-com:mac:vml" xmlns:p="http://schemas.openxmlformats.org/presentationml/2006/main" mc:Ignorable="mv" mc:PreserveAttributes="mv:*" matchingName="CAPTION_ONLY">
   <p:cSld name="CAPTION_ONLY">
     <p:spTree>
       <p:nvGrpSpPr>
@@ -3680,7 +3689,7 @@
 </file>
 
 <file path=ppt/slideLayouts/slideLayout6.xml><?xml version="1.0" encoding="utf-8"?>
-<p:sldLayout xmlns:a="http://schemas.openxmlformats.org/drawingml/2006/main" xmlns:r="http://schemas.openxmlformats.org/officeDocument/2006/relationships" xmlns:p="http://schemas.openxmlformats.org/presentationml/2006/main" matchingName="blank" type="blank">
+<p:sldLayout xmlns:a="http://schemas.openxmlformats.org/drawingml/2006/main" xmlns:r="http://schemas.openxmlformats.org/officeDocument/2006/relationships" xmlns:mc="http://schemas.openxmlformats.org/markup-compatibility/2006" xmlns:mv="urn:schemas-microsoft-com:mac:vml" xmlns:p="http://schemas.openxmlformats.org/presentationml/2006/main" mc:Ignorable="mv" mc:PreserveAttributes="mv:*" matchingName="blank" type="blank">
   <p:cSld name="blank">
     <p:spTree>
       <p:nvGrpSpPr>
@@ -3705,7 +3714,7 @@
 </file>
 
 <file path=ppt/slideMasters/slideMaster1.xml><?xml version="1.0" encoding="utf-8"?>
-<p:sldMaster xmlns:a="http://schemas.openxmlformats.org/drawingml/2006/main" xmlns:r="http://schemas.openxmlformats.org/officeDocument/2006/relationships" xmlns:p="http://schemas.openxmlformats.org/presentationml/2006/main">
+<p:sldMaster xmlns:a="http://schemas.openxmlformats.org/drawingml/2006/main" xmlns:r="http://schemas.openxmlformats.org/officeDocument/2006/relationships" xmlns:mc="http://schemas.openxmlformats.org/markup-compatibility/2006" xmlns:mv="urn:schemas-microsoft-com:mac:vml" xmlns:p="http://schemas.openxmlformats.org/presentationml/2006/main" mc:Ignorable="mv" mc:PreserveAttributes="mv:*">
   <p:cSld>
     <p:bg>
       <p:bgPr>
@@ -4210,7 +4219,6 @@
           <a:ea typeface="Arial"/>
           <a:cs typeface="Arial"/>
           <a:sym typeface="Arial"/>
-          <a:rtl val="0"/>
         </a:defRPr>
       </a:lvl1pPr>
       <a:lvl2pPr marR="0" algn="l" rtl="0">
@@ -4232,7 +4240,6 @@
           <a:ea typeface="Arial"/>
           <a:cs typeface="Arial"/>
           <a:sym typeface="Arial"/>
-          <a:rtl val="0"/>
         </a:defRPr>
       </a:lvl2pPr>
     </p:titleStyle>
@@ -4267,7 +4274,6 @@
           <a:ea typeface="Arial"/>
           <a:cs typeface="Arial"/>
           <a:sym typeface="Arial"/>
-          <a:rtl val="0"/>
         </a:defRPr>
       </a:lvl1pPr>
       <a:lvl2pPr marR="0" algn="l" rtl="0">
@@ -4289,7 +4295,6 @@
           <a:ea typeface="Arial"/>
           <a:cs typeface="Arial"/>
           <a:sym typeface="Arial"/>
-          <a:rtl val="0"/>
         </a:defRPr>
       </a:lvl2pPr>
       <a:lvl3pPr marR="0" algn="l" rtl="0">
@@ -4311,7 +4316,6 @@
           <a:ea typeface="Arial"/>
           <a:cs typeface="Arial"/>
           <a:sym typeface="Arial"/>
-          <a:rtl val="0"/>
         </a:defRPr>
       </a:lvl3pPr>
       <a:lvl4pPr marR="0" algn="l" rtl="0">
@@ -4333,7 +4337,6 @@
           <a:ea typeface="Arial"/>
           <a:cs typeface="Arial"/>
           <a:sym typeface="Arial"/>
-          <a:rtl val="0"/>
         </a:defRPr>
       </a:lvl4pPr>
       <a:lvl5pPr marR="0" algn="l" rtl="0">
@@ -4355,7 +4358,6 @@
           <a:ea typeface="Arial"/>
           <a:cs typeface="Arial"/>
           <a:sym typeface="Arial"/>
-          <a:rtl val="0"/>
         </a:defRPr>
       </a:lvl5pPr>
       <a:lvl6pPr marR="0" algn="l" rtl="0">
@@ -4377,7 +4379,6 @@
           <a:ea typeface="Arial"/>
           <a:cs typeface="Arial"/>
           <a:sym typeface="Arial"/>
-          <a:rtl val="0"/>
         </a:defRPr>
       </a:lvl6pPr>
       <a:lvl7pPr marR="0" algn="l" rtl="0">
@@ -4399,7 +4400,6 @@
           <a:ea typeface="Arial"/>
           <a:cs typeface="Arial"/>
           <a:sym typeface="Arial"/>
-          <a:rtl val="0"/>
         </a:defRPr>
       </a:lvl7pPr>
       <a:lvl8pPr marR="0" algn="l" rtl="0">
@@ -4421,7 +4421,6 @@
           <a:ea typeface="Arial"/>
           <a:cs typeface="Arial"/>
           <a:sym typeface="Arial"/>
-          <a:rtl val="0"/>
         </a:defRPr>
       </a:lvl8pPr>
       <a:lvl9pPr marR="0" algn="l" rtl="0">
@@ -4443,7 +4442,6 @@
           <a:ea typeface="Arial"/>
           <a:cs typeface="Arial"/>
           <a:sym typeface="Arial"/>
-          <a:rtl val="0"/>
         </a:defRPr>
       </a:lvl9pPr>
     </p:bodyStyle>
@@ -4478,7 +4476,6 @@
           <a:ea typeface="Arial"/>
           <a:cs typeface="Arial"/>
           <a:sym typeface="Arial"/>
-          <a:rtl val="0"/>
         </a:defRPr>
       </a:lvl1pPr>
       <a:lvl2pPr marR="0" algn="l" rtl="0">
@@ -4500,7 +4497,6 @@
           <a:ea typeface="Arial"/>
           <a:cs typeface="Arial"/>
           <a:sym typeface="Arial"/>
-          <a:rtl val="0"/>
         </a:defRPr>
       </a:lvl2pPr>
       <a:lvl3pPr marR="0" algn="l" rtl="0">
@@ -4522,7 +4518,6 @@
           <a:ea typeface="Arial"/>
           <a:cs typeface="Arial"/>
           <a:sym typeface="Arial"/>
-          <a:rtl val="0"/>
         </a:defRPr>
       </a:lvl3pPr>
       <a:lvl4pPr marR="0" algn="l" rtl="0">
@@ -4544,7 +4539,6 @@
           <a:ea typeface="Arial"/>
           <a:cs typeface="Arial"/>
           <a:sym typeface="Arial"/>
-          <a:rtl val="0"/>
         </a:defRPr>
       </a:lvl4pPr>
       <a:lvl5pPr marR="0" algn="l" rtl="0">
@@ -4566,7 +4560,6 @@
           <a:ea typeface="Arial"/>
           <a:cs typeface="Arial"/>
           <a:sym typeface="Arial"/>
-          <a:rtl val="0"/>
         </a:defRPr>
       </a:lvl5pPr>
       <a:lvl6pPr marR="0" algn="l" rtl="0">
@@ -4588,7 +4581,6 @@
           <a:ea typeface="Arial"/>
           <a:cs typeface="Arial"/>
           <a:sym typeface="Arial"/>
-          <a:rtl val="0"/>
         </a:defRPr>
       </a:lvl6pPr>
       <a:lvl7pPr marR="0" algn="l" rtl="0">
@@ -4610,7 +4602,6 @@
           <a:ea typeface="Arial"/>
           <a:cs typeface="Arial"/>
           <a:sym typeface="Arial"/>
-          <a:rtl val="0"/>
         </a:defRPr>
       </a:lvl7pPr>
       <a:lvl8pPr marR="0" algn="l" rtl="0">
@@ -4632,7 +4623,6 @@
           <a:ea typeface="Arial"/>
           <a:cs typeface="Arial"/>
           <a:sym typeface="Arial"/>
-          <a:rtl val="0"/>
         </a:defRPr>
       </a:lvl8pPr>
       <a:lvl9pPr marR="0" algn="l" rtl="0">
@@ -4654,7 +4644,6 @@
           <a:ea typeface="Arial"/>
           <a:cs typeface="Arial"/>
           <a:sym typeface="Arial"/>
-          <a:rtl val="0"/>
         </a:defRPr>
       </a:lvl9pPr>
     </p:otherStyle>
@@ -4663,7 +4652,7 @@
 </file>
 
 <file path=ppt/slides/slide1.xml><?xml version="1.0" encoding="utf-8"?>
-<p:sld xmlns:a="http://schemas.openxmlformats.org/drawingml/2006/main" xmlns:r="http://schemas.openxmlformats.org/officeDocument/2006/relationships" xmlns:p="http://schemas.openxmlformats.org/presentationml/2006/main">
+<p:sld xmlns:a="http://schemas.openxmlformats.org/drawingml/2006/main" xmlns:r="http://schemas.openxmlformats.org/officeDocument/2006/relationships" xmlns:mc="http://schemas.openxmlformats.org/markup-compatibility/2006" xmlns:mv="urn:schemas-microsoft-com:mac:vml" xmlns:p="http://schemas.openxmlformats.org/presentationml/2006/main" mc:Ignorable="mv" mc:PreserveAttributes="mv:*">
   <p:cSld>
     <p:spTree>
       <p:nvGrpSpPr>
@@ -4807,13 +4796,13 @@
   <p:clrMapOvr>
     <a:masterClrMapping/>
   </p:clrMapOvr>
-  <p:transition xmlns:p14="http://schemas.microsoft.com/office/powerpoint/2010/main" spd="slow">
+  <p:transition spd="slow">
     <p:cut/>
   </p:transition>
   <p:timing>
     <p:tnLst>
       <p:par>
-        <p:cTn xmlns:p14="http://schemas.microsoft.com/office/powerpoint/2010/main" id="1" dur="indefinite" restart="never" nodeType="tmRoot"/>
+        <p:cTn id="1" dur="indefinite" restart="never" nodeType="tmRoot"/>
       </p:par>
     </p:tnLst>
   </p:timing>
@@ -4821,7 +4810,134 @@
 </file>
 
 <file path=ppt/slides/slide10.xml><?xml version="1.0" encoding="utf-8"?>
-<p:sld xmlns:a="http://schemas.openxmlformats.org/drawingml/2006/main" xmlns:r="http://schemas.openxmlformats.org/officeDocument/2006/relationships" xmlns:p="http://schemas.openxmlformats.org/presentationml/2006/main">
+<p:sld xmlns:a="http://schemas.openxmlformats.org/drawingml/2006/main" xmlns:r="http://schemas.openxmlformats.org/officeDocument/2006/relationships" xmlns:mc="http://schemas.openxmlformats.org/markup-compatibility/2006" xmlns:mv="urn:schemas-microsoft-com:mac:vml" xmlns:p="http://schemas.openxmlformats.org/presentationml/2006/main" mc:Ignorable="mv" mc:PreserveAttributes="mv:*">
+  <p:cSld>
+    <p:spTree>
+      <p:nvGrpSpPr>
+        <p:cNvPr id="1" name="Shape 80"/>
+        <p:cNvGrpSpPr/>
+        <p:nvPr/>
+      </p:nvGrpSpPr>
+      <p:grpSpPr>
+        <a:xfrm>
+          <a:off x="0" y="0"/>
+          <a:ext cx="0" cy="0"/>
+          <a:chOff x="0" y="0"/>
+          <a:chExt cx="0" cy="0"/>
+        </a:xfrm>
+      </p:grpSpPr>
+      <p:sp>
+        <p:nvSpPr>
+          <p:cNvPr id="81" name="Shape 81"/>
+          <p:cNvSpPr txBox="1">
+            <a:spLocks noGrp="1"/>
+          </p:cNvSpPr>
+          <p:nvPr>
+            <p:ph type="title"/>
+          </p:nvPr>
+        </p:nvSpPr>
+        <p:spPr>
+          <a:xfrm>
+            <a:off x="457200" y="-326612"/>
+            <a:ext cx="8229600" cy="1143000"/>
+          </a:xfrm>
+          <a:prstGeom prst="rect">
+            <a:avLst/>
+          </a:prstGeom>
+        </p:spPr>
+        <p:txBody>
+          <a:bodyPr lIns="91425" tIns="91425" rIns="91425" bIns="91425" anchor="b" anchorCtr="0">
+            <a:noAutofit/>
+          </a:bodyPr>
+          <a:lstStyle/>
+          <a:p>
+            <a:pPr>
+              <a:buNone/>
+            </a:pPr>
+            <a:r>
+              <a:rPr lang="en"/>
+              <a:t>Diagrama de Bloques</a:t>
+            </a:r>
+          </a:p>
+        </p:txBody>
+      </p:sp>
+      <p:sp>
+        <p:nvSpPr>
+          <p:cNvPr id="82" name="Shape 82"/>
+          <p:cNvSpPr txBox="1">
+            <a:spLocks noGrp="1"/>
+          </p:cNvSpPr>
+          <p:nvPr>
+            <p:ph type="body" idx="1"/>
+          </p:nvPr>
+        </p:nvSpPr>
+        <p:spPr>
+          <a:xfrm>
+            <a:off x="457200" y="1600200"/>
+            <a:ext cx="8229600" cy="4967700"/>
+          </a:xfrm>
+          <a:prstGeom prst="rect">
+            <a:avLst/>
+          </a:prstGeom>
+        </p:spPr>
+        <p:txBody>
+          <a:bodyPr lIns="91425" tIns="91425" rIns="91425" bIns="91425" anchor="t" anchorCtr="0">
+            <a:noAutofit/>
+          </a:bodyPr>
+          <a:lstStyle/>
+          <a:p>
+            <a:pPr>
+              <a:buNone/>
+            </a:pPr>
+            <a:r>
+              <a:rPr lang="en"/>
+              <a:t> </a:t>
+            </a:r>
+          </a:p>
+        </p:txBody>
+      </p:sp>
+      <p:sp>
+        <p:nvSpPr>
+          <p:cNvPr id="83" name="Shape 83"/>
+          <p:cNvSpPr/>
+          <p:nvPr/>
+        </p:nvSpPr>
+        <p:spPr>
+          <a:xfrm>
+            <a:off x="1232775" y="816400"/>
+            <a:ext cx="6671475" cy="6041598"/>
+          </a:xfrm>
+          <a:prstGeom prst="rect">
+            <a:avLst/>
+          </a:prstGeom>
+          <a:blipFill>
+            <a:blip r:embed="rId3"/>
+            <a:stretch>
+              <a:fillRect/>
+            </a:stretch>
+          </a:blipFill>
+        </p:spPr>
+      </p:sp>
+    </p:spTree>
+  </p:cSld>
+  <p:clrMapOvr>
+    <a:masterClrMapping/>
+  </p:clrMapOvr>
+  <p:transition spd="slow">
+    <p:cut/>
+  </p:transition>
+  <p:timing>
+    <p:tnLst>
+      <p:par>
+        <p:cTn id="1" dur="indefinite" restart="never" nodeType="tmRoot"/>
+      </p:par>
+    </p:tnLst>
+  </p:timing>
+</p:sld>
+</file>
+
+<file path=ppt/slides/slide11.xml><?xml version="1.0" encoding="utf-8"?>
+<p:sld xmlns:a="http://schemas.openxmlformats.org/drawingml/2006/main" xmlns:r="http://schemas.openxmlformats.org/officeDocument/2006/relationships" xmlns:mc="http://schemas.openxmlformats.org/markup-compatibility/2006" xmlns:mv="urn:schemas-microsoft-com:mac:vml" xmlns:p="http://schemas.openxmlformats.org/presentationml/2006/main" mc:Ignorable="mv" mc:PreserveAttributes="mv:*">
   <p:cSld>
     <p:spTree>
       <p:nvGrpSpPr>
@@ -4996,21 +5112,21 @@
   <p:clrMapOvr>
     <a:masterClrMapping/>
   </p:clrMapOvr>
-  <p:transition xmlns:p14="http://schemas.microsoft.com/office/powerpoint/2010/main" spd="slow">
+  <p:transition spd="slow">
     <p:cut/>
   </p:transition>
   <p:timing>
     <p:tnLst>
       <p:par>
-        <p:cTn xmlns:p14="http://schemas.microsoft.com/office/powerpoint/2010/main" id="1" dur="indefinite" restart="never" nodeType="tmRoot"/>
+        <p:cTn id="1" dur="indefinite" restart="never" nodeType="tmRoot"/>
       </p:par>
     </p:tnLst>
   </p:timing>
 </p:sld>
 </file>
 
-<file path=ppt/slides/slide11.xml><?xml version="1.0" encoding="utf-8"?>
-<p:sld xmlns:a="http://schemas.openxmlformats.org/drawingml/2006/main" xmlns:r="http://schemas.openxmlformats.org/officeDocument/2006/relationships" xmlns:p="http://schemas.openxmlformats.org/presentationml/2006/main">
+<file path=ppt/slides/slide12.xml><?xml version="1.0" encoding="utf-8"?>
+<p:sld xmlns:a="http://schemas.openxmlformats.org/drawingml/2006/main" xmlns:r="http://schemas.openxmlformats.org/officeDocument/2006/relationships" xmlns:mc="http://schemas.openxmlformats.org/markup-compatibility/2006" xmlns:mv="urn:schemas-microsoft-com:mac:vml" xmlns:p="http://schemas.openxmlformats.org/presentationml/2006/main" mc:Ignorable="mv" mc:PreserveAttributes="mv:*">
   <p:cSld>
     <p:spTree>
       <p:nvGrpSpPr>
@@ -5167,21 +5283,21 @@
   <p:clrMapOvr>
     <a:masterClrMapping/>
   </p:clrMapOvr>
-  <p:transition xmlns:p14="http://schemas.microsoft.com/office/powerpoint/2010/main" spd="slow">
+  <p:transition spd="slow">
     <p:cut/>
   </p:transition>
   <p:timing>
     <p:tnLst>
       <p:par>
-        <p:cTn xmlns:p14="http://schemas.microsoft.com/office/powerpoint/2010/main" id="1" dur="indefinite" restart="never" nodeType="tmRoot"/>
+        <p:cTn id="1" dur="indefinite" restart="never" nodeType="tmRoot"/>
       </p:par>
     </p:tnLst>
   </p:timing>
 </p:sld>
 </file>
 
-<file path=ppt/slides/slide12.xml><?xml version="1.0" encoding="utf-8"?>
-<p:sld xmlns:a="http://schemas.openxmlformats.org/drawingml/2006/main" xmlns:r="http://schemas.openxmlformats.org/officeDocument/2006/relationships" xmlns:p="http://schemas.openxmlformats.org/presentationml/2006/main">
+<file path=ppt/slides/slide13.xml><?xml version="1.0" encoding="utf-8"?>
+<p:sld xmlns:a="http://schemas.openxmlformats.org/drawingml/2006/main" xmlns:r="http://schemas.openxmlformats.org/officeDocument/2006/relationships" xmlns:mc="http://schemas.openxmlformats.org/markup-compatibility/2006" xmlns:mv="urn:schemas-microsoft-com:mac:vml" xmlns:p="http://schemas.openxmlformats.org/presentationml/2006/main" mc:Ignorable="mv" mc:PreserveAttributes="mv:*">
   <p:cSld>
     <p:spTree>
       <p:nvGrpSpPr>
@@ -5312,21 +5428,21 @@
   <p:clrMapOvr>
     <a:masterClrMapping/>
   </p:clrMapOvr>
-  <p:transition xmlns:p14="http://schemas.microsoft.com/office/powerpoint/2010/main" spd="slow">
+  <p:transition spd="slow">
     <p:cut/>
   </p:transition>
   <p:timing>
     <p:tnLst>
       <p:par>
-        <p:cTn xmlns:p14="http://schemas.microsoft.com/office/powerpoint/2010/main" id="1" dur="indefinite" restart="never" nodeType="tmRoot"/>
+        <p:cTn id="1" dur="indefinite" restart="never" nodeType="tmRoot"/>
       </p:par>
     </p:tnLst>
   </p:timing>
 </p:sld>
 </file>
 
-<file path=ppt/slides/slide13.xml><?xml version="1.0" encoding="utf-8"?>
-<p:sld xmlns:a="http://schemas.openxmlformats.org/drawingml/2006/main" xmlns:r="http://schemas.openxmlformats.org/officeDocument/2006/relationships" xmlns:p="http://schemas.openxmlformats.org/presentationml/2006/main">
+<file path=ppt/slides/slide14.xml><?xml version="1.0" encoding="utf-8"?>
+<p:sld xmlns:a="http://schemas.openxmlformats.org/drawingml/2006/main" xmlns:r="http://schemas.openxmlformats.org/officeDocument/2006/relationships" xmlns:mc="http://schemas.openxmlformats.org/markup-compatibility/2006" xmlns:mv="urn:schemas-microsoft-com:mac:vml" xmlns:p="http://schemas.openxmlformats.org/presentationml/2006/main" mc:Ignorable="mv" mc:PreserveAttributes="mv:*">
   <p:cSld>
     <p:spTree>
       <p:nvGrpSpPr>
@@ -5354,8 +5470,8 @@
         </p:nvSpPr>
         <p:spPr>
           <a:xfrm>
-            <a:off x="457200" y="274637"/>
-            <a:ext cx="8229600" cy="1143000"/>
+            <a:off x="457200" y="204557"/>
+            <a:ext cx="8229600" cy="676116"/>
           </a:xfrm>
           <a:prstGeom prst="rect">
             <a:avLst/>
@@ -5371,7 +5487,7 @@
               <a:buNone/>
             </a:pPr>
             <a:r>
-              <a:rPr lang="en"/>
+              <a:rPr lang="en" dirty="0"/>
               <a:t>Modelo de datos</a:t>
             </a:r>
           </a:p>
@@ -5389,8 +5505,8 @@
         </p:nvSpPr>
         <p:spPr>
           <a:xfrm>
-            <a:off x="457200" y="1600200"/>
-            <a:ext cx="8229600" cy="4967700"/>
+            <a:off x="457200" y="941745"/>
+            <a:ext cx="8229600" cy="658455"/>
           </a:xfrm>
           <a:prstGeom prst="rect">
             <a:avLst/>
@@ -5407,97 +5523,1283 @@
                 <a:srgbClr val="000000"/>
               </a:buClr>
               <a:buSzPct val="166666"/>
-              <a:buFont typeface="Arial"/>
-              <a:buChar char="•"/>
+              <a:buNone/>
             </a:pPr>
             <a:r>
               <a:rPr lang="en" dirty="0"/>
-              <a:t>Cantidad de proyectos por mes. P(3)</a:t>
-            </a:r>
-          </a:p>
-          <a:p>
+              <a:t>Cantidad de proyectos por mes. P(3</a:t>
+            </a:r>
+            <a:r>
+              <a:rPr lang="en" dirty="0" smtClean="0"/>
+              <a:t>)</a:t>
+            </a:r>
             <a:endParaRPr lang="en" dirty="0"/>
           </a:p>
-          <a:p>
-            <a:pPr marL="457200" lvl="0" indent="-419100" rtl="0">
-              <a:buClr>
-                <a:srgbClr val="000000"/>
-              </a:buClr>
-              <a:buSzPct val="166666"/>
-              <a:buFont typeface="Arial"/>
-              <a:buChar char="•"/>
-            </a:pPr>
-            <a:r>
-              <a:rPr lang="en" dirty="0"/>
-              <a:t>Tipo de proyecto. U(10%/75%/15%)</a:t>
-            </a:r>
-          </a:p>
-          <a:p>
-            <a:endParaRPr lang="en" dirty="0"/>
-          </a:p>
-          <a:p>
-            <a:pPr marL="857250" lvl="1" indent="-419100">
-              <a:buSzPct val="166666"/>
-              <a:buFont typeface="Arial"/>
-              <a:buChar char="•"/>
-            </a:pPr>
-            <a:r>
-              <a:rPr lang="en" dirty="0"/>
-              <a:t>Tamaño de proyecto. Triangular</a:t>
-            </a:r>
-          </a:p>
-          <a:p>
-            <a:pPr lvl="1"/>
-            <a:endParaRPr lang="en" dirty="0"/>
-          </a:p>
-          <a:p>
-            <a:pPr marL="857250" lvl="1" indent="-419100">
-              <a:buSzPct val="166666"/>
-              <a:buFont typeface="Arial"/>
-              <a:buChar char="•"/>
-            </a:pPr>
-            <a:r>
-              <a:rPr lang="en" dirty="0"/>
-              <a:t>Precio hora-hombre del proyecto. Triangular</a:t>
-            </a:r>
-          </a:p>
-          <a:p>
-            <a:pPr lvl="1"/>
-            <a:endParaRPr lang="en" dirty="0"/>
-          </a:p>
-          <a:p>
-            <a:pPr marL="857250" lvl="1" indent="-419100">
-              <a:buSzPct val="166666"/>
-              <a:buFont typeface="Arial"/>
-              <a:buChar char="•"/>
-            </a:pPr>
-            <a:r>
-              <a:rPr lang="en" dirty="0"/>
-              <a:t>Desarrolladores pretendidos. Uniforme.</a:t>
-            </a:r>
-          </a:p>
         </p:txBody>
       </p:sp>
+      <p:pic>
+        <p:nvPicPr>
+          <p:cNvPr id="4" name="Picture 3" descr="Screen shot 2013-06-27 at 11.14.29 AM.png"/>
+          <p:cNvPicPr>
+            <a:picLocks noChangeAspect="1"/>
+          </p:cNvPicPr>
+          <p:nvPr/>
+        </p:nvPicPr>
+        <p:blipFill>
+          <a:blip r:embed="rId3"/>
+          <a:stretch>
+            <a:fillRect/>
+          </a:stretch>
+        </p:blipFill>
+        <p:spPr>
+          <a:xfrm>
+            <a:off x="1200893" y="1600200"/>
+            <a:ext cx="6745004" cy="5068121"/>
+          </a:xfrm>
+          <a:prstGeom prst="rect">
+            <a:avLst/>
+          </a:prstGeom>
+        </p:spPr>
+      </p:pic>
     </p:spTree>
   </p:cSld>
   <p:clrMapOvr>
     <a:masterClrMapping/>
   </p:clrMapOvr>
-  <p:transition xmlns:p14="http://schemas.microsoft.com/office/powerpoint/2010/main" spd="slow">
+  <p:transition spd="slow">
     <p:cut/>
   </p:transition>
   <p:timing>
     <p:tnLst>
       <p:par>
-        <p:cTn xmlns:p14="http://schemas.microsoft.com/office/powerpoint/2010/main" id="1" dur="indefinite" restart="never" nodeType="tmRoot"/>
+        <p:cTn id="1" dur="indefinite" restart="never" nodeType="tmRoot"/>
       </p:par>
     </p:tnLst>
   </p:timing>
 </p:sld>
 </file>
 
-<file path=ppt/slides/slide14.xml><?xml version="1.0" encoding="utf-8"?>
-<p:sld xmlns:a="http://schemas.openxmlformats.org/drawingml/2006/main" xmlns:r="http://schemas.openxmlformats.org/officeDocument/2006/relationships" xmlns:p="http://schemas.openxmlformats.org/presentationml/2006/main">
+<file path=ppt/slides/slide15.xml><?xml version="1.0" encoding="utf-8"?>
+<p:sld xmlns:a="http://schemas.openxmlformats.org/drawingml/2006/main" xmlns:r="http://schemas.openxmlformats.org/officeDocument/2006/relationships" xmlns:mc="http://schemas.openxmlformats.org/markup-compatibility/2006" xmlns:mv="urn:schemas-microsoft-com:mac:vml" xmlns:p="http://schemas.openxmlformats.org/presentationml/2006/main" mc:Ignorable="mv" mc:PreserveAttributes="mv:*">
+  <p:cSld>
+    <p:spTree>
+      <p:nvGrpSpPr>
+        <p:cNvPr id="1" name=""/>
+        <p:cNvGrpSpPr/>
+        <p:nvPr/>
+      </p:nvGrpSpPr>
+      <p:grpSpPr>
+        <a:xfrm>
+          <a:off x="0" y="0"/>
+          <a:ext cx="0" cy="0"/>
+          <a:chOff x="0" y="0"/>
+          <a:chExt cx="0" cy="0"/>
+        </a:xfrm>
+      </p:grpSpPr>
+      <p:sp>
+        <p:nvSpPr>
+          <p:cNvPr id="2" name="Title 1"/>
+          <p:cNvSpPr>
+            <a:spLocks noGrp="1"/>
+          </p:cNvSpPr>
+          <p:nvPr>
+            <p:ph type="title"/>
+          </p:nvPr>
+        </p:nvSpPr>
+        <p:spPr>
+          <a:xfrm>
+            <a:off x="457200" y="230127"/>
+            <a:ext cx="8229600" cy="693163"/>
+          </a:xfrm>
+        </p:spPr>
+        <p:txBody>
+          <a:bodyPr/>
+          <a:lstStyle/>
+          <a:p>
+            <a:r>
+              <a:rPr lang="en" dirty="0" smtClean="0"/>
+              <a:t>Tipo de proyecto. U(10%/75%/15%)</a:t>
+            </a:r>
+            <a:endParaRPr lang="en-US" dirty="0"/>
+          </a:p>
+        </p:txBody>
+      </p:sp>
+      <p:sp>
+        <p:nvSpPr>
+          <p:cNvPr id="3" name="Text Placeholder 2"/>
+          <p:cNvSpPr>
+            <a:spLocks noGrp="1"/>
+          </p:cNvSpPr>
+          <p:nvPr>
+            <p:ph type="body" idx="1"/>
+          </p:nvPr>
+        </p:nvSpPr>
+        <p:spPr>
+          <a:xfrm>
+            <a:off x="457200" y="923290"/>
+            <a:ext cx="8229600" cy="556176"/>
+          </a:xfrm>
+        </p:spPr>
+        <p:txBody>
+          <a:bodyPr/>
+          <a:lstStyle/>
+          <a:p>
+            <a:pPr marL="857250" lvl="1" indent="-419100">
+              <a:buSzPct val="166666"/>
+              <a:buNone/>
+            </a:pPr>
+            <a:r>
+              <a:rPr lang="en" dirty="0" smtClean="0"/>
+              <a:t>Tamaño </a:t>
+            </a:r>
+            <a:r>
+              <a:rPr lang="en" dirty="0" smtClean="0"/>
+              <a:t>de proyecto. Triangular</a:t>
+            </a:r>
+          </a:p>
+          <a:p>
+            <a:pPr lvl="1">
+              <a:buNone/>
+            </a:pPr>
+            <a:endParaRPr lang="en" dirty="0" smtClean="0"/>
+          </a:p>
+          <a:p>
+            <a:endParaRPr lang="en-US" dirty="0"/>
+          </a:p>
+        </p:txBody>
+      </p:sp>
+      <p:pic>
+        <p:nvPicPr>
+          <p:cNvPr id="4" name="Picture 3" descr="Screen shot 2013-06-27 at 11.14.59 AM.png"/>
+          <p:cNvPicPr>
+            <a:picLocks noChangeAspect="1"/>
+          </p:cNvPicPr>
+          <p:nvPr/>
+        </p:nvPicPr>
+        <p:blipFill>
+          <a:blip r:embed="rId2"/>
+          <a:stretch>
+            <a:fillRect/>
+          </a:stretch>
+        </p:blipFill>
+        <p:spPr>
+          <a:xfrm>
+            <a:off x="1051984" y="1479466"/>
+            <a:ext cx="7037185" cy="5336144"/>
+          </a:xfrm>
+          <a:prstGeom prst="rect">
+            <a:avLst/>
+          </a:prstGeom>
+        </p:spPr>
+      </p:pic>
+    </p:spTree>
+  </p:cSld>
+  <p:clrMapOvr>
+    <a:masterClrMapping/>
+  </p:clrMapOvr>
+</p:sld>
+</file>
+
+<file path=ppt/slides/slide16.xml><?xml version="1.0" encoding="utf-8"?>
+<p:sld xmlns:a="http://schemas.openxmlformats.org/drawingml/2006/main" xmlns:r="http://schemas.openxmlformats.org/officeDocument/2006/relationships" xmlns:mc="http://schemas.openxmlformats.org/markup-compatibility/2006" xmlns:mv="urn:schemas-microsoft-com:mac:vml" xmlns:p="http://schemas.openxmlformats.org/presentationml/2006/main" mc:Ignorable="mv" mc:PreserveAttributes="mv:*">
+  <p:cSld>
+    <p:spTree>
+      <p:nvGrpSpPr>
+        <p:cNvPr id="1" name=""/>
+        <p:cNvGrpSpPr/>
+        <p:nvPr/>
+      </p:nvGrpSpPr>
+      <p:grpSpPr>
+        <a:xfrm>
+          <a:off x="0" y="0"/>
+          <a:ext cx="0" cy="0"/>
+          <a:chOff x="0" y="0"/>
+          <a:chExt cx="0" cy="0"/>
+        </a:xfrm>
+      </p:grpSpPr>
+      <p:sp>
+        <p:nvSpPr>
+          <p:cNvPr id="3" name="Text Placeholder 2"/>
+          <p:cNvSpPr>
+            <a:spLocks noGrp="1"/>
+          </p:cNvSpPr>
+          <p:nvPr>
+            <p:ph type="body" idx="1"/>
+          </p:nvPr>
+        </p:nvSpPr>
+        <p:spPr>
+          <a:xfrm>
+            <a:off x="457200" y="144895"/>
+            <a:ext cx="8229600" cy="605149"/>
+          </a:xfrm>
+        </p:spPr>
+        <p:txBody>
+          <a:bodyPr/>
+          <a:lstStyle/>
+          <a:p>
+            <a:pPr marL="857250" lvl="1" indent="-419100">
+              <a:buSzPct val="166666"/>
+              <a:buNone/>
+            </a:pPr>
+            <a:r>
+              <a:rPr lang="en-US" dirty="0" smtClean="0"/>
+              <a:t>H</a:t>
+            </a:r>
+            <a:r>
+              <a:rPr lang="en" dirty="0" smtClean="0"/>
+              <a:t>ora</a:t>
+            </a:r>
+            <a:r>
+              <a:rPr lang="en-US" dirty="0" err="1" smtClean="0"/>
+              <a:t>s</a:t>
+            </a:r>
+            <a:r>
+              <a:rPr lang="en-US" dirty="0" smtClean="0"/>
+              <a:t> </a:t>
+            </a:r>
+            <a:r>
+              <a:rPr lang="en" dirty="0" smtClean="0"/>
+              <a:t>hombre </a:t>
+            </a:r>
+            <a:r>
+              <a:rPr lang="en" dirty="0" smtClean="0"/>
+              <a:t>del </a:t>
+            </a:r>
+            <a:r>
+              <a:rPr lang="en" dirty="0" smtClean="0"/>
+              <a:t>proyecto</a:t>
+            </a:r>
+            <a:r>
+              <a:rPr lang="en-US" dirty="0" smtClean="0"/>
+              <a:t> (</a:t>
+            </a:r>
+            <a:r>
+              <a:rPr lang="en-US" dirty="0" err="1" smtClean="0"/>
+              <a:t>grande</a:t>
+            </a:r>
+            <a:r>
+              <a:rPr lang="en-US" dirty="0" smtClean="0"/>
+              <a:t>).</a:t>
+            </a:r>
+            <a:endParaRPr lang="en" dirty="0" smtClean="0"/>
+          </a:p>
+          <a:p>
+            <a:pPr lvl="1">
+              <a:buNone/>
+            </a:pPr>
+            <a:endParaRPr lang="en" dirty="0" smtClean="0"/>
+          </a:p>
+          <a:p>
+            <a:endParaRPr lang="en-US" dirty="0"/>
+          </a:p>
+        </p:txBody>
+      </p:sp>
+      <p:pic>
+        <p:nvPicPr>
+          <p:cNvPr id="4" name="Picture 3" descr="Screen shot 2013-06-27 at 11.20.05 AM.png"/>
+          <p:cNvPicPr>
+            <a:picLocks noChangeAspect="1"/>
+          </p:cNvPicPr>
+          <p:nvPr/>
+        </p:nvPicPr>
+        <p:blipFill>
+          <a:blip r:embed="rId2"/>
+          <a:stretch>
+            <a:fillRect/>
+          </a:stretch>
+        </p:blipFill>
+        <p:spPr>
+          <a:xfrm>
+            <a:off x="730250" y="869369"/>
+            <a:ext cx="7358919" cy="5619538"/>
+          </a:xfrm>
+          <a:prstGeom prst="rect">
+            <a:avLst/>
+          </a:prstGeom>
+        </p:spPr>
+      </p:pic>
+    </p:spTree>
+  </p:cSld>
+  <p:clrMapOvr>
+    <a:masterClrMapping/>
+  </p:clrMapOvr>
+</p:sld>
+</file>
+
+<file path=ppt/slides/slide17.xml><?xml version="1.0" encoding="utf-8"?>
+<p:sld xmlns:a="http://schemas.openxmlformats.org/drawingml/2006/main" xmlns:r="http://schemas.openxmlformats.org/officeDocument/2006/relationships" xmlns:mc="http://schemas.openxmlformats.org/markup-compatibility/2006" xmlns:mv="urn:schemas-microsoft-com:mac:vml" xmlns:p="http://schemas.openxmlformats.org/presentationml/2006/main" mc:Ignorable="mv" mc:PreserveAttributes="mv:*">
+  <p:cSld>
+    <p:spTree>
+      <p:nvGrpSpPr>
+        <p:cNvPr id="1" name=""/>
+        <p:cNvGrpSpPr/>
+        <p:nvPr/>
+      </p:nvGrpSpPr>
+      <p:grpSpPr>
+        <a:xfrm>
+          <a:off x="0" y="0"/>
+          <a:ext cx="0" cy="0"/>
+          <a:chOff x="0" y="0"/>
+          <a:chExt cx="0" cy="0"/>
+        </a:xfrm>
+      </p:grpSpPr>
+      <p:sp>
+        <p:nvSpPr>
+          <p:cNvPr id="3" name="Text Placeholder 2"/>
+          <p:cNvSpPr>
+            <a:spLocks noGrp="1"/>
+          </p:cNvSpPr>
+          <p:nvPr>
+            <p:ph type="body" idx="1"/>
+          </p:nvPr>
+        </p:nvSpPr>
+        <p:spPr>
+          <a:xfrm>
+            <a:off x="457200" y="144895"/>
+            <a:ext cx="8229600" cy="605149"/>
+          </a:xfrm>
+        </p:spPr>
+        <p:txBody>
+          <a:bodyPr/>
+          <a:lstStyle/>
+          <a:p>
+            <a:pPr marL="857250" lvl="1" indent="-419100">
+              <a:buSzPct val="166666"/>
+              <a:buNone/>
+            </a:pPr>
+            <a:r>
+              <a:rPr lang="en-US" dirty="0" smtClean="0"/>
+              <a:t>H</a:t>
+            </a:r>
+            <a:r>
+              <a:rPr lang="en" dirty="0" smtClean="0"/>
+              <a:t>ora</a:t>
+            </a:r>
+            <a:r>
+              <a:rPr lang="en-US" dirty="0" err="1" smtClean="0"/>
+              <a:t>s</a:t>
+            </a:r>
+            <a:r>
+              <a:rPr lang="en-US" dirty="0" smtClean="0"/>
+              <a:t> </a:t>
+            </a:r>
+            <a:r>
+              <a:rPr lang="en" dirty="0" smtClean="0"/>
+              <a:t>hombre </a:t>
+            </a:r>
+            <a:r>
+              <a:rPr lang="en" dirty="0" smtClean="0"/>
+              <a:t>del </a:t>
+            </a:r>
+            <a:r>
+              <a:rPr lang="en" dirty="0" smtClean="0"/>
+              <a:t>proyecto</a:t>
+            </a:r>
+            <a:r>
+              <a:rPr lang="en-US" dirty="0" smtClean="0"/>
+              <a:t> (</a:t>
+            </a:r>
+            <a:r>
+              <a:rPr lang="en-US" dirty="0" err="1" smtClean="0"/>
+              <a:t>mediano</a:t>
+            </a:r>
+            <a:r>
+              <a:rPr lang="en-US" dirty="0" smtClean="0"/>
+              <a:t>).</a:t>
+            </a:r>
+            <a:endParaRPr lang="en" dirty="0" smtClean="0"/>
+          </a:p>
+          <a:p>
+            <a:pPr lvl="1">
+              <a:buNone/>
+            </a:pPr>
+            <a:endParaRPr lang="en" dirty="0" smtClean="0"/>
+          </a:p>
+          <a:p>
+            <a:endParaRPr lang="en-US" dirty="0"/>
+          </a:p>
+        </p:txBody>
+      </p:sp>
+      <p:pic>
+        <p:nvPicPr>
+          <p:cNvPr id="5" name="Picture 4" descr="Screen shot 2013-06-27 at 11.26.10 AM.png"/>
+          <p:cNvPicPr>
+            <a:picLocks noChangeAspect="1"/>
+          </p:cNvPicPr>
+          <p:nvPr/>
+        </p:nvPicPr>
+        <p:blipFill>
+          <a:blip r:embed="rId2"/>
+          <a:stretch>
+            <a:fillRect/>
+          </a:stretch>
+        </p:blipFill>
+        <p:spPr>
+          <a:xfrm>
+            <a:off x="571500" y="750044"/>
+            <a:ext cx="8001000" cy="5753100"/>
+          </a:xfrm>
+          <a:prstGeom prst="rect">
+            <a:avLst/>
+          </a:prstGeom>
+        </p:spPr>
+      </p:pic>
+    </p:spTree>
+  </p:cSld>
+  <p:clrMapOvr>
+    <a:masterClrMapping/>
+  </p:clrMapOvr>
+</p:sld>
+</file>
+
+<file path=ppt/slides/slide18.xml><?xml version="1.0" encoding="utf-8"?>
+<p:sld xmlns:a="http://schemas.openxmlformats.org/drawingml/2006/main" xmlns:r="http://schemas.openxmlformats.org/officeDocument/2006/relationships" xmlns:mc="http://schemas.openxmlformats.org/markup-compatibility/2006" xmlns:mv="urn:schemas-microsoft-com:mac:vml" xmlns:p="http://schemas.openxmlformats.org/presentationml/2006/main" mc:Ignorable="mv" mc:PreserveAttributes="mv:*">
+  <p:cSld>
+    <p:spTree>
+      <p:nvGrpSpPr>
+        <p:cNvPr id="1" name=""/>
+        <p:cNvGrpSpPr/>
+        <p:nvPr/>
+      </p:nvGrpSpPr>
+      <p:grpSpPr>
+        <a:xfrm>
+          <a:off x="0" y="0"/>
+          <a:ext cx="0" cy="0"/>
+          <a:chOff x="0" y="0"/>
+          <a:chExt cx="0" cy="0"/>
+        </a:xfrm>
+      </p:grpSpPr>
+      <p:sp>
+        <p:nvSpPr>
+          <p:cNvPr id="3" name="Text Placeholder 2"/>
+          <p:cNvSpPr>
+            <a:spLocks noGrp="1"/>
+          </p:cNvSpPr>
+          <p:nvPr>
+            <p:ph type="body" idx="1"/>
+          </p:nvPr>
+        </p:nvSpPr>
+        <p:spPr>
+          <a:xfrm>
+            <a:off x="457200" y="144895"/>
+            <a:ext cx="8229600" cy="605149"/>
+          </a:xfrm>
+        </p:spPr>
+        <p:txBody>
+          <a:bodyPr/>
+          <a:lstStyle/>
+          <a:p>
+            <a:pPr marL="857250" lvl="1" indent="-419100">
+              <a:buSzPct val="166666"/>
+              <a:buNone/>
+            </a:pPr>
+            <a:r>
+              <a:rPr lang="en-US" dirty="0" smtClean="0"/>
+              <a:t>H</a:t>
+            </a:r>
+            <a:r>
+              <a:rPr lang="en" dirty="0" smtClean="0"/>
+              <a:t>ora</a:t>
+            </a:r>
+            <a:r>
+              <a:rPr lang="en-US" dirty="0" err="1" smtClean="0"/>
+              <a:t>s</a:t>
+            </a:r>
+            <a:r>
+              <a:rPr lang="en-US" dirty="0" smtClean="0"/>
+              <a:t> </a:t>
+            </a:r>
+            <a:r>
+              <a:rPr lang="en" dirty="0" smtClean="0"/>
+              <a:t>hombre </a:t>
+            </a:r>
+            <a:r>
+              <a:rPr lang="en" dirty="0" smtClean="0"/>
+              <a:t>del </a:t>
+            </a:r>
+            <a:r>
+              <a:rPr lang="en" dirty="0" smtClean="0"/>
+              <a:t>proyecto</a:t>
+            </a:r>
+            <a:r>
+              <a:rPr lang="en-US" dirty="0" smtClean="0"/>
+              <a:t> (</a:t>
+            </a:r>
+            <a:r>
+              <a:rPr lang="en-US" dirty="0" err="1" smtClean="0"/>
+              <a:t>peque</a:t>
+            </a:r>
+            <a:r>
+              <a:rPr lang="en-US" dirty="0" err="1" smtClean="0"/>
+              <a:t>ño</a:t>
+            </a:r>
+            <a:r>
+              <a:rPr lang="en-US" dirty="0" smtClean="0"/>
+              <a:t>).</a:t>
+            </a:r>
+            <a:endParaRPr lang="en" dirty="0" smtClean="0"/>
+          </a:p>
+          <a:p>
+            <a:pPr lvl="1">
+              <a:buNone/>
+            </a:pPr>
+            <a:endParaRPr lang="en" dirty="0" smtClean="0"/>
+          </a:p>
+          <a:p>
+            <a:endParaRPr lang="en-US" dirty="0"/>
+          </a:p>
+        </p:txBody>
+      </p:sp>
+      <p:pic>
+        <p:nvPicPr>
+          <p:cNvPr id="5" name="Picture 4" descr="Screen shot 2013-06-27 at 11.26.15 AM.png"/>
+          <p:cNvPicPr>
+            <a:picLocks noChangeAspect="1"/>
+          </p:cNvPicPr>
+          <p:nvPr/>
+        </p:nvPicPr>
+        <p:blipFill>
+          <a:blip r:embed="rId2"/>
+          <a:stretch>
+            <a:fillRect/>
+          </a:stretch>
+        </p:blipFill>
+        <p:spPr>
+          <a:xfrm>
+            <a:off x="641350" y="750044"/>
+            <a:ext cx="7861300" cy="5994400"/>
+          </a:xfrm>
+          <a:prstGeom prst="rect">
+            <a:avLst/>
+          </a:prstGeom>
+        </p:spPr>
+      </p:pic>
+    </p:spTree>
+  </p:cSld>
+  <p:clrMapOvr>
+    <a:masterClrMapping/>
+  </p:clrMapOvr>
+</p:sld>
+</file>
+
+<file path=ppt/slides/slide19.xml><?xml version="1.0" encoding="utf-8"?>
+<p:sld xmlns:a="http://schemas.openxmlformats.org/drawingml/2006/main" xmlns:r="http://schemas.openxmlformats.org/officeDocument/2006/relationships" xmlns:mc="http://schemas.openxmlformats.org/markup-compatibility/2006" xmlns:mv="urn:schemas-microsoft-com:mac:vml" xmlns:p="http://schemas.openxmlformats.org/presentationml/2006/main" mc:Ignorable="mv" mc:PreserveAttributes="mv:*">
+  <p:cSld>
+    <p:spTree>
+      <p:nvGrpSpPr>
+        <p:cNvPr id="1" name=""/>
+        <p:cNvGrpSpPr/>
+        <p:nvPr/>
+      </p:nvGrpSpPr>
+      <p:grpSpPr>
+        <a:xfrm>
+          <a:off x="0" y="0"/>
+          <a:ext cx="0" cy="0"/>
+          <a:chOff x="0" y="0"/>
+          <a:chExt cx="0" cy="0"/>
+        </a:xfrm>
+      </p:grpSpPr>
+      <p:sp>
+        <p:nvSpPr>
+          <p:cNvPr id="3" name="Text Placeholder 2"/>
+          <p:cNvSpPr>
+            <a:spLocks noGrp="1"/>
+          </p:cNvSpPr>
+          <p:nvPr>
+            <p:ph type="body" idx="1"/>
+          </p:nvPr>
+        </p:nvSpPr>
+        <p:spPr>
+          <a:xfrm>
+            <a:off x="457200" y="187511"/>
+            <a:ext cx="8229600" cy="556176"/>
+          </a:xfrm>
+        </p:spPr>
+        <p:txBody>
+          <a:bodyPr/>
+          <a:lstStyle/>
+          <a:p>
+            <a:pPr marL="342900" lvl="1" indent="-342900">
+              <a:spcBef>
+                <a:spcPts val="600"/>
+              </a:spcBef>
+              <a:buSzPct val="166666"/>
+              <a:buNone/>
+            </a:pPr>
+            <a:r>
+              <a:rPr lang="en-US" dirty="0" err="1" smtClean="0"/>
+              <a:t>Precio</a:t>
+            </a:r>
+            <a:r>
+              <a:rPr lang="en-US" dirty="0" smtClean="0"/>
+              <a:t> </a:t>
+            </a:r>
+            <a:r>
+              <a:rPr lang="en-US" dirty="0" err="1" smtClean="0"/>
+              <a:t>por</a:t>
+            </a:r>
+            <a:r>
+              <a:rPr lang="en-US" dirty="0" smtClean="0"/>
+              <a:t> </a:t>
+            </a:r>
+            <a:r>
+              <a:rPr lang="en-US" dirty="0" err="1" smtClean="0"/>
+              <a:t>hora</a:t>
+            </a:r>
+            <a:r>
+              <a:rPr lang="en-US" dirty="0" smtClean="0"/>
+              <a:t> de </a:t>
+            </a:r>
+            <a:r>
+              <a:rPr lang="en-US" dirty="0" err="1" smtClean="0"/>
+              <a:t>proyecto</a:t>
+            </a:r>
+            <a:r>
+              <a:rPr lang="en-US" dirty="0" smtClean="0"/>
+              <a:t> (</a:t>
+            </a:r>
+            <a:r>
+              <a:rPr lang="en-US" dirty="0" err="1" smtClean="0"/>
+              <a:t>grande</a:t>
+            </a:r>
+            <a:r>
+              <a:rPr lang="en-US" dirty="0" smtClean="0"/>
+              <a:t>).</a:t>
+            </a:r>
+            <a:endParaRPr lang="en" dirty="0" smtClean="0"/>
+          </a:p>
+          <a:p>
+            <a:endParaRPr lang="en-US" dirty="0"/>
+          </a:p>
+        </p:txBody>
+      </p:sp>
+      <p:pic>
+        <p:nvPicPr>
+          <p:cNvPr id="5" name="Picture 4" descr="Screen shot 2013-06-27 at 11.28.12 AM.png"/>
+          <p:cNvPicPr>
+            <a:picLocks noChangeAspect="1"/>
+          </p:cNvPicPr>
+          <p:nvPr/>
+        </p:nvPicPr>
+        <p:blipFill>
+          <a:blip r:embed="rId2"/>
+          <a:stretch>
+            <a:fillRect/>
+          </a:stretch>
+        </p:blipFill>
+        <p:spPr>
+          <a:xfrm>
+            <a:off x="635000" y="743687"/>
+            <a:ext cx="7874000" cy="5816600"/>
+          </a:xfrm>
+          <a:prstGeom prst="rect">
+            <a:avLst/>
+          </a:prstGeom>
+        </p:spPr>
+      </p:pic>
+    </p:spTree>
+  </p:cSld>
+  <p:clrMapOvr>
+    <a:masterClrMapping/>
+  </p:clrMapOvr>
+</p:sld>
+</file>
+
+<file path=ppt/slides/slide2.xml><?xml version="1.0" encoding="utf-8"?>
+<p:sld xmlns:a="http://schemas.openxmlformats.org/drawingml/2006/main" xmlns:r="http://schemas.openxmlformats.org/officeDocument/2006/relationships" xmlns:mc="http://schemas.openxmlformats.org/markup-compatibility/2006" xmlns:mv="urn:schemas-microsoft-com:mac:vml" xmlns:p="http://schemas.openxmlformats.org/presentationml/2006/main" mc:Ignorable="mv" mc:PreserveAttributes="mv:*">
+  <p:cSld>
+    <p:spTree>
+      <p:nvGrpSpPr>
+        <p:cNvPr id="1" name="Shape 29"/>
+        <p:cNvGrpSpPr/>
+        <p:nvPr/>
+      </p:nvGrpSpPr>
+      <p:grpSpPr>
+        <a:xfrm>
+          <a:off x="0" y="0"/>
+          <a:ext cx="0" cy="0"/>
+          <a:chOff x="0" y="0"/>
+          <a:chExt cx="0" cy="0"/>
+        </a:xfrm>
+      </p:grpSpPr>
+      <p:sp>
+        <p:nvSpPr>
+          <p:cNvPr id="30" name="Shape 30"/>
+          <p:cNvSpPr/>
+          <p:nvPr/>
+        </p:nvSpPr>
+        <p:spPr>
+          <a:xfrm>
+            <a:off x="5041478" y="1667825"/>
+            <a:ext cx="4117000" cy="1183900"/>
+          </a:xfrm>
+          <a:prstGeom prst="rect">
+            <a:avLst/>
+          </a:prstGeom>
+          <a:blipFill>
+            <a:blip r:embed="rId3"/>
+            <a:stretch>
+              <a:fillRect/>
+            </a:stretch>
+          </a:blipFill>
+        </p:spPr>
+      </p:sp>
+      <p:sp>
+        <p:nvSpPr>
+          <p:cNvPr id="31" name="Shape 31"/>
+          <p:cNvSpPr/>
+          <p:nvPr/>
+        </p:nvSpPr>
+        <p:spPr>
+          <a:xfrm>
+            <a:off x="0" y="1526350"/>
+            <a:ext cx="1847850" cy="1803200"/>
+          </a:xfrm>
+          <a:prstGeom prst="rect">
+            <a:avLst/>
+          </a:prstGeom>
+          <a:blipFill>
+            <a:blip r:embed="rId4"/>
+            <a:stretch>
+              <a:fillRect/>
+            </a:stretch>
+          </a:blipFill>
+        </p:spPr>
+      </p:sp>
+      <p:sp>
+        <p:nvSpPr>
+          <p:cNvPr id="32" name="Shape 32"/>
+          <p:cNvSpPr/>
+          <p:nvPr/>
+        </p:nvSpPr>
+        <p:spPr>
+          <a:xfrm>
+            <a:off x="5749726" y="0"/>
+            <a:ext cx="3275974" cy="1466874"/>
+          </a:xfrm>
+          <a:prstGeom prst="rect">
+            <a:avLst/>
+          </a:prstGeom>
+          <a:blipFill>
+            <a:blip r:embed="rId5"/>
+            <a:stretch>
+              <a:fillRect/>
+            </a:stretch>
+          </a:blipFill>
+        </p:spPr>
+      </p:sp>
+      <p:sp>
+        <p:nvSpPr>
+          <p:cNvPr id="33" name="Shape 33"/>
+          <p:cNvSpPr/>
+          <p:nvPr/>
+        </p:nvSpPr>
+        <p:spPr>
+          <a:xfrm>
+            <a:off x="0" y="5067300"/>
+            <a:ext cx="1847850" cy="1803200"/>
+          </a:xfrm>
+          <a:prstGeom prst="rect">
+            <a:avLst/>
+          </a:prstGeom>
+          <a:blipFill>
+            <a:blip r:embed="rId6"/>
+            <a:stretch>
+              <a:fillRect/>
+            </a:stretch>
+          </a:blipFill>
+        </p:spPr>
+      </p:sp>
+      <p:sp>
+        <p:nvSpPr>
+          <p:cNvPr id="34" name="Shape 34"/>
+          <p:cNvSpPr/>
+          <p:nvPr/>
+        </p:nvSpPr>
+        <p:spPr>
+          <a:xfrm>
+            <a:off x="1730300" y="1733435"/>
+            <a:ext cx="3171524" cy="1389050"/>
+          </a:xfrm>
+          <a:prstGeom prst="rect">
+            <a:avLst/>
+          </a:prstGeom>
+          <a:blipFill>
+            <a:blip r:embed="rId7"/>
+            <a:stretch>
+              <a:fillRect/>
+            </a:stretch>
+          </a:blipFill>
+        </p:spPr>
+      </p:sp>
+      <p:sp>
+        <p:nvSpPr>
+          <p:cNvPr id="35" name="Shape 35"/>
+          <p:cNvSpPr/>
+          <p:nvPr/>
+        </p:nvSpPr>
+        <p:spPr>
+          <a:xfrm>
+            <a:off x="4406825" y="3883400"/>
+            <a:ext cx="4737175" cy="1183900"/>
+          </a:xfrm>
+          <a:prstGeom prst="rect">
+            <a:avLst/>
+          </a:prstGeom>
+          <a:blipFill>
+            <a:blip r:embed="rId8"/>
+            <a:stretch>
+              <a:fillRect/>
+            </a:stretch>
+          </a:blipFill>
+        </p:spPr>
+      </p:sp>
+      <p:sp>
+        <p:nvSpPr>
+          <p:cNvPr id="36" name="Shape 36"/>
+          <p:cNvSpPr/>
+          <p:nvPr/>
+        </p:nvSpPr>
+        <p:spPr>
+          <a:xfrm>
+            <a:off x="0" y="3811950"/>
+            <a:ext cx="4406825" cy="1183900"/>
+          </a:xfrm>
+          <a:prstGeom prst="rect">
+            <a:avLst/>
+          </a:prstGeom>
+          <a:blipFill>
+            <a:blip r:embed="rId9"/>
+            <a:stretch>
+              <a:fillRect/>
+            </a:stretch>
+          </a:blipFill>
+        </p:spPr>
+      </p:sp>
+      <p:sp>
+        <p:nvSpPr>
+          <p:cNvPr id="37" name="Shape 37"/>
+          <p:cNvSpPr/>
+          <p:nvPr/>
+        </p:nvSpPr>
+        <p:spPr>
+          <a:xfrm>
+            <a:off x="6223575" y="5314200"/>
+            <a:ext cx="2934899" cy="1309399"/>
+          </a:xfrm>
+          <a:prstGeom prst="rect">
+            <a:avLst/>
+          </a:prstGeom>
+          <a:blipFill>
+            <a:blip r:embed="rId10"/>
+            <a:stretch>
+              <a:fillRect/>
+            </a:stretch>
+          </a:blipFill>
+        </p:spPr>
+      </p:sp>
+      <p:sp>
+        <p:nvSpPr>
+          <p:cNvPr id="38" name="Shape 38"/>
+          <p:cNvSpPr/>
+          <p:nvPr/>
+        </p:nvSpPr>
+        <p:spPr>
+          <a:xfrm>
+            <a:off x="1847850" y="5601850"/>
+            <a:ext cx="4375724" cy="1183899"/>
+          </a:xfrm>
+          <a:prstGeom prst="rect">
+            <a:avLst/>
+          </a:prstGeom>
+          <a:blipFill>
+            <a:blip r:embed="rId11"/>
+            <a:stretch>
+              <a:fillRect/>
+            </a:stretch>
+          </a:blipFill>
+        </p:spPr>
+      </p:sp>
+      <p:sp>
+        <p:nvSpPr>
+          <p:cNvPr id="39" name="Shape 39"/>
+          <p:cNvSpPr/>
+          <p:nvPr/>
+        </p:nvSpPr>
+        <p:spPr>
+          <a:xfrm>
+            <a:off x="0" y="38916"/>
+            <a:ext cx="5643524" cy="1389050"/>
+          </a:xfrm>
+          <a:prstGeom prst="rect">
+            <a:avLst/>
+          </a:prstGeom>
+          <a:blipFill>
+            <a:blip r:embed="rId12"/>
+            <a:stretch>
+              <a:fillRect/>
+            </a:stretch>
+          </a:blipFill>
+        </p:spPr>
+      </p:sp>
+    </p:spTree>
+  </p:cSld>
+  <p:clrMapOvr>
+    <a:masterClrMapping/>
+  </p:clrMapOvr>
+  <p:transition spd="slow">
+    <p:cut/>
+  </p:transition>
+  <p:timing>
+    <p:tnLst>
+      <p:par>
+        <p:cTn id="1" dur="indefinite" restart="never" nodeType="tmRoot"/>
+      </p:par>
+    </p:tnLst>
+  </p:timing>
+</p:sld>
+</file>
+
+<file path=ppt/slides/slide20.xml><?xml version="1.0" encoding="utf-8"?>
+<p:sld xmlns:a="http://schemas.openxmlformats.org/drawingml/2006/main" xmlns:r="http://schemas.openxmlformats.org/officeDocument/2006/relationships" xmlns:mc="http://schemas.openxmlformats.org/markup-compatibility/2006" xmlns:mv="urn:schemas-microsoft-com:mac:vml" xmlns:p="http://schemas.openxmlformats.org/presentationml/2006/main" mc:Ignorable="mv" mc:PreserveAttributes="mv:*">
+  <p:cSld>
+    <p:spTree>
+      <p:nvGrpSpPr>
+        <p:cNvPr id="1" name=""/>
+        <p:cNvGrpSpPr/>
+        <p:nvPr/>
+      </p:nvGrpSpPr>
+      <p:grpSpPr>
+        <a:xfrm>
+          <a:off x="0" y="0"/>
+          <a:ext cx="0" cy="0"/>
+          <a:chOff x="0" y="0"/>
+          <a:chExt cx="0" cy="0"/>
+        </a:xfrm>
+      </p:grpSpPr>
+      <p:sp>
+        <p:nvSpPr>
+          <p:cNvPr id="3" name="Text Placeholder 2"/>
+          <p:cNvSpPr>
+            <a:spLocks noGrp="1"/>
+          </p:cNvSpPr>
+          <p:nvPr>
+            <p:ph type="body" idx="1"/>
+          </p:nvPr>
+        </p:nvSpPr>
+        <p:spPr>
+          <a:xfrm>
+            <a:off x="457200" y="187511"/>
+            <a:ext cx="8229600" cy="556176"/>
+          </a:xfrm>
+        </p:spPr>
+        <p:txBody>
+          <a:bodyPr/>
+          <a:lstStyle/>
+          <a:p>
+            <a:pPr marL="342900" lvl="1" indent="-342900">
+              <a:spcBef>
+                <a:spcPts val="600"/>
+              </a:spcBef>
+              <a:buSzPct val="166666"/>
+              <a:buNone/>
+            </a:pPr>
+            <a:r>
+              <a:rPr lang="en-US" dirty="0" err="1" smtClean="0"/>
+              <a:t>Precio</a:t>
+            </a:r>
+            <a:r>
+              <a:rPr lang="en-US" dirty="0" smtClean="0"/>
+              <a:t> </a:t>
+            </a:r>
+            <a:r>
+              <a:rPr lang="en-US" dirty="0" err="1" smtClean="0"/>
+              <a:t>por</a:t>
+            </a:r>
+            <a:r>
+              <a:rPr lang="en-US" dirty="0" smtClean="0"/>
+              <a:t> </a:t>
+            </a:r>
+            <a:r>
+              <a:rPr lang="en-US" dirty="0" err="1" smtClean="0"/>
+              <a:t>hora</a:t>
+            </a:r>
+            <a:r>
+              <a:rPr lang="en-US" dirty="0" smtClean="0"/>
+              <a:t> de </a:t>
+            </a:r>
+            <a:r>
+              <a:rPr lang="en-US" dirty="0" err="1" smtClean="0"/>
+              <a:t>proyecto</a:t>
+            </a:r>
+            <a:r>
+              <a:rPr lang="en-US" dirty="0" smtClean="0"/>
+              <a:t> (</a:t>
+            </a:r>
+            <a:r>
+              <a:rPr lang="en-US" dirty="0" err="1" smtClean="0"/>
+              <a:t>mediano</a:t>
+            </a:r>
+            <a:r>
+              <a:rPr lang="en-US" dirty="0" smtClean="0"/>
+              <a:t>).</a:t>
+            </a:r>
+            <a:endParaRPr lang="en" dirty="0" smtClean="0"/>
+          </a:p>
+          <a:p>
+            <a:endParaRPr lang="en-US" dirty="0"/>
+          </a:p>
+        </p:txBody>
+      </p:sp>
+      <p:pic>
+        <p:nvPicPr>
+          <p:cNvPr id="4" name="Picture 3" descr="Screen shot 2013-06-27 at 11.28.14 AM.png"/>
+          <p:cNvPicPr>
+            <a:picLocks noChangeAspect="1"/>
+          </p:cNvPicPr>
+          <p:nvPr/>
+        </p:nvPicPr>
+        <p:blipFill>
+          <a:blip r:embed="rId2"/>
+          <a:stretch>
+            <a:fillRect/>
+          </a:stretch>
+        </p:blipFill>
+        <p:spPr>
+          <a:xfrm>
+            <a:off x="673100" y="799424"/>
+            <a:ext cx="7797800" cy="5956300"/>
+          </a:xfrm>
+          <a:prstGeom prst="rect">
+            <a:avLst/>
+          </a:prstGeom>
+        </p:spPr>
+      </p:pic>
+    </p:spTree>
+  </p:cSld>
+  <p:clrMapOvr>
+    <a:masterClrMapping/>
+  </p:clrMapOvr>
+</p:sld>
+</file>
+
+<file path=ppt/slides/slide21.xml><?xml version="1.0" encoding="utf-8"?>
+<p:sld xmlns:a="http://schemas.openxmlformats.org/drawingml/2006/main" xmlns:r="http://schemas.openxmlformats.org/officeDocument/2006/relationships" xmlns:mc="http://schemas.openxmlformats.org/markup-compatibility/2006" xmlns:mv="urn:schemas-microsoft-com:mac:vml" xmlns:p="http://schemas.openxmlformats.org/presentationml/2006/main" mc:Ignorable="mv" mc:PreserveAttributes="mv:*">
+  <p:cSld>
+    <p:spTree>
+      <p:nvGrpSpPr>
+        <p:cNvPr id="1" name=""/>
+        <p:cNvGrpSpPr/>
+        <p:nvPr/>
+      </p:nvGrpSpPr>
+      <p:grpSpPr>
+        <a:xfrm>
+          <a:off x="0" y="0"/>
+          <a:ext cx="0" cy="0"/>
+          <a:chOff x="0" y="0"/>
+          <a:chExt cx="0" cy="0"/>
+        </a:xfrm>
+      </p:grpSpPr>
+      <p:sp>
+        <p:nvSpPr>
+          <p:cNvPr id="3" name="Text Placeholder 2"/>
+          <p:cNvSpPr>
+            <a:spLocks noGrp="1"/>
+          </p:cNvSpPr>
+          <p:nvPr>
+            <p:ph type="body" idx="1"/>
+          </p:nvPr>
+        </p:nvSpPr>
+        <p:spPr>
+          <a:xfrm>
+            <a:off x="457200" y="187511"/>
+            <a:ext cx="8229600" cy="556176"/>
+          </a:xfrm>
+        </p:spPr>
+        <p:txBody>
+          <a:bodyPr/>
+          <a:lstStyle/>
+          <a:p>
+            <a:pPr marL="342900" lvl="1" indent="-342900">
+              <a:spcBef>
+                <a:spcPts val="600"/>
+              </a:spcBef>
+              <a:buSzPct val="166666"/>
+              <a:buNone/>
+            </a:pPr>
+            <a:r>
+              <a:rPr lang="en-US" dirty="0" err="1" smtClean="0"/>
+              <a:t>Precio</a:t>
+            </a:r>
+            <a:r>
+              <a:rPr lang="en-US" dirty="0" smtClean="0"/>
+              <a:t> </a:t>
+            </a:r>
+            <a:r>
+              <a:rPr lang="en-US" dirty="0" err="1" smtClean="0"/>
+              <a:t>por</a:t>
+            </a:r>
+            <a:r>
+              <a:rPr lang="en-US" dirty="0" smtClean="0"/>
+              <a:t> </a:t>
+            </a:r>
+            <a:r>
+              <a:rPr lang="en-US" dirty="0" err="1" smtClean="0"/>
+              <a:t>hora</a:t>
+            </a:r>
+            <a:r>
+              <a:rPr lang="en-US" dirty="0" smtClean="0"/>
+              <a:t> de </a:t>
+            </a:r>
+            <a:r>
+              <a:rPr lang="en-US" dirty="0" err="1" smtClean="0"/>
+              <a:t>proyecto</a:t>
+            </a:r>
+            <a:r>
+              <a:rPr lang="en-US" dirty="0" smtClean="0"/>
+              <a:t> (</a:t>
+            </a:r>
+            <a:r>
+              <a:rPr lang="en-US" dirty="0" err="1" smtClean="0"/>
+              <a:t>peque</a:t>
+            </a:r>
+            <a:r>
+              <a:rPr lang="en-US" dirty="0" err="1" smtClean="0"/>
+              <a:t>ño</a:t>
+            </a:r>
+            <a:r>
+              <a:rPr lang="en-US" dirty="0" smtClean="0"/>
+              <a:t>).</a:t>
+            </a:r>
+            <a:endParaRPr lang="en" dirty="0" smtClean="0"/>
+          </a:p>
+          <a:p>
+            <a:endParaRPr lang="en-US" dirty="0"/>
+          </a:p>
+        </p:txBody>
+      </p:sp>
+      <p:pic>
+        <p:nvPicPr>
+          <p:cNvPr id="4" name="Picture 3" descr="Screen shot 2013-06-27 at 11.28.17 AM.png"/>
+          <p:cNvPicPr>
+            <a:picLocks noChangeAspect="1"/>
+          </p:cNvPicPr>
+          <p:nvPr/>
+        </p:nvPicPr>
+        <p:blipFill>
+          <a:blip r:embed="rId2"/>
+          <a:stretch>
+            <a:fillRect/>
+          </a:stretch>
+        </p:blipFill>
+        <p:spPr>
+          <a:xfrm>
+            <a:off x="654050" y="878845"/>
+            <a:ext cx="7835900" cy="5867400"/>
+          </a:xfrm>
+          <a:prstGeom prst="rect">
+            <a:avLst/>
+          </a:prstGeom>
+        </p:spPr>
+      </p:pic>
+    </p:spTree>
+  </p:cSld>
+  <p:clrMapOvr>
+    <a:masterClrMapping/>
+  </p:clrMapOvr>
+</p:sld>
+</file>
+
+<file path=ppt/slides/slide22.xml><?xml version="1.0" encoding="utf-8"?>
+<p:sld xmlns:a="http://schemas.openxmlformats.org/drawingml/2006/main" xmlns:r="http://schemas.openxmlformats.org/officeDocument/2006/relationships" xmlns:mc="http://schemas.openxmlformats.org/markup-compatibility/2006" xmlns:mv="urn:schemas-microsoft-com:mac:vml" xmlns:p="http://schemas.openxmlformats.org/presentationml/2006/main" mc:Ignorable="mv" mc:PreserveAttributes="mv:*">
+  <p:cSld>
+    <p:spTree>
+      <p:nvGrpSpPr>
+        <p:cNvPr id="1" name=""/>
+        <p:cNvGrpSpPr/>
+        <p:nvPr/>
+      </p:nvGrpSpPr>
+      <p:grpSpPr>
+        <a:xfrm>
+          <a:off x="0" y="0"/>
+          <a:ext cx="0" cy="0"/>
+          <a:chOff x="0" y="0"/>
+          <a:chExt cx="0" cy="0"/>
+        </a:xfrm>
+      </p:grpSpPr>
+      <p:sp>
+        <p:nvSpPr>
+          <p:cNvPr id="3" name="Text Placeholder 2"/>
+          <p:cNvSpPr>
+            <a:spLocks noGrp="1"/>
+          </p:cNvSpPr>
+          <p:nvPr>
+            <p:ph type="body" idx="1"/>
+          </p:nvPr>
+        </p:nvSpPr>
+        <p:spPr>
+          <a:xfrm>
+            <a:off x="457200" y="119325"/>
+            <a:ext cx="8229600" cy="656288"/>
+          </a:xfrm>
+        </p:spPr>
+        <p:txBody>
+          <a:bodyPr/>
+          <a:lstStyle/>
+          <a:p>
+            <a:pPr>
+              <a:buNone/>
+            </a:pPr>
+            <a:r>
+              <a:rPr lang="en-US" dirty="0" err="1" smtClean="0"/>
+              <a:t>Desarrolladores</a:t>
+            </a:r>
+            <a:r>
+              <a:rPr lang="en-US" dirty="0" smtClean="0"/>
+              <a:t> </a:t>
+            </a:r>
+            <a:r>
+              <a:rPr lang="en-US" dirty="0" err="1" smtClean="0"/>
+              <a:t>pretendidos</a:t>
+            </a:r>
+            <a:endParaRPr lang="en-US" dirty="0" smtClean="0"/>
+          </a:p>
+        </p:txBody>
+      </p:sp>
+      <p:pic>
+        <p:nvPicPr>
+          <p:cNvPr id="4" name="Picture 3" descr="Screen shot 2013-06-27 at 11.40.20 AM.png"/>
+          <p:cNvPicPr>
+            <a:picLocks noChangeAspect="1"/>
+          </p:cNvPicPr>
+          <p:nvPr/>
+        </p:nvPicPr>
+        <p:blipFill>
+          <a:blip r:embed="rId2"/>
+          <a:stretch>
+            <a:fillRect/>
+          </a:stretch>
+        </p:blipFill>
+        <p:spPr>
+          <a:xfrm>
+            <a:off x="457200" y="2388416"/>
+            <a:ext cx="7923422" cy="1898766"/>
+          </a:xfrm>
+          <a:prstGeom prst="rect">
+            <a:avLst/>
+          </a:prstGeom>
+        </p:spPr>
+      </p:pic>
+    </p:spTree>
+  </p:cSld>
+  <p:clrMapOvr>
+    <a:masterClrMapping/>
+  </p:clrMapOvr>
+</p:sld>
+</file>
+
+<file path=ppt/slides/slide23.xml><?xml version="1.0" encoding="utf-8"?>
+<p:sld xmlns:a="http://schemas.openxmlformats.org/drawingml/2006/main" xmlns:r="http://schemas.openxmlformats.org/officeDocument/2006/relationships" xmlns:mc="http://schemas.openxmlformats.org/markup-compatibility/2006" xmlns:mv="urn:schemas-microsoft-com:mac:vml" xmlns:p="http://schemas.openxmlformats.org/presentationml/2006/main" mc:Ignorable="mv" mc:PreserveAttributes="mv:*">
   <p:cSld>
     <p:spTree>
       <p:nvGrpSpPr>
@@ -5653,21 +6955,21 @@
   <p:clrMapOvr>
     <a:masterClrMapping/>
   </p:clrMapOvr>
-  <p:transition xmlns:p14="http://schemas.microsoft.com/office/powerpoint/2010/main" spd="slow">
+  <p:transition spd="slow">
     <p:cut/>
   </p:transition>
   <p:timing>
     <p:tnLst>
       <p:par>
-        <p:cTn xmlns:p14="http://schemas.microsoft.com/office/powerpoint/2010/main" id="1" dur="indefinite" restart="never" nodeType="tmRoot"/>
+        <p:cTn id="1" dur="indefinite" restart="never" nodeType="tmRoot"/>
       </p:par>
     </p:tnLst>
   </p:timing>
 </p:sld>
 </file>
 
-<file path=ppt/slides/slide15.xml><?xml version="1.0" encoding="utf-8"?>
-<p:sld xmlns:a="http://schemas.openxmlformats.org/drawingml/2006/main" xmlns:r="http://schemas.openxmlformats.org/officeDocument/2006/relationships" xmlns:p="http://schemas.openxmlformats.org/presentationml/2006/main">
+<file path=ppt/slides/slide24.xml><?xml version="1.0" encoding="utf-8"?>
+<p:sld xmlns:a="http://schemas.openxmlformats.org/drawingml/2006/main" xmlns:r="http://schemas.openxmlformats.org/officeDocument/2006/relationships" xmlns:mc="http://schemas.openxmlformats.org/markup-compatibility/2006" xmlns:mv="urn:schemas-microsoft-com:mac:vml" xmlns:p="http://schemas.openxmlformats.org/presentationml/2006/main" mc:Ignorable="mv" mc:PreserveAttributes="mv:*">
   <p:cSld>
     <p:spTree>
       <p:nvGrpSpPr>
@@ -5879,25 +7181,25 @@
   <p:clrMapOvr>
     <a:masterClrMapping/>
   </p:clrMapOvr>
-  <p:transition xmlns:p14="http://schemas.microsoft.com/office/powerpoint/2010/main" spd="slow">
+  <p:transition spd="slow">
     <p:cut/>
   </p:transition>
   <p:timing>
     <p:tnLst>
       <p:par>
-        <p:cTn xmlns:p14="http://schemas.microsoft.com/office/powerpoint/2010/main" id="1" dur="indefinite" restart="never" nodeType="tmRoot"/>
+        <p:cTn id="1" dur="indefinite" restart="never" nodeType="tmRoot"/>
       </p:par>
     </p:tnLst>
   </p:timing>
 </p:sld>
 </file>
 
-<file path=ppt/slides/slide16.xml><?xml version="1.0" encoding="utf-8"?>
-<p:sld xmlns:a="http://schemas.openxmlformats.org/drawingml/2006/main" xmlns:r="http://schemas.openxmlformats.org/officeDocument/2006/relationships" xmlns:p="http://schemas.openxmlformats.org/presentationml/2006/main">
+<file path=ppt/slides/slide25.xml><?xml version="1.0" encoding="utf-8"?>
+<p:sld xmlns:a="http://schemas.openxmlformats.org/drawingml/2006/main" xmlns:r="http://schemas.openxmlformats.org/officeDocument/2006/relationships" xmlns:mc="http://schemas.openxmlformats.org/markup-compatibility/2006" xmlns:mv="urn:schemas-microsoft-com:mac:vml" xmlns:p="http://schemas.openxmlformats.org/presentationml/2006/main" mc:Ignorable="mv" mc:PreserveAttributes="mv:*">
   <p:cSld>
     <p:spTree>
       <p:nvGrpSpPr>
-        <p:cNvPr id="1" name="Shape 124"/>
+        <p:cNvPr id="1" name=""/>
         <p:cNvGrpSpPr/>
         <p:nvPr/>
       </p:nvGrpSpPr>
@@ -5911,186 +7213,195 @@
       </p:grpSpPr>
       <p:sp>
         <p:nvSpPr>
-          <p:cNvPr id="125" name="Shape 125"/>
-          <p:cNvSpPr txBox="1">
+          <p:cNvPr id="2" name="Title 1"/>
+          <p:cNvSpPr>
             <a:spLocks noGrp="1"/>
           </p:cNvSpPr>
           <p:nvPr>
             <p:ph type="title"/>
           </p:nvPr>
         </p:nvSpPr>
-        <p:spPr>
-          <a:xfrm>
-            <a:off x="457200" y="274637"/>
-            <a:ext cx="8229600" cy="1143000"/>
-          </a:xfrm>
-          <a:prstGeom prst="rect">
-            <a:avLst/>
-          </a:prstGeom>
-        </p:spPr>
+        <p:spPr/>
         <p:txBody>
-          <a:bodyPr lIns="91425" tIns="91425" rIns="91425" bIns="91425" anchor="b" anchorCtr="0">
-            <a:noAutofit/>
-          </a:bodyPr>
+          <a:bodyPr/>
           <a:lstStyle/>
           <a:p>
-            <a:pPr>
-              <a:buNone/>
-            </a:pPr>
-            <a:r>
-              <a:rPr lang="en"/>
-              <a:t>Demo</a:t>
-            </a:r>
+            <a:r>
+              <a:rPr lang="en-US" dirty="0" smtClean="0"/>
+              <a:t>Plan de </a:t>
+            </a:r>
+            <a:r>
+              <a:rPr lang="en-US" dirty="0" err="1" smtClean="0"/>
+              <a:t>experimentaci</a:t>
+            </a:r>
+            <a:r>
+              <a:rPr lang="en-US" dirty="0" err="1" smtClean="0"/>
+              <a:t>ón</a:t>
+            </a:r>
+            <a:endParaRPr lang="en-US" dirty="0"/>
           </a:p>
         </p:txBody>
       </p:sp>
       <p:sp>
         <p:nvSpPr>
-          <p:cNvPr id="126" name="Shape 126"/>
-          <p:cNvSpPr txBox="1">
+          <p:cNvPr id="3" name="Text Placeholder 2"/>
+          <p:cNvSpPr>
             <a:spLocks noGrp="1"/>
           </p:cNvSpPr>
           <p:nvPr>
             <p:ph type="body" idx="1"/>
           </p:nvPr>
         </p:nvSpPr>
-        <p:spPr>
-          <a:xfrm>
-            <a:off x="457200" y="1600200"/>
-            <a:ext cx="8229600" cy="4967700"/>
-          </a:xfrm>
-          <a:prstGeom prst="rect">
-            <a:avLst/>
-          </a:prstGeom>
-        </p:spPr>
+        <p:spPr/>
         <p:txBody>
-          <a:bodyPr lIns="91425" tIns="91425" rIns="91425" bIns="91425" anchor="t" anchorCtr="0">
-            <a:noAutofit/>
-          </a:bodyPr>
+          <a:bodyPr/>
           <a:lstStyle/>
+          <a:p>
+            <a:r>
+              <a:rPr lang="en-US" dirty="0" err="1" smtClean="0"/>
+              <a:t>Dise</a:t>
+            </a:r>
+            <a:r>
+              <a:rPr lang="en-US" dirty="0" err="1" smtClean="0"/>
+              <a:t>ño</a:t>
+            </a:r>
+            <a:r>
+              <a:rPr lang="en-US" dirty="0" smtClean="0"/>
+              <a:t> de</a:t>
+            </a:r>
+            <a:r>
+              <a:rPr lang="en-US" dirty="0" smtClean="0"/>
+              <a:t> </a:t>
+            </a:r>
+            <a:r>
+              <a:rPr lang="en-US" dirty="0" err="1" smtClean="0"/>
+              <a:t>diferentes</a:t>
+            </a:r>
+            <a:r>
+              <a:rPr lang="en-US" dirty="0" smtClean="0"/>
+              <a:t> </a:t>
+            </a:r>
+            <a:r>
+              <a:rPr lang="en-US" dirty="0" err="1" smtClean="0"/>
+              <a:t>estrategias</a:t>
+            </a:r>
+            <a:r>
+              <a:rPr lang="en-US" dirty="0" smtClean="0"/>
+              <a:t>.</a:t>
+            </a:r>
+          </a:p>
           <a:p>
             <a:pPr>
               <a:buNone/>
             </a:pPr>
-            <a:r>
-              <a:rPr lang="en"/>
+            <a:endParaRPr lang="en-US" dirty="0" smtClean="0"/>
+          </a:p>
+          <a:p>
+            <a:r>
+              <a:rPr lang="en-US" dirty="0" err="1" smtClean="0"/>
+              <a:t>Corridas</a:t>
+            </a:r>
+            <a:r>
+              <a:rPr lang="en-US" dirty="0" smtClean="0"/>
+              <a:t> con </a:t>
+            </a:r>
+            <a:r>
+              <a:rPr lang="en-US" dirty="0" err="1" smtClean="0"/>
+              <a:t>diferentes</a:t>
+            </a:r>
+            <a:r>
+              <a:rPr lang="en-US" dirty="0" smtClean="0"/>
               <a:t> </a:t>
             </a:r>
+            <a:r>
+              <a:rPr lang="en-US" dirty="0" err="1" smtClean="0"/>
+              <a:t>parámetros</a:t>
+            </a:r>
+            <a:r>
+              <a:rPr lang="en-US" dirty="0" smtClean="0"/>
+              <a:t>.</a:t>
+            </a:r>
+          </a:p>
+          <a:p>
+            <a:pPr>
+              <a:buNone/>
+            </a:pPr>
+            <a:endParaRPr lang="en-US" dirty="0" smtClean="0"/>
+          </a:p>
+          <a:p>
+            <a:r>
+              <a:rPr lang="en-US" dirty="0" err="1" smtClean="0"/>
+              <a:t>Probar</a:t>
+            </a:r>
+            <a:r>
+              <a:rPr lang="en-US" dirty="0" smtClean="0"/>
+              <a:t> </a:t>
+            </a:r>
+            <a:r>
+              <a:rPr lang="en-US" dirty="0" err="1" smtClean="0"/>
+              <a:t>escenarios</a:t>
+            </a:r>
+            <a:r>
+              <a:rPr lang="en-US" dirty="0" smtClean="0"/>
+              <a:t> </a:t>
+            </a:r>
+            <a:r>
+              <a:rPr lang="en-US" dirty="0" err="1" smtClean="0"/>
+              <a:t>irreales</a:t>
+            </a:r>
+            <a:r>
+              <a:rPr lang="en-US" dirty="0" smtClean="0"/>
+              <a:t> </a:t>
+            </a:r>
+            <a:r>
+              <a:rPr lang="en-US" dirty="0" err="1" smtClean="0"/>
+              <a:t>para</a:t>
+            </a:r>
+            <a:r>
+              <a:rPr lang="en-US" dirty="0" smtClean="0"/>
+              <a:t> </a:t>
+            </a:r>
+            <a:r>
+              <a:rPr lang="en-US" dirty="0" err="1" smtClean="0"/>
+              <a:t>ver</a:t>
+            </a:r>
+            <a:r>
+              <a:rPr lang="en-US" dirty="0" smtClean="0"/>
+              <a:t> el </a:t>
+            </a:r>
+            <a:r>
+              <a:rPr lang="en-US" dirty="0" err="1" smtClean="0"/>
+              <a:t>correcto</a:t>
+            </a:r>
+            <a:r>
+              <a:rPr lang="en-US" dirty="0" smtClean="0"/>
+              <a:t> </a:t>
+            </a:r>
+            <a:r>
+              <a:rPr lang="en-US" dirty="0" err="1" smtClean="0"/>
+              <a:t>funcionamiento</a:t>
+            </a:r>
+            <a:r>
+              <a:rPr lang="en-US" dirty="0" smtClean="0"/>
+              <a:t>.</a:t>
+            </a:r>
           </a:p>
         </p:txBody>
-      </p:sp>
-      <p:sp>
-        <p:nvSpPr>
-          <p:cNvPr id="127" name="Shape 127"/>
-          <p:cNvSpPr/>
-          <p:nvPr/>
-        </p:nvSpPr>
-        <p:spPr>
-          <a:xfrm>
-            <a:off x="960050" y="1853501"/>
-            <a:ext cx="2936149" cy="2041275"/>
-          </a:xfrm>
-          <a:prstGeom prst="rect">
-            <a:avLst/>
-          </a:prstGeom>
-          <a:blipFill>
-            <a:blip r:embed="rId3"/>
-            <a:stretch>
-              <a:fillRect/>
-            </a:stretch>
-          </a:blipFill>
-        </p:spPr>
-      </p:sp>
-      <p:sp>
-        <p:nvSpPr>
-          <p:cNvPr id="128" name="Shape 128"/>
-          <p:cNvSpPr/>
-          <p:nvPr/>
-        </p:nvSpPr>
-        <p:spPr>
-          <a:xfrm>
-            <a:off x="820700" y="4070500"/>
-            <a:ext cx="2840925" cy="2132199"/>
-          </a:xfrm>
-          <a:prstGeom prst="rect">
-            <a:avLst/>
-          </a:prstGeom>
-          <a:blipFill>
-            <a:blip r:embed="rId4"/>
-            <a:stretch>
-              <a:fillRect/>
-            </a:stretch>
-          </a:blipFill>
-        </p:spPr>
-      </p:sp>
-      <p:sp>
-        <p:nvSpPr>
-          <p:cNvPr id="129" name="Shape 129"/>
-          <p:cNvSpPr/>
-          <p:nvPr/>
-        </p:nvSpPr>
-        <p:spPr>
-          <a:xfrm>
-            <a:off x="4498725" y="1595237"/>
-            <a:ext cx="2360549" cy="2132200"/>
-          </a:xfrm>
-          <a:prstGeom prst="rect">
-            <a:avLst/>
-          </a:prstGeom>
-          <a:blipFill>
-            <a:blip r:embed="rId5"/>
-            <a:stretch>
-              <a:fillRect/>
-            </a:stretch>
-          </a:blipFill>
-        </p:spPr>
-      </p:sp>
-      <p:sp>
-        <p:nvSpPr>
-          <p:cNvPr id="130" name="Shape 130"/>
-          <p:cNvSpPr/>
-          <p:nvPr/>
-        </p:nvSpPr>
-        <p:spPr>
-          <a:xfrm>
-            <a:off x="4498725" y="3905025"/>
-            <a:ext cx="3194025" cy="2544899"/>
-          </a:xfrm>
-          <a:prstGeom prst="rect">
-            <a:avLst/>
-          </a:prstGeom>
-          <a:blipFill>
-            <a:blip r:embed="rId6"/>
-            <a:stretch>
-              <a:fillRect/>
-            </a:stretch>
-          </a:blipFill>
-        </p:spPr>
       </p:sp>
     </p:spTree>
   </p:cSld>
   <p:clrMapOvr>
     <a:masterClrMapping/>
   </p:clrMapOvr>
-  <p:transition xmlns:p14="http://schemas.microsoft.com/office/powerpoint/2010/main" spd="slow">
-    <p:cut/>
-  </p:transition>
-  <p:timing>
-    <p:tnLst>
-      <p:par>
-        <p:cTn xmlns:p14="http://schemas.microsoft.com/office/powerpoint/2010/main" id="1" dur="indefinite" restart="never" nodeType="tmRoot"/>
-      </p:par>
-    </p:tnLst>
-  </p:timing>
 </p:sld>
 </file>
 
-<file path=ppt/slides/slide17.xml><?xml version="1.0" encoding="utf-8"?>
-<p:sld xmlns:a="http://schemas.openxmlformats.org/drawingml/2006/main" xmlns:r="http://schemas.openxmlformats.org/officeDocument/2006/relationships" xmlns:p="http://schemas.openxmlformats.org/presentationml/2006/main">
+<file path=ppt/slides/slide26.xml><?xml version="1.0" encoding="utf-8"?>
+<p:sld xmlns:a="http://schemas.openxmlformats.org/drawingml/2006/main" xmlns:r="http://schemas.openxmlformats.org/officeDocument/2006/relationships" xmlns:mc="http://schemas.openxmlformats.org/markup-compatibility/2006" xmlns:mv="urn:schemas-microsoft-com:mac:vml" xmlns:p="http://schemas.openxmlformats.org/presentationml/2006/main" mc:Ignorable="mv" mc:PreserveAttributes="mv:*">
   <p:cSld>
     <p:spTree>
       <p:nvGrpSpPr>
-        <p:cNvPr id="1" name="Shape 134"/>
+        <p:cNvPr id="1" name=""/>
         <p:cNvGrpSpPr/>
         <p:nvPr/>
       </p:nvGrpSpPr>
@@ -6104,94 +7415,183 @@
       </p:grpSpPr>
       <p:sp>
         <p:nvSpPr>
-          <p:cNvPr id="135" name="Shape 135"/>
-          <p:cNvSpPr/>
-          <p:nvPr/>
-        </p:nvSpPr>
-        <p:spPr>
-          <a:xfrm>
-            <a:off x="1260359" y="445000"/>
-            <a:ext cx="6623275" cy="5968000"/>
-          </a:xfrm>
-          <a:prstGeom prst="rect">
-            <a:avLst/>
-          </a:prstGeom>
-          <a:blipFill>
-            <a:blip r:embed="rId3"/>
-            <a:stretch>
-              <a:fillRect/>
-            </a:stretch>
-          </a:blipFill>
-        </p:spPr>
-      </p:sp>
-      <p:sp>
-        <p:nvSpPr>
-          <p:cNvPr id="136" name="Shape 136"/>
-          <p:cNvSpPr txBox="1">
+          <p:cNvPr id="2" name="Title 1"/>
+          <p:cNvSpPr>
             <a:spLocks noGrp="1"/>
           </p:cNvSpPr>
           <p:nvPr>
             <p:ph type="title"/>
           </p:nvPr>
         </p:nvSpPr>
-        <p:spPr>
-          <a:xfrm>
-            <a:off x="457200" y="274637"/>
-            <a:ext cx="8229600" cy="1143000"/>
-          </a:xfrm>
-          <a:prstGeom prst="rect">
-            <a:avLst/>
-          </a:prstGeom>
-        </p:spPr>
+        <p:spPr/>
         <p:txBody>
-          <a:bodyPr lIns="91425" tIns="91425" rIns="91425" bIns="91425" anchor="b" anchorCtr="0">
-            <a:noAutofit/>
-          </a:bodyPr>
+          <a:bodyPr/>
           <a:lstStyle/>
           <a:p>
-            <a:pPr>
-              <a:buNone/>
-            </a:pPr>
-            <a:r>
-              <a:rPr lang="en"/>
-              <a:t> </a:t>
-            </a:r>
+            <a:r>
+              <a:rPr lang="en-US" dirty="0" err="1" smtClean="0"/>
+              <a:t>Verificaci</a:t>
+            </a:r>
+            <a:r>
+              <a:rPr lang="en-US" dirty="0" err="1" smtClean="0"/>
+              <a:t>ón</a:t>
+            </a:r>
+            <a:endParaRPr lang="en-US" dirty="0"/>
           </a:p>
         </p:txBody>
       </p:sp>
       <p:sp>
         <p:nvSpPr>
-          <p:cNvPr id="137" name="Shape 137"/>
-          <p:cNvSpPr txBox="1">
+          <p:cNvPr id="3" name="Text Placeholder 2"/>
+          <p:cNvSpPr>
             <a:spLocks noGrp="1"/>
           </p:cNvSpPr>
           <p:nvPr>
             <p:ph type="body" idx="1"/>
           </p:nvPr>
         </p:nvSpPr>
-        <p:spPr>
-          <a:xfrm>
-            <a:off x="457200" y="1600200"/>
-            <a:ext cx="8229600" cy="4967700"/>
-          </a:xfrm>
-          <a:prstGeom prst="rect">
-            <a:avLst/>
-          </a:prstGeom>
-        </p:spPr>
+        <p:spPr/>
         <p:txBody>
-          <a:bodyPr lIns="91425" tIns="91425" rIns="91425" bIns="91425" anchor="t" anchorCtr="0">
-            <a:noAutofit/>
-          </a:bodyPr>
+          <a:bodyPr/>
           <a:lstStyle/>
           <a:p>
-            <a:pPr marL="2743200" indent="457200">
-              <a:buNone/>
-            </a:pPr>
-            <a:r>
-              <a:rPr lang="en" sz="9600"/>
-              <a:t>
- ?</a:t>
-            </a:r>
+            <a:r>
+              <a:rPr lang="en-US" dirty="0" err="1" smtClean="0"/>
+              <a:t>Generadores</a:t>
+            </a:r>
+            <a:r>
+              <a:rPr lang="en-US" dirty="0" smtClean="0"/>
+              <a:t> </a:t>
+            </a:r>
+            <a:r>
+              <a:rPr lang="en-US" dirty="0" err="1" smtClean="0"/>
+              <a:t>aleatorios</a:t>
+            </a:r>
+            <a:r>
+              <a:rPr lang="en-US" dirty="0" smtClean="0"/>
+              <a:t>:</a:t>
+            </a:r>
+          </a:p>
+          <a:p>
+            <a:pPr lvl="1"/>
+            <a:r>
+              <a:rPr lang="en-US" dirty="0" err="1" smtClean="0"/>
+              <a:t>Comparaci</a:t>
+            </a:r>
+            <a:r>
+              <a:rPr lang="en-US" dirty="0" err="1" smtClean="0"/>
+              <a:t>ón</a:t>
+            </a:r>
+            <a:r>
+              <a:rPr lang="en-US" dirty="0" smtClean="0"/>
+              <a:t> de </a:t>
+            </a:r>
+            <a:r>
+              <a:rPr lang="en-US" dirty="0" err="1" smtClean="0"/>
+              <a:t>histogramas</a:t>
+            </a:r>
+            <a:r>
+              <a:rPr lang="en-US" dirty="0" smtClean="0"/>
+              <a:t> </a:t>
+            </a:r>
+            <a:r>
+              <a:rPr lang="en-US" dirty="0" err="1" smtClean="0"/>
+              <a:t>generados</a:t>
+            </a:r>
+            <a:r>
+              <a:rPr lang="en-US" dirty="0" smtClean="0"/>
+              <a:t>.</a:t>
+            </a:r>
+          </a:p>
+          <a:p>
+            <a:pPr lvl="1"/>
+            <a:endParaRPr lang="en-US" dirty="0" smtClean="0"/>
+          </a:p>
+          <a:p>
+            <a:pPr lvl="1"/>
+            <a:endParaRPr lang="en-US" dirty="0" smtClean="0"/>
+          </a:p>
+          <a:p>
+            <a:pPr lvl="1"/>
+            <a:endParaRPr lang="en-US" dirty="0" smtClean="0"/>
+          </a:p>
+          <a:p>
+            <a:r>
+              <a:rPr lang="en-US" dirty="0" err="1" smtClean="0"/>
+              <a:t>Estrategias</a:t>
+            </a:r>
+            <a:r>
+              <a:rPr lang="en-US" dirty="0" smtClean="0"/>
+              <a:t> de </a:t>
+            </a:r>
+            <a:r>
+              <a:rPr lang="en-US" dirty="0" err="1" smtClean="0"/>
+              <a:t>aceptación</a:t>
+            </a:r>
+            <a:r>
+              <a:rPr lang="en-US" dirty="0" smtClean="0"/>
+              <a:t>:</a:t>
+            </a:r>
+          </a:p>
+          <a:p>
+            <a:pPr lvl="1"/>
+            <a:r>
+              <a:rPr lang="en-US" dirty="0" err="1" smtClean="0"/>
+              <a:t>Generación</a:t>
+            </a:r>
+            <a:r>
+              <a:rPr lang="en-US" dirty="0" smtClean="0"/>
+              <a:t> de </a:t>
+            </a:r>
+            <a:r>
+              <a:rPr lang="en-US" dirty="0" err="1" smtClean="0"/>
+              <a:t>conjuntos</a:t>
+            </a:r>
+            <a:r>
+              <a:rPr lang="en-US" dirty="0" smtClean="0"/>
+              <a:t> de </a:t>
+            </a:r>
+            <a:r>
+              <a:rPr lang="en-US" dirty="0" err="1" smtClean="0"/>
+              <a:t>testeo</a:t>
+            </a:r>
+            <a:r>
+              <a:rPr lang="en-US" dirty="0" smtClean="0"/>
+              <a:t> con </a:t>
+            </a:r>
+            <a:r>
+              <a:rPr lang="en-US" dirty="0" err="1" smtClean="0"/>
+              <a:t>soluciones</a:t>
+            </a:r>
+            <a:r>
+              <a:rPr lang="en-US" dirty="0" smtClean="0"/>
+              <a:t> </a:t>
+            </a:r>
+            <a:r>
+              <a:rPr lang="en-US" dirty="0" err="1" smtClean="0"/>
+              <a:t>conocidas</a:t>
+            </a:r>
+            <a:r>
+              <a:rPr lang="en-US" dirty="0" smtClean="0"/>
+              <a:t> </a:t>
+            </a:r>
+            <a:r>
+              <a:rPr lang="en-US" dirty="0" err="1" smtClean="0"/>
+              <a:t>para</a:t>
+            </a:r>
+            <a:r>
+              <a:rPr lang="en-US" dirty="0" smtClean="0"/>
+              <a:t> el </a:t>
+            </a:r>
+            <a:r>
+              <a:rPr lang="en-US" dirty="0" err="1" smtClean="0"/>
+              <a:t>chequeo</a:t>
+            </a:r>
+            <a:r>
+              <a:rPr lang="en-US" dirty="0" smtClean="0"/>
+              <a:t>.</a:t>
+            </a:r>
+            <a:endParaRPr lang="en-US" dirty="0" smtClean="0"/>
           </a:p>
         </p:txBody>
       </p:sp>
@@ -6200,25 +7600,15 @@
   <p:clrMapOvr>
     <a:masterClrMapping/>
   </p:clrMapOvr>
-  <p:transition xmlns:p14="http://schemas.microsoft.com/office/powerpoint/2010/main" spd="slow">
-    <p:cut/>
-  </p:transition>
-  <p:timing>
-    <p:tnLst>
-      <p:par>
-        <p:cTn xmlns:p14="http://schemas.microsoft.com/office/powerpoint/2010/main" id="1" dur="indefinite" restart="never" nodeType="tmRoot"/>
-      </p:par>
-    </p:tnLst>
-  </p:timing>
 </p:sld>
 </file>
 
-<file path=ppt/slides/slide2.xml><?xml version="1.0" encoding="utf-8"?>
-<p:sld xmlns:a="http://schemas.openxmlformats.org/drawingml/2006/main" xmlns:r="http://schemas.openxmlformats.org/officeDocument/2006/relationships" xmlns:p="http://schemas.openxmlformats.org/presentationml/2006/main">
+<file path=ppt/slides/slide27.xml><?xml version="1.0" encoding="utf-8"?>
+<p:sld xmlns:a="http://schemas.openxmlformats.org/drawingml/2006/main" xmlns:r="http://schemas.openxmlformats.org/officeDocument/2006/relationships" xmlns:mc="http://schemas.openxmlformats.org/markup-compatibility/2006" xmlns:mv="urn:schemas-microsoft-com:mac:vml" xmlns:p="http://schemas.openxmlformats.org/presentationml/2006/main" mc:Ignorable="mv" mc:PreserveAttributes="mv:*">
   <p:cSld>
     <p:spTree>
       <p:nvGrpSpPr>
-        <p:cNvPr id="1" name="Shape 29"/>
+        <p:cNvPr id="1" name=""/>
         <p:cNvGrpSpPr/>
         <p:nvPr/>
       </p:nvGrpSpPr>
@@ -6232,244 +7622,284 @@
       </p:grpSpPr>
       <p:sp>
         <p:nvSpPr>
-          <p:cNvPr id="30" name="Shape 30"/>
-          <p:cNvSpPr/>
-          <p:nvPr/>
-        </p:nvSpPr>
-        <p:spPr>
-          <a:xfrm>
-            <a:off x="5041478" y="1667825"/>
-            <a:ext cx="4117000" cy="1183900"/>
-          </a:xfrm>
-          <a:prstGeom prst="rect">
-            <a:avLst/>
-          </a:prstGeom>
-          <a:blipFill>
-            <a:blip r:embed="rId3"/>
-            <a:stretch>
-              <a:fillRect/>
-            </a:stretch>
-          </a:blipFill>
-        </p:spPr>
-      </p:sp>
-      <p:sp>
-        <p:nvSpPr>
-          <p:cNvPr id="31" name="Shape 31"/>
-          <p:cNvSpPr/>
-          <p:nvPr/>
-        </p:nvSpPr>
-        <p:spPr>
-          <a:xfrm>
-            <a:off x="0" y="1526350"/>
-            <a:ext cx="1847850" cy="1803200"/>
-          </a:xfrm>
-          <a:prstGeom prst="rect">
-            <a:avLst/>
-          </a:prstGeom>
-          <a:blipFill>
-            <a:blip r:embed="rId4"/>
-            <a:stretch>
-              <a:fillRect/>
-            </a:stretch>
-          </a:blipFill>
-        </p:spPr>
-      </p:sp>
-      <p:sp>
-        <p:nvSpPr>
-          <p:cNvPr id="32" name="Shape 32"/>
-          <p:cNvSpPr/>
-          <p:nvPr/>
-        </p:nvSpPr>
-        <p:spPr>
-          <a:xfrm>
-            <a:off x="5749726" y="0"/>
-            <a:ext cx="3275974" cy="1466874"/>
-          </a:xfrm>
-          <a:prstGeom prst="rect">
-            <a:avLst/>
-          </a:prstGeom>
-          <a:blipFill>
-            <a:blip r:embed="rId5"/>
-            <a:stretch>
-              <a:fillRect/>
-            </a:stretch>
-          </a:blipFill>
-        </p:spPr>
-      </p:sp>
-      <p:sp>
-        <p:nvSpPr>
-          <p:cNvPr id="33" name="Shape 33"/>
-          <p:cNvSpPr/>
-          <p:nvPr/>
-        </p:nvSpPr>
-        <p:spPr>
-          <a:xfrm>
-            <a:off x="0" y="5067300"/>
-            <a:ext cx="1847850" cy="1803200"/>
-          </a:xfrm>
-          <a:prstGeom prst="rect">
-            <a:avLst/>
-          </a:prstGeom>
-          <a:blipFill>
-            <a:blip r:embed="rId6"/>
-            <a:stretch>
-              <a:fillRect/>
-            </a:stretch>
-          </a:blipFill>
-        </p:spPr>
-      </p:sp>
-      <p:sp>
-        <p:nvSpPr>
-          <p:cNvPr id="34" name="Shape 34"/>
-          <p:cNvSpPr/>
-          <p:nvPr/>
-        </p:nvSpPr>
-        <p:spPr>
-          <a:xfrm>
-            <a:off x="1730300" y="1733435"/>
-            <a:ext cx="3171524" cy="1389050"/>
-          </a:xfrm>
-          <a:prstGeom prst="rect">
-            <a:avLst/>
-          </a:prstGeom>
-          <a:blipFill>
-            <a:blip r:embed="rId7"/>
-            <a:stretch>
-              <a:fillRect/>
-            </a:stretch>
-          </a:blipFill>
-        </p:spPr>
-      </p:sp>
-      <p:sp>
-        <p:nvSpPr>
-          <p:cNvPr id="35" name="Shape 35"/>
-          <p:cNvSpPr/>
-          <p:nvPr/>
-        </p:nvSpPr>
-        <p:spPr>
-          <a:xfrm>
-            <a:off x="4406825" y="3883400"/>
-            <a:ext cx="4737175" cy="1183900"/>
-          </a:xfrm>
-          <a:prstGeom prst="rect">
-            <a:avLst/>
-          </a:prstGeom>
-          <a:blipFill>
-            <a:blip r:embed="rId8"/>
-            <a:stretch>
-              <a:fillRect/>
-            </a:stretch>
-          </a:blipFill>
-        </p:spPr>
-      </p:sp>
-      <p:sp>
-        <p:nvSpPr>
-          <p:cNvPr id="36" name="Shape 36"/>
-          <p:cNvSpPr/>
-          <p:nvPr/>
-        </p:nvSpPr>
-        <p:spPr>
-          <a:xfrm>
-            <a:off x="0" y="3811950"/>
-            <a:ext cx="4406825" cy="1183900"/>
-          </a:xfrm>
-          <a:prstGeom prst="rect">
-            <a:avLst/>
-          </a:prstGeom>
-          <a:blipFill>
-            <a:blip r:embed="rId9"/>
-            <a:stretch>
-              <a:fillRect/>
-            </a:stretch>
-          </a:blipFill>
-        </p:spPr>
-      </p:sp>
-      <p:sp>
-        <p:nvSpPr>
-          <p:cNvPr id="37" name="Shape 37"/>
-          <p:cNvSpPr/>
-          <p:nvPr/>
-        </p:nvSpPr>
-        <p:spPr>
-          <a:xfrm>
-            <a:off x="6223575" y="5314200"/>
-            <a:ext cx="2934899" cy="1309399"/>
-          </a:xfrm>
-          <a:prstGeom prst="rect">
-            <a:avLst/>
-          </a:prstGeom>
-          <a:blipFill>
-            <a:blip r:embed="rId10"/>
-            <a:stretch>
-              <a:fillRect/>
-            </a:stretch>
-          </a:blipFill>
-        </p:spPr>
-      </p:sp>
-      <p:sp>
-        <p:nvSpPr>
-          <p:cNvPr id="38" name="Shape 38"/>
-          <p:cNvSpPr/>
-          <p:nvPr/>
-        </p:nvSpPr>
-        <p:spPr>
-          <a:xfrm>
-            <a:off x="1847850" y="5601850"/>
-            <a:ext cx="4375724" cy="1183899"/>
-          </a:xfrm>
-          <a:prstGeom prst="rect">
-            <a:avLst/>
-          </a:prstGeom>
-          <a:blipFill>
-            <a:blip r:embed="rId11"/>
-            <a:stretch>
-              <a:fillRect/>
-            </a:stretch>
-          </a:blipFill>
-        </p:spPr>
-      </p:sp>
-      <p:sp>
-        <p:nvSpPr>
-          <p:cNvPr id="39" name="Shape 39"/>
-          <p:cNvSpPr/>
-          <p:nvPr/>
-        </p:nvSpPr>
-        <p:spPr>
-          <a:xfrm>
-            <a:off x="0" y="38916"/>
-            <a:ext cx="5643524" cy="1389050"/>
-          </a:xfrm>
-          <a:prstGeom prst="rect">
-            <a:avLst/>
-          </a:prstGeom>
-          <a:blipFill>
-            <a:blip r:embed="rId12"/>
-            <a:stretch>
-              <a:fillRect/>
-            </a:stretch>
-          </a:blipFill>
-        </p:spPr>
+          <p:cNvPr id="2" name="Title 1"/>
+          <p:cNvSpPr>
+            <a:spLocks noGrp="1"/>
+          </p:cNvSpPr>
+          <p:nvPr>
+            <p:ph type="title"/>
+          </p:nvPr>
+        </p:nvSpPr>
+        <p:spPr/>
+        <p:txBody>
+          <a:bodyPr/>
+          <a:lstStyle/>
+          <a:p>
+            <a:r>
+              <a:rPr lang="en-US" dirty="0" err="1" smtClean="0"/>
+              <a:t>N</a:t>
+            </a:r>
+            <a:r>
+              <a:rPr lang="en-US" dirty="0" err="1" smtClean="0"/>
+              <a:t>úmero</a:t>
+            </a:r>
+            <a:r>
+              <a:rPr lang="en-US" dirty="0" smtClean="0"/>
+              <a:t> de </a:t>
+            </a:r>
+            <a:r>
+              <a:rPr lang="en-US" dirty="0" err="1" smtClean="0"/>
+              <a:t>corridas</a:t>
+            </a:r>
+            <a:r>
+              <a:rPr lang="en-US" dirty="0" smtClean="0"/>
+              <a:t> </a:t>
+            </a:r>
+            <a:r>
+              <a:rPr lang="en-US" dirty="0" err="1" smtClean="0"/>
+              <a:t>necesarias</a:t>
+            </a:r>
+            <a:endParaRPr lang="en-US" dirty="0"/>
+          </a:p>
+        </p:txBody>
+      </p:sp>
+      <p:sp>
+        <p:nvSpPr>
+          <p:cNvPr id="3" name="Text Placeholder 2"/>
+          <p:cNvSpPr>
+            <a:spLocks noGrp="1"/>
+          </p:cNvSpPr>
+          <p:nvPr>
+            <p:ph type="body" idx="1"/>
+          </p:nvPr>
+        </p:nvSpPr>
+        <p:spPr/>
+        <p:txBody>
+          <a:bodyPr/>
+          <a:lstStyle/>
+          <a:p>
+            <a:pPr>
+              <a:buNone/>
+            </a:pPr>
+            <a:endParaRPr lang="en-US" dirty="0" smtClean="0"/>
+          </a:p>
+          <a:p>
+            <a:pPr>
+              <a:buNone/>
+            </a:pPr>
+            <a:endParaRPr lang="en-US" dirty="0" smtClean="0"/>
+          </a:p>
+          <a:p>
+            <a:pPr>
+              <a:buNone/>
+            </a:pPr>
+            <a:r>
+              <a:rPr lang="en-US" dirty="0" smtClean="0"/>
+              <a:t>Para </a:t>
+            </a:r>
+            <a:r>
+              <a:rPr lang="en-US" dirty="0" err="1" smtClean="0"/>
+              <a:t>obtener</a:t>
+            </a:r>
+            <a:r>
+              <a:rPr lang="en-US" dirty="0" smtClean="0"/>
+              <a:t> un </a:t>
+            </a:r>
+            <a:r>
+              <a:rPr lang="en-US" dirty="0" err="1" smtClean="0"/>
+              <a:t>intervalo</a:t>
+            </a:r>
+            <a:r>
+              <a:rPr lang="en-US" dirty="0" smtClean="0"/>
+              <a:t> de </a:t>
+            </a:r>
+            <a:r>
+              <a:rPr lang="en-US" dirty="0" err="1" smtClean="0"/>
+              <a:t>confianza</a:t>
+            </a:r>
+            <a:r>
+              <a:rPr lang="en-US" dirty="0" smtClean="0"/>
+              <a:t> de 5% con un </a:t>
+            </a:r>
+            <a:r>
+              <a:rPr lang="en-US" dirty="0" err="1" smtClean="0"/>
+              <a:t>nivel</a:t>
+            </a:r>
+            <a:r>
+              <a:rPr lang="en-US" dirty="0" smtClean="0"/>
+              <a:t> de </a:t>
+            </a:r>
+            <a:r>
+              <a:rPr lang="en-US" dirty="0" err="1" smtClean="0"/>
+              <a:t>significaci</a:t>
+            </a:r>
+            <a:r>
+              <a:rPr lang="en-US" dirty="0" err="1" smtClean="0"/>
+              <a:t>ón</a:t>
+            </a:r>
+            <a:r>
+              <a:rPr lang="en-US" dirty="0" smtClean="0"/>
+              <a:t> del 99% </a:t>
+            </a:r>
+            <a:r>
+              <a:rPr lang="en-US" dirty="0" err="1" smtClean="0"/>
+              <a:t>basta</a:t>
+            </a:r>
+            <a:r>
+              <a:rPr lang="en-US" dirty="0" smtClean="0"/>
+              <a:t> con </a:t>
+            </a:r>
+            <a:r>
+              <a:rPr lang="en-US" dirty="0" err="1" smtClean="0"/>
+              <a:t>hacer</a:t>
+            </a:r>
+            <a:r>
+              <a:rPr lang="en-US" dirty="0" smtClean="0"/>
+              <a:t> 100 </a:t>
+            </a:r>
+            <a:r>
+              <a:rPr lang="en-US" dirty="0" err="1" smtClean="0"/>
+              <a:t>coridas</a:t>
+            </a:r>
+            <a:r>
+              <a:rPr lang="en-US" dirty="0" smtClean="0"/>
+              <a:t>.</a:t>
+            </a:r>
+            <a:endParaRPr lang="en-US" dirty="0"/>
+          </a:p>
+        </p:txBody>
       </p:sp>
     </p:spTree>
   </p:cSld>
   <p:clrMapOvr>
     <a:masterClrMapping/>
   </p:clrMapOvr>
-  <p:transition xmlns:p14="http://schemas.microsoft.com/office/powerpoint/2010/main" spd="slow">
-    <p:cut/>
-  </p:transition>
-  <p:timing>
-    <p:tnLst>
-      <p:par>
-        <p:cTn xmlns:p14="http://schemas.microsoft.com/office/powerpoint/2010/main" id="1" dur="indefinite" restart="never" nodeType="tmRoot"/>
-      </p:par>
-    </p:tnLst>
-  </p:timing>
+</p:sld>
+</file>
+
+<file path=ppt/slides/slide28.xml><?xml version="1.0" encoding="utf-8"?>
+<p:sld xmlns:a="http://schemas.openxmlformats.org/drawingml/2006/main" xmlns:r="http://schemas.openxmlformats.org/officeDocument/2006/relationships" xmlns:mc="http://schemas.openxmlformats.org/markup-compatibility/2006" xmlns:mv="urn:schemas-microsoft-com:mac:vml" xmlns:p="http://schemas.openxmlformats.org/presentationml/2006/main" mc:Ignorable="mv" mc:PreserveAttributes="mv:*">
+  <p:cSld>
+    <p:spTree>
+      <p:nvGrpSpPr>
+        <p:cNvPr id="1" name=""/>
+        <p:cNvGrpSpPr/>
+        <p:nvPr/>
+      </p:nvGrpSpPr>
+      <p:grpSpPr>
+        <a:xfrm>
+          <a:off x="0" y="0"/>
+          <a:ext cx="0" cy="0"/>
+          <a:chOff x="0" y="0"/>
+          <a:chExt cx="0" cy="0"/>
+        </a:xfrm>
+      </p:grpSpPr>
+      <p:sp>
+        <p:nvSpPr>
+          <p:cNvPr id="2" name="Title 1"/>
+          <p:cNvSpPr>
+            <a:spLocks noGrp="1"/>
+          </p:cNvSpPr>
+          <p:nvPr>
+            <p:ph type="title"/>
+          </p:nvPr>
+        </p:nvSpPr>
+        <p:spPr/>
+        <p:txBody>
+          <a:bodyPr/>
+          <a:lstStyle/>
+          <a:p>
+            <a:r>
+              <a:rPr lang="en-US" dirty="0" err="1" smtClean="0"/>
+              <a:t>Resultados</a:t>
+            </a:r>
+            <a:endParaRPr lang="en-US" dirty="0"/>
+          </a:p>
+        </p:txBody>
+      </p:sp>
+      <p:pic>
+        <p:nvPicPr>
+          <p:cNvPr id="4" name="Picture 3" descr="Screen shot 2013-06-27 at 11.53.23 AM.png"/>
+          <p:cNvPicPr>
+            <a:picLocks noChangeAspect="1"/>
+          </p:cNvPicPr>
+          <p:nvPr/>
+        </p:nvPicPr>
+        <p:blipFill>
+          <a:blip r:embed="rId2"/>
+          <a:stretch>
+            <a:fillRect/>
+          </a:stretch>
+        </p:blipFill>
+        <p:spPr>
+          <a:xfrm>
+            <a:off x="0" y="2054705"/>
+            <a:ext cx="9144000" cy="2748589"/>
+          </a:xfrm>
+          <a:prstGeom prst="rect">
+            <a:avLst/>
+          </a:prstGeom>
+        </p:spPr>
+      </p:pic>
+    </p:spTree>
+  </p:cSld>
+  <p:clrMapOvr>
+    <a:masterClrMapping/>
+  </p:clrMapOvr>
+</p:sld>
+</file>
+
+<file path=ppt/slides/slide29.xml><?xml version="1.0" encoding="utf-8"?>
+<p:sld xmlns:a="http://schemas.openxmlformats.org/drawingml/2006/main" xmlns:r="http://schemas.openxmlformats.org/officeDocument/2006/relationships" xmlns:mc="http://schemas.openxmlformats.org/markup-compatibility/2006" xmlns:mv="urn:schemas-microsoft-com:mac:vml" xmlns:p="http://schemas.openxmlformats.org/presentationml/2006/main" mc:Ignorable="mv" mc:PreserveAttributes="mv:*">
+  <p:cSld>
+    <p:spTree>
+      <p:nvGrpSpPr>
+        <p:cNvPr id="1" name=""/>
+        <p:cNvGrpSpPr/>
+        <p:nvPr/>
+      </p:nvGrpSpPr>
+      <p:grpSpPr>
+        <a:xfrm>
+          <a:off x="0" y="0"/>
+          <a:ext cx="0" cy="0"/>
+          <a:chOff x="0" y="0"/>
+          <a:chExt cx="0" cy="0"/>
+        </a:xfrm>
+      </p:grpSpPr>
+      <p:pic>
+        <p:nvPicPr>
+          <p:cNvPr id="4" name="Picture 3" descr="Screen shot 2013-06-27 at 11.54.22 AM.png"/>
+          <p:cNvPicPr>
+            <a:picLocks noChangeAspect="1"/>
+          </p:cNvPicPr>
+          <p:nvPr/>
+        </p:nvPicPr>
+        <p:blipFill>
+          <a:blip r:embed="rId2"/>
+          <a:stretch>
+            <a:fillRect/>
+          </a:stretch>
+        </p:blipFill>
+        <p:spPr>
+          <a:xfrm>
+            <a:off x="622300" y="1054100"/>
+            <a:ext cx="7899400" cy="4749800"/>
+          </a:xfrm>
+          <a:prstGeom prst="rect">
+            <a:avLst/>
+          </a:prstGeom>
+        </p:spPr>
+      </p:pic>
+    </p:spTree>
+  </p:cSld>
+  <p:clrMapOvr>
+    <a:masterClrMapping/>
+  </p:clrMapOvr>
 </p:sld>
 </file>
 
 <file path=ppt/slides/slide3.xml><?xml version="1.0" encoding="utf-8"?>
-<p:sld xmlns:a="http://schemas.openxmlformats.org/drawingml/2006/main" xmlns:r="http://schemas.openxmlformats.org/officeDocument/2006/relationships" xmlns:p="http://schemas.openxmlformats.org/presentationml/2006/main">
+<p:sld xmlns:a="http://schemas.openxmlformats.org/drawingml/2006/main" xmlns:r="http://schemas.openxmlformats.org/officeDocument/2006/relationships" xmlns:mc="http://schemas.openxmlformats.org/markup-compatibility/2006" xmlns:mv="urn:schemas-microsoft-com:mac:vml" xmlns:p="http://schemas.openxmlformats.org/presentationml/2006/main" mc:Ignorable="mv" mc:PreserveAttributes="mv:*">
   <p:cSld>
     <p:spTree>
       <p:nvGrpSpPr>
@@ -6691,13 +8121,868 @@
   <p:clrMapOvr>
     <a:masterClrMapping/>
   </p:clrMapOvr>
-  <p:transition xmlns:p14="http://schemas.microsoft.com/office/powerpoint/2010/main" spd="slow">
+  <p:transition spd="slow">
     <p:cut/>
   </p:transition>
   <p:timing>
     <p:tnLst>
       <p:par>
-        <p:cTn xmlns:p14="http://schemas.microsoft.com/office/powerpoint/2010/main" id="1" dur="indefinite" restart="never" nodeType="tmRoot"/>
+        <p:cTn id="1" dur="indefinite" restart="never" nodeType="tmRoot"/>
+      </p:par>
+    </p:tnLst>
+  </p:timing>
+</p:sld>
+</file>
+
+<file path=ppt/slides/slide30.xml><?xml version="1.0" encoding="utf-8"?>
+<p:sld xmlns:a="http://schemas.openxmlformats.org/drawingml/2006/main" xmlns:r="http://schemas.openxmlformats.org/officeDocument/2006/relationships" xmlns:mc="http://schemas.openxmlformats.org/markup-compatibility/2006" xmlns:mv="urn:schemas-microsoft-com:mac:vml" xmlns:p="http://schemas.openxmlformats.org/presentationml/2006/main" mc:Ignorable="mv" mc:PreserveAttributes="mv:*">
+  <p:cSld>
+    <p:spTree>
+      <p:nvGrpSpPr>
+        <p:cNvPr id="1" name=""/>
+        <p:cNvGrpSpPr/>
+        <p:nvPr/>
+      </p:nvGrpSpPr>
+      <p:grpSpPr>
+        <a:xfrm>
+          <a:off x="0" y="0"/>
+          <a:ext cx="0" cy="0"/>
+          <a:chOff x="0" y="0"/>
+          <a:chExt cx="0" cy="0"/>
+        </a:xfrm>
+      </p:grpSpPr>
+      <p:pic>
+        <p:nvPicPr>
+          <p:cNvPr id="2" name="Picture 1" descr="Screen shot 2013-06-27 at 11.54.26 AM.png"/>
+          <p:cNvPicPr>
+            <a:picLocks noChangeAspect="1"/>
+          </p:cNvPicPr>
+          <p:nvPr/>
+        </p:nvPicPr>
+        <p:blipFill>
+          <a:blip r:embed="rId2"/>
+          <a:stretch>
+            <a:fillRect/>
+          </a:stretch>
+        </p:blipFill>
+        <p:spPr>
+          <a:xfrm>
+            <a:off x="514350" y="971550"/>
+            <a:ext cx="8115300" cy="4914900"/>
+          </a:xfrm>
+          <a:prstGeom prst="rect">
+            <a:avLst/>
+          </a:prstGeom>
+        </p:spPr>
+      </p:pic>
+    </p:spTree>
+  </p:cSld>
+  <p:clrMapOvr>
+    <a:masterClrMapping/>
+  </p:clrMapOvr>
+</p:sld>
+</file>
+
+<file path=ppt/slides/slide31.xml><?xml version="1.0" encoding="utf-8"?>
+<p:sld xmlns:a="http://schemas.openxmlformats.org/drawingml/2006/main" xmlns:r="http://schemas.openxmlformats.org/officeDocument/2006/relationships" xmlns:mc="http://schemas.openxmlformats.org/markup-compatibility/2006" xmlns:mv="urn:schemas-microsoft-com:mac:vml" xmlns:p="http://schemas.openxmlformats.org/presentationml/2006/main" mc:Ignorable="mv" mc:PreserveAttributes="mv:*">
+  <p:cSld>
+    <p:spTree>
+      <p:nvGrpSpPr>
+        <p:cNvPr id="1" name=""/>
+        <p:cNvGrpSpPr/>
+        <p:nvPr/>
+      </p:nvGrpSpPr>
+      <p:grpSpPr>
+        <a:xfrm>
+          <a:off x="0" y="0"/>
+          <a:ext cx="0" cy="0"/>
+          <a:chOff x="0" y="0"/>
+          <a:chExt cx="0" cy="0"/>
+        </a:xfrm>
+      </p:grpSpPr>
+      <p:pic>
+        <p:nvPicPr>
+          <p:cNvPr id="2" name="Picture 1" descr="Screen shot 2013-06-27 at 11.54.29 AM.png"/>
+          <p:cNvPicPr>
+            <a:picLocks noChangeAspect="1"/>
+          </p:cNvPicPr>
+          <p:nvPr/>
+        </p:nvPicPr>
+        <p:blipFill>
+          <a:blip r:embed="rId2"/>
+          <a:stretch>
+            <a:fillRect/>
+          </a:stretch>
+        </p:blipFill>
+        <p:spPr>
+          <a:xfrm>
+            <a:off x="660400" y="1032877"/>
+            <a:ext cx="7823200" cy="4775200"/>
+          </a:xfrm>
+          <a:prstGeom prst="rect">
+            <a:avLst/>
+          </a:prstGeom>
+        </p:spPr>
+      </p:pic>
+    </p:spTree>
+  </p:cSld>
+  <p:clrMapOvr>
+    <a:masterClrMapping/>
+  </p:clrMapOvr>
+</p:sld>
+</file>
+
+<file path=ppt/slides/slide32.xml><?xml version="1.0" encoding="utf-8"?>
+<p:sld xmlns:a="http://schemas.openxmlformats.org/drawingml/2006/main" xmlns:r="http://schemas.openxmlformats.org/officeDocument/2006/relationships" xmlns:mc="http://schemas.openxmlformats.org/markup-compatibility/2006" xmlns:mv="urn:schemas-microsoft-com:mac:vml" xmlns:p="http://schemas.openxmlformats.org/presentationml/2006/main" mc:Ignorable="mv" mc:PreserveAttributes="mv:*">
+  <p:cSld>
+    <p:spTree>
+      <p:nvGrpSpPr>
+        <p:cNvPr id="1" name=""/>
+        <p:cNvGrpSpPr/>
+        <p:nvPr/>
+      </p:nvGrpSpPr>
+      <p:grpSpPr>
+        <a:xfrm>
+          <a:off x="0" y="0"/>
+          <a:ext cx="0" cy="0"/>
+          <a:chOff x="0" y="0"/>
+          <a:chExt cx="0" cy="0"/>
+        </a:xfrm>
+      </p:grpSpPr>
+      <p:sp>
+        <p:nvSpPr>
+          <p:cNvPr id="2" name="Title 1"/>
+          <p:cNvSpPr>
+            <a:spLocks noGrp="1"/>
+          </p:cNvSpPr>
+          <p:nvPr>
+            <p:ph type="title"/>
+          </p:nvPr>
+        </p:nvSpPr>
+        <p:spPr>
+          <a:xfrm>
+            <a:off x="457200" y="274637"/>
+            <a:ext cx="8229600" cy="705534"/>
+          </a:xfrm>
+        </p:spPr>
+        <p:txBody>
+          <a:bodyPr/>
+          <a:lstStyle/>
+          <a:p>
+            <a:r>
+              <a:rPr lang="en-US" dirty="0" err="1" smtClean="0"/>
+              <a:t>Conclusiones</a:t>
+            </a:r>
+            <a:endParaRPr lang="en-US" dirty="0"/>
+          </a:p>
+        </p:txBody>
+      </p:sp>
+      <p:sp>
+        <p:nvSpPr>
+          <p:cNvPr id="3" name="Text Placeholder 2"/>
+          <p:cNvSpPr>
+            <a:spLocks noGrp="1"/>
+          </p:cNvSpPr>
+          <p:nvPr>
+            <p:ph type="body" idx="1"/>
+          </p:nvPr>
+        </p:nvSpPr>
+        <p:spPr>
+          <a:xfrm>
+            <a:off x="457200" y="1568272"/>
+            <a:ext cx="8229600" cy="4999627"/>
+          </a:xfrm>
+        </p:spPr>
+        <p:txBody>
+          <a:bodyPr/>
+          <a:lstStyle/>
+          <a:p>
+            <a:r>
+              <a:rPr lang="en-US" dirty="0" err="1" smtClean="0"/>
+              <a:t>Aprovechamiento</a:t>
+            </a:r>
+            <a:r>
+              <a:rPr lang="en-US" dirty="0" smtClean="0"/>
+              <a:t> </a:t>
+            </a:r>
+            <a:r>
+              <a:rPr lang="en-US" dirty="0" err="1" smtClean="0"/>
+              <a:t>óptimo</a:t>
+            </a:r>
+            <a:r>
+              <a:rPr lang="en-US" dirty="0" smtClean="0"/>
+              <a:t> de </a:t>
+            </a:r>
+            <a:r>
+              <a:rPr lang="en-US" dirty="0" err="1" smtClean="0"/>
+              <a:t>recursos</a:t>
+            </a:r>
+            <a:r>
+              <a:rPr lang="en-US" dirty="0" smtClean="0"/>
+              <a:t>.</a:t>
+            </a:r>
+          </a:p>
+          <a:p>
+            <a:endParaRPr lang="en-US" dirty="0" smtClean="0"/>
+          </a:p>
+          <a:p>
+            <a:r>
+              <a:rPr lang="en-US" dirty="0" err="1" smtClean="0"/>
+              <a:t>Seg</a:t>
+            </a:r>
+            <a:r>
+              <a:rPr lang="en-US" dirty="0" err="1" smtClean="0"/>
+              <a:t>ún</a:t>
+            </a:r>
+            <a:r>
+              <a:rPr lang="en-US" dirty="0" smtClean="0"/>
+              <a:t> la </a:t>
+            </a:r>
+            <a:r>
+              <a:rPr lang="en-US" dirty="0" err="1" smtClean="0"/>
+              <a:t>ganancia</a:t>
+            </a:r>
+            <a:r>
+              <a:rPr lang="en-US" dirty="0" smtClean="0"/>
+              <a:t>, no hay </a:t>
+            </a:r>
+            <a:r>
+              <a:rPr lang="en-US" dirty="0" err="1" smtClean="0"/>
+              <a:t>diferencias</a:t>
+            </a:r>
+            <a:r>
+              <a:rPr lang="en-US" dirty="0" smtClean="0"/>
+              <a:t> </a:t>
+            </a:r>
+            <a:r>
+              <a:rPr lang="en-US" dirty="0" err="1" smtClean="0"/>
+              <a:t>significativas</a:t>
+            </a:r>
+            <a:r>
+              <a:rPr lang="en-US" dirty="0" smtClean="0"/>
+              <a:t> entre </a:t>
+            </a:r>
+            <a:r>
+              <a:rPr lang="en-US" dirty="0" err="1" smtClean="0"/>
+              <a:t>estrategias</a:t>
+            </a:r>
+            <a:r>
+              <a:rPr lang="en-US" dirty="0" smtClean="0"/>
+              <a:t>.</a:t>
+            </a:r>
+          </a:p>
+          <a:p>
+            <a:endParaRPr lang="en-US" dirty="0" smtClean="0"/>
+          </a:p>
+          <a:p>
+            <a:r>
+              <a:rPr lang="en-US" dirty="0" err="1" smtClean="0"/>
+              <a:t>Según</a:t>
+            </a:r>
+            <a:r>
+              <a:rPr lang="en-US" dirty="0" smtClean="0"/>
+              <a:t> </a:t>
+            </a:r>
+            <a:r>
+              <a:rPr lang="en-US" dirty="0" err="1" smtClean="0"/>
+              <a:t>costo</a:t>
+            </a:r>
+            <a:r>
+              <a:rPr lang="en-US" dirty="0" smtClean="0"/>
+              <a:t> de </a:t>
+            </a:r>
+            <a:r>
+              <a:rPr lang="en-US" dirty="0" err="1" smtClean="0"/>
+              <a:t>oportunidad</a:t>
+            </a:r>
+            <a:r>
+              <a:rPr lang="en-US" dirty="0" smtClean="0"/>
+              <a:t>, la </a:t>
+            </a:r>
+            <a:r>
+              <a:rPr lang="en-US" dirty="0" err="1" smtClean="0"/>
+              <a:t>estrategia</a:t>
+            </a:r>
+            <a:r>
+              <a:rPr lang="en-US" dirty="0" smtClean="0"/>
+              <a:t> 2 </a:t>
+            </a:r>
+            <a:r>
+              <a:rPr lang="en-US" dirty="0" err="1" smtClean="0"/>
+              <a:t>es</a:t>
+            </a:r>
+            <a:r>
+              <a:rPr lang="en-US" dirty="0" smtClean="0"/>
+              <a:t> </a:t>
+            </a:r>
+            <a:r>
+              <a:rPr lang="en-US" dirty="0" err="1" smtClean="0"/>
+              <a:t>mejor</a:t>
+            </a:r>
+            <a:r>
+              <a:rPr lang="en-US" dirty="0" smtClean="0"/>
+              <a:t>, </a:t>
+            </a:r>
+            <a:r>
+              <a:rPr lang="en-US" dirty="0" err="1" smtClean="0"/>
+              <a:t>ya</a:t>
+            </a:r>
+            <a:r>
+              <a:rPr lang="en-US" dirty="0" smtClean="0"/>
+              <a:t> </a:t>
+            </a:r>
+            <a:r>
+              <a:rPr lang="en-US" dirty="0" err="1" smtClean="0"/>
+              <a:t>que</a:t>
+            </a:r>
+            <a:r>
+              <a:rPr lang="en-US" dirty="0" smtClean="0"/>
+              <a:t> </a:t>
+            </a:r>
+            <a:r>
+              <a:rPr lang="en-US" dirty="0" err="1" smtClean="0"/>
+              <a:t>tiene</a:t>
+            </a:r>
+            <a:r>
+              <a:rPr lang="en-US" dirty="0" smtClean="0"/>
+              <a:t> un </a:t>
+            </a:r>
+            <a:r>
+              <a:rPr lang="en-US" dirty="0" err="1" smtClean="0"/>
+              <a:t>costo</a:t>
+            </a:r>
+            <a:r>
+              <a:rPr lang="en-US" dirty="0" smtClean="0"/>
+              <a:t> de </a:t>
+            </a:r>
+            <a:r>
+              <a:rPr lang="en-US" dirty="0" err="1" smtClean="0"/>
+              <a:t>oportunidad</a:t>
+            </a:r>
+            <a:r>
+              <a:rPr lang="en-US" dirty="0" smtClean="0"/>
+              <a:t> </a:t>
+            </a:r>
+            <a:r>
+              <a:rPr lang="en-US" dirty="0" err="1" smtClean="0"/>
+              <a:t>significativamente</a:t>
+            </a:r>
+            <a:r>
+              <a:rPr lang="en-US" dirty="0" smtClean="0"/>
+              <a:t> </a:t>
+            </a:r>
+            <a:r>
+              <a:rPr lang="en-US" dirty="0" err="1" smtClean="0"/>
+              <a:t>menor</a:t>
+            </a:r>
+            <a:r>
+              <a:rPr lang="en-US" dirty="0" smtClean="0"/>
+              <a:t> a 1.</a:t>
+            </a:r>
+            <a:endParaRPr lang="en-US" dirty="0"/>
+          </a:p>
+        </p:txBody>
+      </p:sp>
+    </p:spTree>
+  </p:cSld>
+  <p:clrMapOvr>
+    <a:masterClrMapping/>
+  </p:clrMapOvr>
+</p:sld>
+</file>
+
+<file path=ppt/slides/slide33.xml><?xml version="1.0" encoding="utf-8"?>
+<p:sld xmlns:a="http://schemas.openxmlformats.org/drawingml/2006/main" xmlns:r="http://schemas.openxmlformats.org/officeDocument/2006/relationships" xmlns:mc="http://schemas.openxmlformats.org/markup-compatibility/2006" xmlns:mv="urn:schemas-microsoft-com:mac:vml" xmlns:p="http://schemas.openxmlformats.org/presentationml/2006/main" mc:Ignorable="mv" mc:PreserveAttributes="mv:*">
+  <p:cSld>
+    <p:spTree>
+      <p:nvGrpSpPr>
+        <p:cNvPr id="1" name=""/>
+        <p:cNvGrpSpPr/>
+        <p:nvPr/>
+      </p:nvGrpSpPr>
+      <p:grpSpPr>
+        <a:xfrm>
+          <a:off x="0" y="0"/>
+          <a:ext cx="0" cy="0"/>
+          <a:chOff x="0" y="0"/>
+          <a:chExt cx="0" cy="0"/>
+        </a:xfrm>
+      </p:grpSpPr>
+      <p:sp>
+        <p:nvSpPr>
+          <p:cNvPr id="2" name="Title 1"/>
+          <p:cNvSpPr>
+            <a:spLocks noGrp="1"/>
+          </p:cNvSpPr>
+          <p:nvPr>
+            <p:ph type="title"/>
+          </p:nvPr>
+        </p:nvSpPr>
+        <p:spPr/>
+        <p:txBody>
+          <a:bodyPr/>
+          <a:lstStyle/>
+          <a:p>
+            <a:r>
+              <a:rPr lang="en-US" dirty="0" err="1" smtClean="0"/>
+              <a:t>Pr</a:t>
+            </a:r>
+            <a:r>
+              <a:rPr lang="en-US" dirty="0" err="1" smtClean="0"/>
+              <a:t>óximos</a:t>
+            </a:r>
+            <a:r>
+              <a:rPr lang="en-US" dirty="0" smtClean="0"/>
+              <a:t> </a:t>
+            </a:r>
+            <a:r>
+              <a:rPr lang="en-US" dirty="0" err="1" smtClean="0"/>
+              <a:t>pasos</a:t>
+            </a:r>
+            <a:endParaRPr lang="en-US" dirty="0"/>
+          </a:p>
+        </p:txBody>
+      </p:sp>
+      <p:sp>
+        <p:nvSpPr>
+          <p:cNvPr id="3" name="Text Placeholder 2"/>
+          <p:cNvSpPr>
+            <a:spLocks noGrp="1"/>
+          </p:cNvSpPr>
+          <p:nvPr>
+            <p:ph type="body" idx="1"/>
+          </p:nvPr>
+        </p:nvSpPr>
+        <p:spPr/>
+        <p:txBody>
+          <a:bodyPr/>
+          <a:lstStyle/>
+          <a:p>
+            <a:r>
+              <a:rPr lang="en-US" dirty="0" err="1" smtClean="0"/>
+              <a:t>Agregar</a:t>
+            </a:r>
+            <a:r>
+              <a:rPr lang="en-US" dirty="0" smtClean="0"/>
+              <a:t> </a:t>
+            </a:r>
+            <a:r>
+              <a:rPr lang="en-US" dirty="0" err="1" smtClean="0"/>
+              <a:t>estrategias</a:t>
+            </a:r>
+            <a:r>
+              <a:rPr lang="en-US" dirty="0" smtClean="0"/>
+              <a:t> de </a:t>
+            </a:r>
+            <a:r>
+              <a:rPr lang="en-US" dirty="0" err="1" smtClean="0"/>
+              <a:t>decisi</a:t>
+            </a:r>
+            <a:r>
+              <a:rPr lang="en-US" dirty="0" err="1" smtClean="0"/>
+              <a:t>ón</a:t>
+            </a:r>
+            <a:r>
+              <a:rPr lang="en-US" dirty="0" smtClean="0"/>
+              <a:t>.</a:t>
+            </a:r>
+          </a:p>
+          <a:p>
+            <a:endParaRPr lang="en-US" dirty="0" smtClean="0"/>
+          </a:p>
+          <a:p>
+            <a:r>
+              <a:rPr lang="en-US" dirty="0" smtClean="0"/>
+              <a:t>Extender los </a:t>
+            </a:r>
+            <a:r>
+              <a:rPr lang="en-US" dirty="0" err="1" smtClean="0"/>
+              <a:t>rangos</a:t>
+            </a:r>
+            <a:r>
+              <a:rPr lang="en-US" dirty="0" smtClean="0"/>
+              <a:t> de </a:t>
+            </a:r>
+            <a:r>
+              <a:rPr lang="en-US" dirty="0" err="1" smtClean="0"/>
+              <a:t>valores</a:t>
+            </a:r>
+            <a:r>
+              <a:rPr lang="en-US" dirty="0" smtClean="0"/>
+              <a:t> de </a:t>
+            </a:r>
+            <a:r>
+              <a:rPr lang="en-US" dirty="0" err="1" smtClean="0"/>
+              <a:t>desarrolladores</a:t>
+            </a:r>
+            <a:r>
+              <a:rPr lang="en-US" dirty="0" smtClean="0"/>
+              <a:t> </a:t>
+            </a:r>
+            <a:r>
+              <a:rPr lang="en-US" dirty="0" err="1" smtClean="0"/>
+              <a:t>reservados</a:t>
+            </a:r>
+            <a:r>
+              <a:rPr lang="en-US" dirty="0" smtClean="0"/>
+              <a:t>.</a:t>
+            </a:r>
+          </a:p>
+          <a:p>
+            <a:endParaRPr lang="en-US" dirty="0" smtClean="0"/>
+          </a:p>
+          <a:p>
+            <a:r>
+              <a:rPr lang="en-US" dirty="0" err="1" smtClean="0"/>
+              <a:t>Inclusión</a:t>
+            </a:r>
+            <a:r>
+              <a:rPr lang="en-US" dirty="0" smtClean="0"/>
+              <a:t> de </a:t>
+            </a:r>
+            <a:r>
+              <a:rPr lang="en-US" dirty="0" err="1" smtClean="0"/>
+              <a:t>una</a:t>
+            </a:r>
+            <a:r>
+              <a:rPr lang="en-US" dirty="0" smtClean="0"/>
+              <a:t> “</a:t>
+            </a:r>
+            <a:r>
+              <a:rPr lang="en-US" dirty="0" err="1" smtClean="0"/>
+              <a:t>época</a:t>
+            </a:r>
+            <a:r>
+              <a:rPr lang="en-US" dirty="0" smtClean="0"/>
+              <a:t> de crisis”.</a:t>
+            </a:r>
+            <a:endParaRPr lang="en-US" dirty="0"/>
+          </a:p>
+        </p:txBody>
+      </p:sp>
+    </p:spTree>
+  </p:cSld>
+  <p:clrMapOvr>
+    <a:masterClrMapping/>
+  </p:clrMapOvr>
+</p:sld>
+</file>
+
+<file path=ppt/slides/slide34.xml><?xml version="1.0" encoding="utf-8"?>
+<p:sld xmlns:a="http://schemas.openxmlformats.org/drawingml/2006/main" xmlns:r="http://schemas.openxmlformats.org/officeDocument/2006/relationships" xmlns:mc="http://schemas.openxmlformats.org/markup-compatibility/2006" xmlns:mv="urn:schemas-microsoft-com:mac:vml" xmlns:p="http://schemas.openxmlformats.org/presentationml/2006/main" mc:Ignorable="mv" mc:PreserveAttributes="mv:*">
+  <p:cSld>
+    <p:spTree>
+      <p:nvGrpSpPr>
+        <p:cNvPr id="1" name="Shape 124"/>
+        <p:cNvGrpSpPr/>
+        <p:nvPr/>
+      </p:nvGrpSpPr>
+      <p:grpSpPr>
+        <a:xfrm>
+          <a:off x="0" y="0"/>
+          <a:ext cx="0" cy="0"/>
+          <a:chOff x="0" y="0"/>
+          <a:chExt cx="0" cy="0"/>
+        </a:xfrm>
+      </p:grpSpPr>
+      <p:sp>
+        <p:nvSpPr>
+          <p:cNvPr id="125" name="Shape 125"/>
+          <p:cNvSpPr txBox="1">
+            <a:spLocks noGrp="1"/>
+          </p:cNvSpPr>
+          <p:nvPr>
+            <p:ph type="title"/>
+          </p:nvPr>
+        </p:nvSpPr>
+        <p:spPr>
+          <a:xfrm>
+            <a:off x="457200" y="274637"/>
+            <a:ext cx="8229600" cy="1143000"/>
+          </a:xfrm>
+          <a:prstGeom prst="rect">
+            <a:avLst/>
+          </a:prstGeom>
+        </p:spPr>
+        <p:txBody>
+          <a:bodyPr lIns="91425" tIns="91425" rIns="91425" bIns="91425" anchor="b" anchorCtr="0">
+            <a:noAutofit/>
+          </a:bodyPr>
+          <a:lstStyle/>
+          <a:p>
+            <a:pPr>
+              <a:buNone/>
+            </a:pPr>
+            <a:r>
+              <a:rPr lang="en"/>
+              <a:t>Demo</a:t>
+            </a:r>
+          </a:p>
+        </p:txBody>
+      </p:sp>
+      <p:sp>
+        <p:nvSpPr>
+          <p:cNvPr id="126" name="Shape 126"/>
+          <p:cNvSpPr txBox="1">
+            <a:spLocks noGrp="1"/>
+          </p:cNvSpPr>
+          <p:nvPr>
+            <p:ph type="body" idx="1"/>
+          </p:nvPr>
+        </p:nvSpPr>
+        <p:spPr>
+          <a:xfrm>
+            <a:off x="457200" y="1600200"/>
+            <a:ext cx="8229600" cy="4967700"/>
+          </a:xfrm>
+          <a:prstGeom prst="rect">
+            <a:avLst/>
+          </a:prstGeom>
+        </p:spPr>
+        <p:txBody>
+          <a:bodyPr lIns="91425" tIns="91425" rIns="91425" bIns="91425" anchor="t" anchorCtr="0">
+            <a:noAutofit/>
+          </a:bodyPr>
+          <a:lstStyle/>
+          <a:p>
+            <a:pPr>
+              <a:buNone/>
+            </a:pPr>
+            <a:r>
+              <a:rPr lang="en"/>
+              <a:t> </a:t>
+            </a:r>
+          </a:p>
+        </p:txBody>
+      </p:sp>
+      <p:sp>
+        <p:nvSpPr>
+          <p:cNvPr id="127" name="Shape 127"/>
+          <p:cNvSpPr/>
+          <p:nvPr/>
+        </p:nvSpPr>
+        <p:spPr>
+          <a:xfrm>
+            <a:off x="960050" y="1853501"/>
+            <a:ext cx="2936149" cy="2041275"/>
+          </a:xfrm>
+          <a:prstGeom prst="rect">
+            <a:avLst/>
+          </a:prstGeom>
+          <a:blipFill>
+            <a:blip r:embed="rId3"/>
+            <a:stretch>
+              <a:fillRect/>
+            </a:stretch>
+          </a:blipFill>
+        </p:spPr>
+      </p:sp>
+      <p:sp>
+        <p:nvSpPr>
+          <p:cNvPr id="128" name="Shape 128"/>
+          <p:cNvSpPr/>
+          <p:nvPr/>
+        </p:nvSpPr>
+        <p:spPr>
+          <a:xfrm>
+            <a:off x="820700" y="4070500"/>
+            <a:ext cx="2840925" cy="2132199"/>
+          </a:xfrm>
+          <a:prstGeom prst="rect">
+            <a:avLst/>
+          </a:prstGeom>
+          <a:blipFill>
+            <a:blip r:embed="rId4"/>
+            <a:stretch>
+              <a:fillRect/>
+            </a:stretch>
+          </a:blipFill>
+        </p:spPr>
+      </p:sp>
+      <p:sp>
+        <p:nvSpPr>
+          <p:cNvPr id="129" name="Shape 129"/>
+          <p:cNvSpPr/>
+          <p:nvPr/>
+        </p:nvSpPr>
+        <p:spPr>
+          <a:xfrm>
+            <a:off x="4498725" y="1595237"/>
+            <a:ext cx="2360549" cy="2132200"/>
+          </a:xfrm>
+          <a:prstGeom prst="rect">
+            <a:avLst/>
+          </a:prstGeom>
+          <a:blipFill>
+            <a:blip r:embed="rId5"/>
+            <a:stretch>
+              <a:fillRect/>
+            </a:stretch>
+          </a:blipFill>
+        </p:spPr>
+      </p:sp>
+      <p:sp>
+        <p:nvSpPr>
+          <p:cNvPr id="130" name="Shape 130"/>
+          <p:cNvSpPr/>
+          <p:nvPr/>
+        </p:nvSpPr>
+        <p:spPr>
+          <a:xfrm>
+            <a:off x="4498725" y="3905025"/>
+            <a:ext cx="3194025" cy="2544899"/>
+          </a:xfrm>
+          <a:prstGeom prst="rect">
+            <a:avLst/>
+          </a:prstGeom>
+          <a:blipFill>
+            <a:blip r:embed="rId6"/>
+            <a:stretch>
+              <a:fillRect/>
+            </a:stretch>
+          </a:blipFill>
+        </p:spPr>
+      </p:sp>
+    </p:spTree>
+  </p:cSld>
+  <p:clrMapOvr>
+    <a:masterClrMapping/>
+  </p:clrMapOvr>
+  <p:transition spd="slow">
+    <p:cut/>
+  </p:transition>
+  <p:timing>
+    <p:tnLst>
+      <p:par>
+        <p:cTn id="1" dur="indefinite" restart="never" nodeType="tmRoot"/>
+      </p:par>
+    </p:tnLst>
+  </p:timing>
+</p:sld>
+</file>
+
+<file path=ppt/slides/slide35.xml><?xml version="1.0" encoding="utf-8"?>
+<p:sld xmlns:a="http://schemas.openxmlformats.org/drawingml/2006/main" xmlns:r="http://schemas.openxmlformats.org/officeDocument/2006/relationships" xmlns:mc="http://schemas.openxmlformats.org/markup-compatibility/2006" xmlns:mv="urn:schemas-microsoft-com:mac:vml" xmlns:p="http://schemas.openxmlformats.org/presentationml/2006/main" mc:Ignorable="mv" mc:PreserveAttributes="mv:*">
+  <p:cSld>
+    <p:spTree>
+      <p:nvGrpSpPr>
+        <p:cNvPr id="1" name="Shape 134"/>
+        <p:cNvGrpSpPr/>
+        <p:nvPr/>
+      </p:nvGrpSpPr>
+      <p:grpSpPr>
+        <a:xfrm>
+          <a:off x="0" y="0"/>
+          <a:ext cx="0" cy="0"/>
+          <a:chOff x="0" y="0"/>
+          <a:chExt cx="0" cy="0"/>
+        </a:xfrm>
+      </p:grpSpPr>
+      <p:sp>
+        <p:nvSpPr>
+          <p:cNvPr id="135" name="Shape 135"/>
+          <p:cNvSpPr/>
+          <p:nvPr/>
+        </p:nvSpPr>
+        <p:spPr>
+          <a:xfrm>
+            <a:off x="1260359" y="445000"/>
+            <a:ext cx="6623275" cy="5968000"/>
+          </a:xfrm>
+          <a:prstGeom prst="rect">
+            <a:avLst/>
+          </a:prstGeom>
+          <a:blipFill>
+            <a:blip r:embed="rId3"/>
+            <a:stretch>
+              <a:fillRect/>
+            </a:stretch>
+          </a:blipFill>
+        </p:spPr>
+      </p:sp>
+      <p:sp>
+        <p:nvSpPr>
+          <p:cNvPr id="136" name="Shape 136"/>
+          <p:cNvSpPr txBox="1">
+            <a:spLocks noGrp="1"/>
+          </p:cNvSpPr>
+          <p:nvPr>
+            <p:ph type="title"/>
+          </p:nvPr>
+        </p:nvSpPr>
+        <p:spPr>
+          <a:xfrm>
+            <a:off x="457200" y="274637"/>
+            <a:ext cx="8229600" cy="1143000"/>
+          </a:xfrm>
+          <a:prstGeom prst="rect">
+            <a:avLst/>
+          </a:prstGeom>
+        </p:spPr>
+        <p:txBody>
+          <a:bodyPr lIns="91425" tIns="91425" rIns="91425" bIns="91425" anchor="b" anchorCtr="0">
+            <a:noAutofit/>
+          </a:bodyPr>
+          <a:lstStyle/>
+          <a:p>
+            <a:pPr>
+              <a:buNone/>
+            </a:pPr>
+            <a:r>
+              <a:rPr lang="en"/>
+              <a:t> </a:t>
+            </a:r>
+          </a:p>
+        </p:txBody>
+      </p:sp>
+      <p:sp>
+        <p:nvSpPr>
+          <p:cNvPr id="137" name="Shape 137"/>
+          <p:cNvSpPr txBox="1">
+            <a:spLocks noGrp="1"/>
+          </p:cNvSpPr>
+          <p:nvPr>
+            <p:ph type="body" idx="1"/>
+          </p:nvPr>
+        </p:nvSpPr>
+        <p:spPr>
+          <a:xfrm>
+            <a:off x="457200" y="1600200"/>
+            <a:ext cx="8229600" cy="4967700"/>
+          </a:xfrm>
+          <a:prstGeom prst="rect">
+            <a:avLst/>
+          </a:prstGeom>
+        </p:spPr>
+        <p:txBody>
+          <a:bodyPr lIns="91425" tIns="91425" rIns="91425" bIns="91425" anchor="t" anchorCtr="0">
+            <a:noAutofit/>
+          </a:bodyPr>
+          <a:lstStyle/>
+          <a:p>
+            <a:pPr marL="2743200" indent="457200">
+              <a:buNone/>
+            </a:pPr>
+            <a:r>
+              <a:rPr lang="en" sz="9600"/>
+              <a:t>
+ ?</a:t>
+            </a:r>
+          </a:p>
+        </p:txBody>
+      </p:sp>
+    </p:spTree>
+  </p:cSld>
+  <p:clrMapOvr>
+    <a:masterClrMapping/>
+  </p:clrMapOvr>
+  <p:transition spd="slow">
+    <p:cut/>
+  </p:transition>
+  <p:timing>
+    <p:tnLst>
+      <p:par>
+        <p:cTn id="1" dur="indefinite" restart="never" nodeType="tmRoot"/>
       </p:par>
     </p:tnLst>
   </p:timing>
@@ -6705,7 +8990,7 @@
 </file>
 
 <file path=ppt/slides/slide4.xml><?xml version="1.0" encoding="utf-8"?>
-<p:sld xmlns:a="http://schemas.openxmlformats.org/drawingml/2006/main" xmlns:r="http://schemas.openxmlformats.org/officeDocument/2006/relationships" xmlns:p="http://schemas.openxmlformats.org/presentationml/2006/main">
+<p:sld xmlns:a="http://schemas.openxmlformats.org/drawingml/2006/main" xmlns:r="http://schemas.openxmlformats.org/officeDocument/2006/relationships" xmlns:mc="http://schemas.openxmlformats.org/markup-compatibility/2006" xmlns:mv="urn:schemas-microsoft-com:mac:vml" xmlns:p="http://schemas.openxmlformats.org/presentationml/2006/main" mc:Ignorable="mv" mc:PreserveAttributes="mv:*">
   <p:cSld>
     <p:spTree>
       <p:nvGrpSpPr>
@@ -6841,13 +9126,13 @@
   <p:clrMapOvr>
     <a:masterClrMapping/>
   </p:clrMapOvr>
-  <p:transition xmlns:p14="http://schemas.microsoft.com/office/powerpoint/2010/main" spd="slow">
+  <p:transition spd="slow">
     <p:cut/>
   </p:transition>
   <p:timing>
     <p:tnLst>
       <p:par>
-        <p:cTn xmlns:p14="http://schemas.microsoft.com/office/powerpoint/2010/main" id="1" dur="indefinite" restart="never" nodeType="tmRoot"/>
+        <p:cTn id="1" dur="indefinite" restart="never" nodeType="tmRoot"/>
       </p:par>
     </p:tnLst>
   </p:timing>
@@ -6855,7 +9140,7 @@
 </file>
 
 <file path=ppt/slides/slide5.xml><?xml version="1.0" encoding="utf-8"?>
-<p:sld xmlns:a="http://schemas.openxmlformats.org/drawingml/2006/main" xmlns:r="http://schemas.openxmlformats.org/officeDocument/2006/relationships" xmlns:p="http://schemas.openxmlformats.org/presentationml/2006/main">
+<p:sld xmlns:a="http://schemas.openxmlformats.org/drawingml/2006/main" xmlns:r="http://schemas.openxmlformats.org/officeDocument/2006/relationships" xmlns:mc="http://schemas.openxmlformats.org/markup-compatibility/2006" xmlns:mv="urn:schemas-microsoft-com:mac:vml" xmlns:p="http://schemas.openxmlformats.org/presentationml/2006/main" mc:Ignorable="mv" mc:PreserveAttributes="mv:*">
   <p:cSld>
     <p:spTree>
       <p:nvGrpSpPr>
@@ -7016,13 +9301,13 @@
   <p:clrMapOvr>
     <a:masterClrMapping/>
   </p:clrMapOvr>
-  <p:transition xmlns:p14="http://schemas.microsoft.com/office/powerpoint/2010/main" spd="slow">
+  <p:transition spd="slow">
     <p:cut/>
   </p:transition>
   <p:timing>
     <p:tnLst>
       <p:par>
-        <p:cTn xmlns:p14="http://schemas.microsoft.com/office/powerpoint/2010/main" id="1" dur="indefinite" restart="never" nodeType="tmRoot"/>
+        <p:cTn id="1" dur="indefinite" restart="never" nodeType="tmRoot"/>
       </p:par>
     </p:tnLst>
   </p:timing>
@@ -7030,7 +9315,7 @@
 </file>
 
 <file path=ppt/slides/slide6.xml><?xml version="1.0" encoding="utf-8"?>
-<p:sld xmlns:a="http://schemas.openxmlformats.org/drawingml/2006/main" xmlns:r="http://schemas.openxmlformats.org/officeDocument/2006/relationships" xmlns:p="http://schemas.openxmlformats.org/presentationml/2006/main">
+<p:sld xmlns:a="http://schemas.openxmlformats.org/drawingml/2006/main" xmlns:r="http://schemas.openxmlformats.org/officeDocument/2006/relationships" xmlns:mc="http://schemas.openxmlformats.org/markup-compatibility/2006" xmlns:mv="urn:schemas-microsoft-com:mac:vml" xmlns:p="http://schemas.openxmlformats.org/presentationml/2006/main" mc:Ignorable="mv" mc:PreserveAttributes="mv:*">
   <p:cSld>
     <p:spTree>
       <p:nvGrpSpPr>
@@ -7147,13 +9432,13 @@
   <p:clrMapOvr>
     <a:masterClrMapping/>
   </p:clrMapOvr>
-  <p:transition xmlns:p14="http://schemas.microsoft.com/office/powerpoint/2010/main" spd="slow">
+  <p:transition spd="slow">
     <p:cut/>
   </p:transition>
   <p:timing>
     <p:tnLst>
       <p:par>
-        <p:cTn xmlns:p14="http://schemas.microsoft.com/office/powerpoint/2010/main" id="1" dur="indefinite" restart="never" nodeType="tmRoot"/>
+        <p:cTn id="1" dur="indefinite" restart="never" nodeType="tmRoot"/>
       </p:par>
     </p:tnLst>
   </p:timing>
@@ -7161,7 +9446,7 @@
 </file>
 
 <file path=ppt/slides/slide7.xml><?xml version="1.0" encoding="utf-8"?>
-<p:sld xmlns:a="http://schemas.openxmlformats.org/drawingml/2006/main" xmlns:r="http://schemas.openxmlformats.org/officeDocument/2006/relationships" xmlns:p="http://schemas.openxmlformats.org/presentationml/2006/main">
+<p:sld xmlns:a="http://schemas.openxmlformats.org/drawingml/2006/main" xmlns:r="http://schemas.openxmlformats.org/officeDocument/2006/relationships" xmlns:mc="http://schemas.openxmlformats.org/markup-compatibility/2006" xmlns:mv="urn:schemas-microsoft-com:mac:vml" xmlns:p="http://schemas.openxmlformats.org/presentationml/2006/main" mc:Ignorable="mv" mc:PreserveAttributes="mv:*">
   <p:cSld>
     <p:spTree>
       <p:nvGrpSpPr>
@@ -7364,7 +9649,7 @@
           <a:blip r:embed="rId3">
             <a:extLst>
               <a:ext uri="{28A0092B-C50C-407E-A947-70E740481C1C}">
-                <a14:useLocalDpi xmlns:a14="http://schemas.microsoft.com/office/drawing/2010/main" val="0"/>
+                <a14:useLocalDpi xmlns:a14="http://schemas.microsoft.com/office/drawing/2010/main" xmlns:p="http://schemas.openxmlformats.org/presentationml/2006/main" xmlns:r="http://schemas.openxmlformats.org/officeDocument/2006/relationships" xmlns:a="http://schemas.openxmlformats.org/drawingml/2006/main" xmlns="" val="0"/>
               </a:ext>
             </a:extLst>
           </a:blip>
@@ -7387,13 +9672,13 @@
   <p:clrMapOvr>
     <a:masterClrMapping/>
   </p:clrMapOvr>
-  <p:transition xmlns:p14="http://schemas.microsoft.com/office/powerpoint/2010/main" spd="slow">
+  <p:transition spd="slow">
     <p:cut/>
   </p:transition>
   <p:timing>
     <p:tnLst>
       <p:par>
-        <p:cTn xmlns:p14="http://schemas.microsoft.com/office/powerpoint/2010/main" id="1" dur="indefinite" restart="never" nodeType="tmRoot"/>
+        <p:cTn id="1" dur="indefinite" restart="never" nodeType="tmRoot"/>
       </p:par>
     </p:tnLst>
   </p:timing>
@@ -7401,7 +9686,7 @@
 </file>
 
 <file path=ppt/slides/slide8.xml><?xml version="1.0" encoding="utf-8"?>
-<p:sld xmlns:a="http://schemas.openxmlformats.org/drawingml/2006/main" xmlns:r="http://schemas.openxmlformats.org/officeDocument/2006/relationships" xmlns:p="http://schemas.openxmlformats.org/presentationml/2006/main">
+<p:sld xmlns:a="http://schemas.openxmlformats.org/drawingml/2006/main" xmlns:r="http://schemas.openxmlformats.org/officeDocument/2006/relationships" xmlns:mc="http://schemas.openxmlformats.org/markup-compatibility/2006" xmlns:mv="urn:schemas-microsoft-com:mac:vml" xmlns:p="http://schemas.openxmlformats.org/presentationml/2006/main" mc:Ignorable="mv" mc:PreserveAttributes="mv:*">
   <p:cSld>
     <p:spTree>
       <p:nvGrpSpPr>
@@ -7548,13 +9833,13 @@
   <p:clrMapOvr>
     <a:masterClrMapping/>
   </p:clrMapOvr>
-  <p:transition xmlns:p14="http://schemas.microsoft.com/office/powerpoint/2010/main" spd="slow">
+  <p:transition spd="slow">
     <p:cut/>
   </p:transition>
   <p:timing>
     <p:tnLst>
       <p:par>
-        <p:cTn xmlns:p14="http://schemas.microsoft.com/office/powerpoint/2010/main" id="1" dur="indefinite" restart="never" nodeType="tmRoot"/>
+        <p:cTn id="1" dur="indefinite" restart="never" nodeType="tmRoot"/>
       </p:par>
     </p:tnLst>
   </p:timing>
@@ -7562,11 +9847,11 @@
 </file>
 
 <file path=ppt/slides/slide9.xml><?xml version="1.0" encoding="utf-8"?>
-<p:sld xmlns:a="http://schemas.openxmlformats.org/drawingml/2006/main" xmlns:r="http://schemas.openxmlformats.org/officeDocument/2006/relationships" xmlns:p="http://schemas.openxmlformats.org/presentationml/2006/main">
+<p:sld xmlns:a="http://schemas.openxmlformats.org/drawingml/2006/main" xmlns:r="http://schemas.openxmlformats.org/officeDocument/2006/relationships" xmlns:mc="http://schemas.openxmlformats.org/markup-compatibility/2006" xmlns:mv="urn:schemas-microsoft-com:mac:vml" xmlns:p="http://schemas.openxmlformats.org/presentationml/2006/main" mc:Ignorable="mv" mc:PreserveAttributes="mv:*">
   <p:cSld>
     <p:spTree>
       <p:nvGrpSpPr>
-        <p:cNvPr id="1" name="Shape 80"/>
+        <p:cNvPr id="1" name=""/>
         <p:cNvGrpSpPr/>
         <p:nvPr/>
       </p:nvGrpSpPr>
@@ -7580,111 +9865,60 @@
       </p:grpSpPr>
       <p:sp>
         <p:nvSpPr>
-          <p:cNvPr id="81" name="Shape 81"/>
-          <p:cNvSpPr txBox="1">
+          <p:cNvPr id="2" name="Title 1"/>
+          <p:cNvSpPr>
             <a:spLocks noGrp="1"/>
           </p:cNvSpPr>
           <p:nvPr>
             <p:ph type="title"/>
           </p:nvPr>
         </p:nvSpPr>
-        <p:spPr>
-          <a:xfrm>
-            <a:off x="457200" y="-326612"/>
-            <a:ext cx="8229600" cy="1143000"/>
+        <p:spPr/>
+        <p:txBody>
+          <a:bodyPr/>
+          <a:lstStyle/>
+          <a:p>
+            <a:r>
+              <a:rPr lang="en-US" dirty="0" smtClean="0"/>
+              <a:t>Plan de </a:t>
+            </a:r>
+            <a:r>
+              <a:rPr lang="en-US" dirty="0" err="1" smtClean="0"/>
+              <a:t>cuadros</a:t>
+            </a:r>
+            <a:endParaRPr lang="en-US" dirty="0"/>
+          </a:p>
+        </p:txBody>
+      </p:sp>
+      <p:pic>
+        <p:nvPicPr>
+          <p:cNvPr id="4" name="Picture 3" descr="Screen shot 2013-06-27 at 11.10.21 AM.png"/>
+          <p:cNvPicPr>
+            <a:picLocks noChangeAspect="1"/>
+          </p:cNvPicPr>
+          <p:nvPr/>
+        </p:nvPicPr>
+        <p:blipFill>
+          <a:blip r:embed="rId2"/>
+          <a:stretch>
+            <a:fillRect/>
+          </a:stretch>
+        </p:blipFill>
+        <p:spPr>
+          <a:xfrm>
+            <a:off x="76716" y="2405873"/>
+            <a:ext cx="8992701" cy="2532089"/>
           </a:xfrm>
           <a:prstGeom prst="rect">
             <a:avLst/>
           </a:prstGeom>
         </p:spPr>
-        <p:txBody>
-          <a:bodyPr lIns="91425" tIns="91425" rIns="91425" bIns="91425" anchor="b" anchorCtr="0">
-            <a:noAutofit/>
-          </a:bodyPr>
-          <a:lstStyle/>
-          <a:p>
-            <a:pPr>
-              <a:buNone/>
-            </a:pPr>
-            <a:r>
-              <a:rPr lang="en"/>
-              <a:t>Diagrama de Bloques</a:t>
-            </a:r>
-          </a:p>
-        </p:txBody>
-      </p:sp>
-      <p:sp>
-        <p:nvSpPr>
-          <p:cNvPr id="82" name="Shape 82"/>
-          <p:cNvSpPr txBox="1">
-            <a:spLocks noGrp="1"/>
-          </p:cNvSpPr>
-          <p:nvPr>
-            <p:ph type="body" idx="1"/>
-          </p:nvPr>
-        </p:nvSpPr>
-        <p:spPr>
-          <a:xfrm>
-            <a:off x="457200" y="1600200"/>
-            <a:ext cx="8229600" cy="4967700"/>
-          </a:xfrm>
-          <a:prstGeom prst="rect">
-            <a:avLst/>
-          </a:prstGeom>
-        </p:spPr>
-        <p:txBody>
-          <a:bodyPr lIns="91425" tIns="91425" rIns="91425" bIns="91425" anchor="t" anchorCtr="0">
-            <a:noAutofit/>
-          </a:bodyPr>
-          <a:lstStyle/>
-          <a:p>
-            <a:pPr>
-              <a:buNone/>
-            </a:pPr>
-            <a:r>
-              <a:rPr lang="en"/>
-              <a:t> </a:t>
-            </a:r>
-          </a:p>
-        </p:txBody>
-      </p:sp>
-      <p:sp>
-        <p:nvSpPr>
-          <p:cNvPr id="83" name="Shape 83"/>
-          <p:cNvSpPr/>
-          <p:nvPr/>
-        </p:nvSpPr>
-        <p:spPr>
-          <a:xfrm>
-            <a:off x="1232775" y="816400"/>
-            <a:ext cx="6671475" cy="6041598"/>
-          </a:xfrm>
-          <a:prstGeom prst="rect">
-            <a:avLst/>
-          </a:prstGeom>
-          <a:blipFill>
-            <a:blip r:embed="rId3"/>
-            <a:stretch>
-              <a:fillRect/>
-            </a:stretch>
-          </a:blipFill>
-        </p:spPr>
-      </p:sp>
+      </p:pic>
     </p:spTree>
   </p:cSld>
   <p:clrMapOvr>
     <a:masterClrMapping/>
   </p:clrMapOvr>
-  <p:transition xmlns:p14="http://schemas.microsoft.com/office/powerpoint/2010/main" spd="slow">
-    <p:cut/>
-  </p:transition>
-  <p:timing>
-    <p:tnLst>
-      <p:par>
-        <p:cTn xmlns:p14="http://schemas.microsoft.com/office/powerpoint/2010/main" id="1" dur="indefinite" restart="never" nodeType="tmRoot"/>
-      </p:par>
-    </p:tnLst>
-  </p:timing>
 </p:sld>
 </file>
 

--- a/presentacion.pptx
+++ b/presentacion.pptx
@@ -1,6 +1,6 @@
 
 <file path=ppt/presentation.xml><?xml version="1.0" encoding="utf-8"?>
-<p:presentation xmlns:a="http://schemas.openxmlformats.org/drawingml/2006/main" xmlns:r="http://schemas.openxmlformats.org/officeDocument/2006/relationships" xmlns:mc="http://schemas.openxmlformats.org/markup-compatibility/2006" xmlns:mv="urn:schemas-microsoft-com:mac:vml" xmlns:p="http://schemas.openxmlformats.org/presentationml/2006/main" mc:Ignorable="mv" mc:PreserveAttributes="mv:*" saveSubsetFonts="1" autoCompressPictures="0">
+<p:presentation xmlns:a="http://schemas.openxmlformats.org/drawingml/2006/main" xmlns:r="http://schemas.openxmlformats.org/officeDocument/2006/relationships" xmlns:p="http://schemas.openxmlformats.org/presentationml/2006/main" saveSubsetFonts="1" autoCompressPictures="0">
   <p:sldMasterIdLst>
     <p:sldMasterId id="2147483654" r:id="rId1"/>
   </p:sldMasterIdLst>
@@ -252,7 +252,7 @@
 </file>
 
 <file path=ppt/notesMasters/notesMaster1.xml><?xml version="1.0" encoding="utf-8"?>
-<p:notesMaster xmlns:a="http://schemas.openxmlformats.org/drawingml/2006/main" xmlns:r="http://schemas.openxmlformats.org/officeDocument/2006/relationships" xmlns:mc="http://schemas.openxmlformats.org/markup-compatibility/2006" xmlns:mv="urn:schemas-microsoft-com:mac:vml" xmlns:p="http://schemas.openxmlformats.org/presentationml/2006/main" mc:Ignorable="mv" mc:PreserveAttributes="mv:*">
+<p:notesMaster xmlns:a="http://schemas.openxmlformats.org/drawingml/2006/main" xmlns:r="http://schemas.openxmlformats.org/officeDocument/2006/relationships" xmlns:p="http://schemas.openxmlformats.org/presentationml/2006/main">
   <p:cSld>
     <p:bg>
       <p:bgRef idx="1001">
@@ -372,7 +372,7 @@
     </p:spTree>
     <p:extLst>
       <p:ext uri="{BB962C8B-B14F-4D97-AF65-F5344CB8AC3E}">
-        <p14:creationId xmlns:p14="http://schemas.microsoft.com/office/powerpoint/2010/main" xmlns:p="http://schemas.openxmlformats.org/presentationml/2006/main" xmlns:r="http://schemas.openxmlformats.org/officeDocument/2006/relationships" xmlns:a="http://schemas.openxmlformats.org/drawingml/2006/main" xmlns="" val="2584821894"/>
+        <p14:creationId xmlns:p14="http://schemas.microsoft.com/office/powerpoint/2010/main" val="2584821894"/>
       </p:ext>
     </p:extLst>
   </p:cSld>
@@ -473,7 +473,7 @@
 </file>
 
 <file path=ppt/notesSlides/notesSlide1.xml><?xml version="1.0" encoding="utf-8"?>
-<p:notes xmlns:a="http://schemas.openxmlformats.org/drawingml/2006/main" xmlns:r="http://schemas.openxmlformats.org/officeDocument/2006/relationships" xmlns:mc="http://schemas.openxmlformats.org/markup-compatibility/2006" xmlns:mv="urn:schemas-microsoft-com:mac:vml" xmlns:p="http://schemas.openxmlformats.org/presentationml/2006/main" mc:Ignorable="mv" mc:PreserveAttributes="mv:*" showMasterSp="0" showMasterPhAnim="0">
+<p:notes xmlns:a="http://schemas.openxmlformats.org/drawingml/2006/main" xmlns:r="http://schemas.openxmlformats.org/officeDocument/2006/relationships" xmlns:p="http://schemas.openxmlformats.org/presentationml/2006/main" showMasterSp="0" showMasterPhAnim="0">
   <p:cSld>
     <p:spTree>
       <p:nvGrpSpPr>
@@ -568,7 +568,7 @@
 </file>
 
 <file path=ppt/notesSlides/notesSlide10.xml><?xml version="1.0" encoding="utf-8"?>
-<p:notes xmlns:a="http://schemas.openxmlformats.org/drawingml/2006/main" xmlns:r="http://schemas.openxmlformats.org/officeDocument/2006/relationships" xmlns:mc="http://schemas.openxmlformats.org/markup-compatibility/2006" xmlns:mv="urn:schemas-microsoft-com:mac:vml" xmlns:p="http://schemas.openxmlformats.org/presentationml/2006/main" mc:Ignorable="mv" mc:PreserveAttributes="mv:*" showMasterSp="0" showMasterPhAnim="0">
+<p:notes xmlns:a="http://schemas.openxmlformats.org/drawingml/2006/main" xmlns:r="http://schemas.openxmlformats.org/officeDocument/2006/relationships" xmlns:p="http://schemas.openxmlformats.org/presentationml/2006/main" showMasterSp="0" showMasterPhAnim="0">
   <p:cSld>
     <p:spTree>
       <p:nvGrpSpPr>
@@ -663,7 +663,7 @@
 </file>
 
 <file path=ppt/notesSlides/notesSlide11.xml><?xml version="1.0" encoding="utf-8"?>
-<p:notes xmlns:a="http://schemas.openxmlformats.org/drawingml/2006/main" xmlns:r="http://schemas.openxmlformats.org/officeDocument/2006/relationships" xmlns:mc="http://schemas.openxmlformats.org/markup-compatibility/2006" xmlns:mv="urn:schemas-microsoft-com:mac:vml" xmlns:p="http://schemas.openxmlformats.org/presentationml/2006/main" mc:Ignorable="mv" mc:PreserveAttributes="mv:*" showMasterSp="0" showMasterPhAnim="0">
+<p:notes xmlns:a="http://schemas.openxmlformats.org/drawingml/2006/main" xmlns:r="http://schemas.openxmlformats.org/officeDocument/2006/relationships" xmlns:p="http://schemas.openxmlformats.org/presentationml/2006/main" showMasterSp="0" showMasterPhAnim="0">
   <p:cSld>
     <p:spTree>
       <p:nvGrpSpPr>
@@ -758,7 +758,7 @@
 </file>
 
 <file path=ppt/notesSlides/notesSlide12.xml><?xml version="1.0" encoding="utf-8"?>
-<p:notes xmlns:a="http://schemas.openxmlformats.org/drawingml/2006/main" xmlns:r="http://schemas.openxmlformats.org/officeDocument/2006/relationships" xmlns:mc="http://schemas.openxmlformats.org/markup-compatibility/2006" xmlns:mv="urn:schemas-microsoft-com:mac:vml" xmlns:p="http://schemas.openxmlformats.org/presentationml/2006/main" mc:Ignorable="mv" mc:PreserveAttributes="mv:*" showMasterSp="0" showMasterPhAnim="0">
+<p:notes xmlns:a="http://schemas.openxmlformats.org/drawingml/2006/main" xmlns:r="http://schemas.openxmlformats.org/officeDocument/2006/relationships" xmlns:p="http://schemas.openxmlformats.org/presentationml/2006/main" showMasterSp="0" showMasterPhAnim="0">
   <p:cSld>
     <p:spTree>
       <p:nvGrpSpPr>
@@ -853,7 +853,7 @@
 </file>
 
 <file path=ppt/notesSlides/notesSlide13.xml><?xml version="1.0" encoding="utf-8"?>
-<p:notes xmlns:a="http://schemas.openxmlformats.org/drawingml/2006/main" xmlns:r="http://schemas.openxmlformats.org/officeDocument/2006/relationships" xmlns:mc="http://schemas.openxmlformats.org/markup-compatibility/2006" xmlns:mv="urn:schemas-microsoft-com:mac:vml" xmlns:p="http://schemas.openxmlformats.org/presentationml/2006/main" mc:Ignorable="mv" mc:PreserveAttributes="mv:*" showMasterSp="0" showMasterPhAnim="0">
+<p:notes xmlns:a="http://schemas.openxmlformats.org/drawingml/2006/main" xmlns:r="http://schemas.openxmlformats.org/officeDocument/2006/relationships" xmlns:p="http://schemas.openxmlformats.org/presentationml/2006/main" showMasterSp="0" showMasterPhAnim="0">
   <p:cSld>
     <p:spTree>
       <p:nvGrpSpPr>
@@ -974,7 +974,7 @@
 </file>
 
 <file path=ppt/notesSlides/notesSlide14.xml><?xml version="1.0" encoding="utf-8"?>
-<p:notes xmlns:a="http://schemas.openxmlformats.org/drawingml/2006/main" xmlns:r="http://schemas.openxmlformats.org/officeDocument/2006/relationships" xmlns:mc="http://schemas.openxmlformats.org/markup-compatibility/2006" xmlns:mv="urn:schemas-microsoft-com:mac:vml" xmlns:p="http://schemas.openxmlformats.org/presentationml/2006/main" mc:Ignorable="mv" mc:PreserveAttributes="mv:*" showMasterSp="0" showMasterPhAnim="0">
+<p:notes xmlns:a="http://schemas.openxmlformats.org/drawingml/2006/main" xmlns:r="http://schemas.openxmlformats.org/officeDocument/2006/relationships" xmlns:p="http://schemas.openxmlformats.org/presentationml/2006/main" showMasterSp="0" showMasterPhAnim="0">
   <p:cSld>
     <p:spTree>
       <p:nvGrpSpPr>
@@ -1069,7 +1069,7 @@
 </file>
 
 <file path=ppt/notesSlides/notesSlide15.xml><?xml version="1.0" encoding="utf-8"?>
-<p:notes xmlns:a="http://schemas.openxmlformats.org/drawingml/2006/main" xmlns:r="http://schemas.openxmlformats.org/officeDocument/2006/relationships" xmlns:mc="http://schemas.openxmlformats.org/markup-compatibility/2006" xmlns:mv="urn:schemas-microsoft-com:mac:vml" xmlns:p="http://schemas.openxmlformats.org/presentationml/2006/main" mc:Ignorable="mv" mc:PreserveAttributes="mv:*" showMasterSp="0" showMasterPhAnim="0">
+<p:notes xmlns:a="http://schemas.openxmlformats.org/drawingml/2006/main" xmlns:r="http://schemas.openxmlformats.org/officeDocument/2006/relationships" xmlns:p="http://schemas.openxmlformats.org/presentationml/2006/main" showMasterSp="0" showMasterPhAnim="0">
   <p:cSld>
     <p:spTree>
       <p:nvGrpSpPr>
@@ -1174,7 +1174,7 @@
 </file>
 
 <file path=ppt/notesSlides/notesSlide16.xml><?xml version="1.0" encoding="utf-8"?>
-<p:notes xmlns:a="http://schemas.openxmlformats.org/drawingml/2006/main" xmlns:r="http://schemas.openxmlformats.org/officeDocument/2006/relationships" xmlns:mc="http://schemas.openxmlformats.org/markup-compatibility/2006" xmlns:mv="urn:schemas-microsoft-com:mac:vml" xmlns:p="http://schemas.openxmlformats.org/presentationml/2006/main" mc:Ignorable="mv" mc:PreserveAttributes="mv:*" showMasterSp="0" showMasterPhAnim="0">
+<p:notes xmlns:a="http://schemas.openxmlformats.org/drawingml/2006/main" xmlns:r="http://schemas.openxmlformats.org/officeDocument/2006/relationships" xmlns:p="http://schemas.openxmlformats.org/presentationml/2006/main" showMasterSp="0" showMasterPhAnim="0">
   <p:cSld>
     <p:spTree>
       <p:nvGrpSpPr>
@@ -1269,7 +1269,7 @@
 </file>
 
 <file path=ppt/notesSlides/notesSlide17.xml><?xml version="1.0" encoding="utf-8"?>
-<p:notes xmlns:a="http://schemas.openxmlformats.org/drawingml/2006/main" xmlns:r="http://schemas.openxmlformats.org/officeDocument/2006/relationships" xmlns:mc="http://schemas.openxmlformats.org/markup-compatibility/2006" xmlns:mv="urn:schemas-microsoft-com:mac:vml" xmlns:p="http://schemas.openxmlformats.org/presentationml/2006/main" mc:Ignorable="mv" mc:PreserveAttributes="mv:*" showMasterSp="0" showMasterPhAnim="0">
+<p:notes xmlns:a="http://schemas.openxmlformats.org/drawingml/2006/main" xmlns:r="http://schemas.openxmlformats.org/officeDocument/2006/relationships" xmlns:p="http://schemas.openxmlformats.org/presentationml/2006/main" showMasterSp="0" showMasterPhAnim="0">
   <p:cSld>
     <p:spTree>
       <p:nvGrpSpPr>
@@ -1364,7 +1364,7 @@
 </file>
 
 <file path=ppt/notesSlides/notesSlide2.xml><?xml version="1.0" encoding="utf-8"?>
-<p:notes xmlns:a="http://schemas.openxmlformats.org/drawingml/2006/main" xmlns:r="http://schemas.openxmlformats.org/officeDocument/2006/relationships" xmlns:mc="http://schemas.openxmlformats.org/markup-compatibility/2006" xmlns:mv="urn:schemas-microsoft-com:mac:vml" xmlns:p="http://schemas.openxmlformats.org/presentationml/2006/main" mc:Ignorable="mv" mc:PreserveAttributes="mv:*" showMasterSp="0" showMasterPhAnim="0">
+<p:notes xmlns:a="http://schemas.openxmlformats.org/drawingml/2006/main" xmlns:r="http://schemas.openxmlformats.org/officeDocument/2006/relationships" xmlns:p="http://schemas.openxmlformats.org/presentationml/2006/main" showMasterSp="0" showMasterPhAnim="0">
   <p:cSld>
     <p:spTree>
       <p:nvGrpSpPr>
@@ -1459,7 +1459,7 @@
 </file>
 
 <file path=ppt/notesSlides/notesSlide3.xml><?xml version="1.0" encoding="utf-8"?>
-<p:notes xmlns:a="http://schemas.openxmlformats.org/drawingml/2006/main" xmlns:r="http://schemas.openxmlformats.org/officeDocument/2006/relationships" xmlns:mc="http://schemas.openxmlformats.org/markup-compatibility/2006" xmlns:mv="urn:schemas-microsoft-com:mac:vml" xmlns:p="http://schemas.openxmlformats.org/presentationml/2006/main" mc:Ignorable="mv" mc:PreserveAttributes="mv:*" showMasterSp="0" showMasterPhAnim="0">
+<p:notes xmlns:a="http://schemas.openxmlformats.org/drawingml/2006/main" xmlns:r="http://schemas.openxmlformats.org/officeDocument/2006/relationships" xmlns:p="http://schemas.openxmlformats.org/presentationml/2006/main" showMasterSp="0" showMasterPhAnim="0">
   <p:cSld>
     <p:spTree>
       <p:nvGrpSpPr>
@@ -1554,7 +1554,7 @@
 </file>
 
 <file path=ppt/notesSlides/notesSlide4.xml><?xml version="1.0" encoding="utf-8"?>
-<p:notes xmlns:a="http://schemas.openxmlformats.org/drawingml/2006/main" xmlns:r="http://schemas.openxmlformats.org/officeDocument/2006/relationships" xmlns:mc="http://schemas.openxmlformats.org/markup-compatibility/2006" xmlns:mv="urn:schemas-microsoft-com:mac:vml" xmlns:p="http://schemas.openxmlformats.org/presentationml/2006/main" mc:Ignorable="mv" mc:PreserveAttributes="mv:*" showMasterSp="0" showMasterPhAnim="0">
+<p:notes xmlns:a="http://schemas.openxmlformats.org/drawingml/2006/main" xmlns:r="http://schemas.openxmlformats.org/officeDocument/2006/relationships" xmlns:p="http://schemas.openxmlformats.org/presentationml/2006/main" showMasterSp="0" showMasterPhAnim="0">
   <p:cSld>
     <p:spTree>
       <p:nvGrpSpPr>
@@ -1649,7 +1649,7 @@
 </file>
 
 <file path=ppt/notesSlides/notesSlide5.xml><?xml version="1.0" encoding="utf-8"?>
-<p:notes xmlns:a="http://schemas.openxmlformats.org/drawingml/2006/main" xmlns:r="http://schemas.openxmlformats.org/officeDocument/2006/relationships" xmlns:mc="http://schemas.openxmlformats.org/markup-compatibility/2006" xmlns:mv="urn:schemas-microsoft-com:mac:vml" xmlns:p="http://schemas.openxmlformats.org/presentationml/2006/main" mc:Ignorable="mv" mc:PreserveAttributes="mv:*" showMasterSp="0" showMasterPhAnim="0">
+<p:notes xmlns:a="http://schemas.openxmlformats.org/drawingml/2006/main" xmlns:r="http://schemas.openxmlformats.org/officeDocument/2006/relationships" xmlns:p="http://schemas.openxmlformats.org/presentationml/2006/main" showMasterSp="0" showMasterPhAnim="0">
   <p:cSld>
     <p:spTree>
       <p:nvGrpSpPr>
@@ -1744,7 +1744,7 @@
 </file>
 
 <file path=ppt/notesSlides/notesSlide6.xml><?xml version="1.0" encoding="utf-8"?>
-<p:notes xmlns:a="http://schemas.openxmlformats.org/drawingml/2006/main" xmlns:r="http://schemas.openxmlformats.org/officeDocument/2006/relationships" xmlns:mc="http://schemas.openxmlformats.org/markup-compatibility/2006" xmlns:mv="urn:schemas-microsoft-com:mac:vml" xmlns:p="http://schemas.openxmlformats.org/presentationml/2006/main" mc:Ignorable="mv" mc:PreserveAttributes="mv:*" showMasterSp="0" showMasterPhAnim="0">
+<p:notes xmlns:a="http://schemas.openxmlformats.org/drawingml/2006/main" xmlns:r="http://schemas.openxmlformats.org/officeDocument/2006/relationships" xmlns:p="http://schemas.openxmlformats.org/presentationml/2006/main" showMasterSp="0" showMasterPhAnim="0">
   <p:cSld>
     <p:spTree>
       <p:nvGrpSpPr>
@@ -1839,7 +1839,7 @@
 </file>
 
 <file path=ppt/notesSlides/notesSlide7.xml><?xml version="1.0" encoding="utf-8"?>
-<p:notes xmlns:a="http://schemas.openxmlformats.org/drawingml/2006/main" xmlns:r="http://schemas.openxmlformats.org/officeDocument/2006/relationships" xmlns:mc="http://schemas.openxmlformats.org/markup-compatibility/2006" xmlns:mv="urn:schemas-microsoft-com:mac:vml" xmlns:p="http://schemas.openxmlformats.org/presentationml/2006/main" mc:Ignorable="mv" mc:PreserveAttributes="mv:*" showMasterSp="0" showMasterPhAnim="0">
+<p:notes xmlns:a="http://schemas.openxmlformats.org/drawingml/2006/main" xmlns:r="http://schemas.openxmlformats.org/officeDocument/2006/relationships" xmlns:p="http://schemas.openxmlformats.org/presentationml/2006/main" showMasterSp="0" showMasterPhAnim="0">
   <p:cSld>
     <p:spTree>
       <p:nvGrpSpPr>
@@ -1934,7 +1934,7 @@
 </file>
 
 <file path=ppt/notesSlides/notesSlide8.xml><?xml version="1.0" encoding="utf-8"?>
-<p:notes xmlns:a="http://schemas.openxmlformats.org/drawingml/2006/main" xmlns:r="http://schemas.openxmlformats.org/officeDocument/2006/relationships" xmlns:mc="http://schemas.openxmlformats.org/markup-compatibility/2006" xmlns:mv="urn:schemas-microsoft-com:mac:vml" xmlns:p="http://schemas.openxmlformats.org/presentationml/2006/main" mc:Ignorable="mv" mc:PreserveAttributes="mv:*" showMasterSp="0" showMasterPhAnim="0">
+<p:notes xmlns:a="http://schemas.openxmlformats.org/drawingml/2006/main" xmlns:r="http://schemas.openxmlformats.org/officeDocument/2006/relationships" xmlns:p="http://schemas.openxmlformats.org/presentationml/2006/main" showMasterSp="0" showMasterPhAnim="0">
   <p:cSld>
     <p:spTree>
       <p:nvGrpSpPr>
@@ -2029,7 +2029,7 @@
 </file>
 
 <file path=ppt/notesSlides/notesSlide9.xml><?xml version="1.0" encoding="utf-8"?>
-<p:notes xmlns:a="http://schemas.openxmlformats.org/drawingml/2006/main" xmlns:r="http://schemas.openxmlformats.org/officeDocument/2006/relationships" xmlns:mc="http://schemas.openxmlformats.org/markup-compatibility/2006" xmlns:mv="urn:schemas-microsoft-com:mac:vml" xmlns:p="http://schemas.openxmlformats.org/presentationml/2006/main" mc:Ignorable="mv" mc:PreserveAttributes="mv:*" showMasterSp="0" showMasterPhAnim="0">
+<p:notes xmlns:a="http://schemas.openxmlformats.org/drawingml/2006/main" xmlns:r="http://schemas.openxmlformats.org/officeDocument/2006/relationships" xmlns:p="http://schemas.openxmlformats.org/presentationml/2006/main" showMasterSp="0" showMasterPhAnim="0">
   <p:cSld>
     <p:spTree>
       <p:nvGrpSpPr>
@@ -2124,7 +2124,7 @@
 </file>
 
 <file path=ppt/slideLayouts/slideLayout1.xml><?xml version="1.0" encoding="utf-8"?>
-<p:sldLayout xmlns:a="http://schemas.openxmlformats.org/drawingml/2006/main" xmlns:r="http://schemas.openxmlformats.org/officeDocument/2006/relationships" xmlns:mc="http://schemas.openxmlformats.org/markup-compatibility/2006" xmlns:mv="urn:schemas-microsoft-com:mac:vml" xmlns:p="http://schemas.openxmlformats.org/presentationml/2006/main" mc:Ignorable="mv" mc:PreserveAttributes="mv:*" matchingName="title" type="title">
+<p:sldLayout xmlns:a="http://schemas.openxmlformats.org/drawingml/2006/main" xmlns:r="http://schemas.openxmlformats.org/officeDocument/2006/relationships" xmlns:p="http://schemas.openxmlformats.org/presentationml/2006/main" matchingName="title" type="title">
   <p:cSld name="title">
     <p:spTree>
       <p:nvGrpSpPr>
@@ -2627,7 +2627,7 @@
 </file>
 
 <file path=ppt/slideLayouts/slideLayout2.xml><?xml version="1.0" encoding="utf-8"?>
-<p:sldLayout xmlns:a="http://schemas.openxmlformats.org/drawingml/2006/main" xmlns:r="http://schemas.openxmlformats.org/officeDocument/2006/relationships" xmlns:mc="http://schemas.openxmlformats.org/markup-compatibility/2006" xmlns:mv="urn:schemas-microsoft-com:mac:vml" xmlns:p="http://schemas.openxmlformats.org/presentationml/2006/main" mc:Ignorable="mv" mc:PreserveAttributes="mv:*" matchingName="tx" type="tx">
+<p:sldLayout xmlns:a="http://schemas.openxmlformats.org/drawingml/2006/main" xmlns:r="http://schemas.openxmlformats.org/officeDocument/2006/relationships" xmlns:p="http://schemas.openxmlformats.org/presentationml/2006/main" matchingName="tx" type="tx">
   <p:cSld name="tx">
     <p:spTree>
       <p:nvGrpSpPr>
@@ -2896,7 +2896,7 @@
 </file>
 
 <file path=ppt/slideLayouts/slideLayout3.xml><?xml version="1.0" encoding="utf-8"?>
-<p:sldLayout xmlns:a="http://schemas.openxmlformats.org/drawingml/2006/main" xmlns:r="http://schemas.openxmlformats.org/officeDocument/2006/relationships" xmlns:mc="http://schemas.openxmlformats.org/markup-compatibility/2006" xmlns:mv="urn:schemas-microsoft-com:mac:vml" xmlns:p="http://schemas.openxmlformats.org/presentationml/2006/main" mc:Ignorable="mv" mc:PreserveAttributes="mv:*" matchingName="twoColTx" type="twoColTx">
+<p:sldLayout xmlns:a="http://schemas.openxmlformats.org/drawingml/2006/main" xmlns:r="http://schemas.openxmlformats.org/officeDocument/2006/relationships" xmlns:p="http://schemas.openxmlformats.org/presentationml/2006/main" matchingName="twoColTx" type="twoColTx">
   <p:cSld name="twoColTx">
     <p:spTree>
       <p:nvGrpSpPr>
@@ -3224,7 +3224,7 @@
 </file>
 
 <file path=ppt/slideLayouts/slideLayout4.xml><?xml version="1.0" encoding="utf-8"?>
-<p:sldLayout xmlns:a="http://schemas.openxmlformats.org/drawingml/2006/main" xmlns:r="http://schemas.openxmlformats.org/officeDocument/2006/relationships" xmlns:mc="http://schemas.openxmlformats.org/markup-compatibility/2006" xmlns:mv="urn:schemas-microsoft-com:mac:vml" xmlns:p="http://schemas.openxmlformats.org/presentationml/2006/main" mc:Ignorable="mv" mc:PreserveAttributes="mv:*" matchingName="titleOnly" type="titleOnly">
+<p:sldLayout xmlns:a="http://schemas.openxmlformats.org/drawingml/2006/main" xmlns:r="http://schemas.openxmlformats.org/officeDocument/2006/relationships" xmlns:p="http://schemas.openxmlformats.org/presentationml/2006/main" matchingName="titleOnly" type="titleOnly">
   <p:cSld name="titleOnly">
     <p:spTree>
       <p:nvGrpSpPr>
@@ -3434,7 +3434,7 @@
 </file>
 
 <file path=ppt/slideLayouts/slideLayout5.xml><?xml version="1.0" encoding="utf-8"?>
-<p:sldLayout xmlns:a="http://schemas.openxmlformats.org/drawingml/2006/main" xmlns:r="http://schemas.openxmlformats.org/officeDocument/2006/relationships" xmlns:mc="http://schemas.openxmlformats.org/markup-compatibility/2006" xmlns:mv="urn:schemas-microsoft-com:mac:vml" xmlns:p="http://schemas.openxmlformats.org/presentationml/2006/main" mc:Ignorable="mv" mc:PreserveAttributes="mv:*" matchingName="CAPTION_ONLY">
+<p:sldLayout xmlns:a="http://schemas.openxmlformats.org/drawingml/2006/main" xmlns:r="http://schemas.openxmlformats.org/officeDocument/2006/relationships" xmlns:p="http://schemas.openxmlformats.org/presentationml/2006/main" matchingName="CAPTION_ONLY">
   <p:cSld name="CAPTION_ONLY">
     <p:spTree>
       <p:nvGrpSpPr>
@@ -3689,7 +3689,7 @@
 </file>
 
 <file path=ppt/slideLayouts/slideLayout6.xml><?xml version="1.0" encoding="utf-8"?>
-<p:sldLayout xmlns:a="http://schemas.openxmlformats.org/drawingml/2006/main" xmlns:r="http://schemas.openxmlformats.org/officeDocument/2006/relationships" xmlns:mc="http://schemas.openxmlformats.org/markup-compatibility/2006" xmlns:mv="urn:schemas-microsoft-com:mac:vml" xmlns:p="http://schemas.openxmlformats.org/presentationml/2006/main" mc:Ignorable="mv" mc:PreserveAttributes="mv:*" matchingName="blank" type="blank">
+<p:sldLayout xmlns:a="http://schemas.openxmlformats.org/drawingml/2006/main" xmlns:r="http://schemas.openxmlformats.org/officeDocument/2006/relationships" xmlns:p="http://schemas.openxmlformats.org/presentationml/2006/main" matchingName="blank" type="blank">
   <p:cSld name="blank">
     <p:spTree>
       <p:nvGrpSpPr>
@@ -3714,7 +3714,7 @@
 </file>
 
 <file path=ppt/slideMasters/slideMaster1.xml><?xml version="1.0" encoding="utf-8"?>
-<p:sldMaster xmlns:a="http://schemas.openxmlformats.org/drawingml/2006/main" xmlns:r="http://schemas.openxmlformats.org/officeDocument/2006/relationships" xmlns:mc="http://schemas.openxmlformats.org/markup-compatibility/2006" xmlns:mv="urn:schemas-microsoft-com:mac:vml" xmlns:p="http://schemas.openxmlformats.org/presentationml/2006/main" mc:Ignorable="mv" mc:PreserveAttributes="mv:*">
+<p:sldMaster xmlns:a="http://schemas.openxmlformats.org/drawingml/2006/main" xmlns:r="http://schemas.openxmlformats.org/officeDocument/2006/relationships" xmlns:p="http://schemas.openxmlformats.org/presentationml/2006/main">
   <p:cSld>
     <p:bg>
       <p:bgPr>
@@ -4652,7 +4652,7 @@
 </file>
 
 <file path=ppt/slides/slide1.xml><?xml version="1.0" encoding="utf-8"?>
-<p:sld xmlns:a="http://schemas.openxmlformats.org/drawingml/2006/main" xmlns:r="http://schemas.openxmlformats.org/officeDocument/2006/relationships" xmlns:mc="http://schemas.openxmlformats.org/markup-compatibility/2006" xmlns:mv="urn:schemas-microsoft-com:mac:vml" xmlns:p="http://schemas.openxmlformats.org/presentationml/2006/main" mc:Ignorable="mv" mc:PreserveAttributes="mv:*">
+<p:sld xmlns:a="http://schemas.openxmlformats.org/drawingml/2006/main" xmlns:r="http://schemas.openxmlformats.org/officeDocument/2006/relationships" xmlns:p="http://schemas.openxmlformats.org/presentationml/2006/main">
   <p:cSld>
     <p:spTree>
       <p:nvGrpSpPr>
@@ -4796,13 +4796,13 @@
   <p:clrMapOvr>
     <a:masterClrMapping/>
   </p:clrMapOvr>
-  <p:transition spd="slow">
+  <p:transition xmlns:p14="http://schemas.microsoft.com/office/powerpoint/2010/main" spd="slow">
     <p:cut/>
   </p:transition>
   <p:timing>
     <p:tnLst>
       <p:par>
-        <p:cTn id="1" dur="indefinite" restart="never" nodeType="tmRoot"/>
+        <p:cTn xmlns:p14="http://schemas.microsoft.com/office/powerpoint/2010/main" id="1" dur="indefinite" restart="never" nodeType="tmRoot"/>
       </p:par>
     </p:tnLst>
   </p:timing>
@@ -4810,7 +4810,7 @@
 </file>
 
 <file path=ppt/slides/slide10.xml><?xml version="1.0" encoding="utf-8"?>
-<p:sld xmlns:a="http://schemas.openxmlformats.org/drawingml/2006/main" xmlns:r="http://schemas.openxmlformats.org/officeDocument/2006/relationships" xmlns:mc="http://schemas.openxmlformats.org/markup-compatibility/2006" xmlns:mv="urn:schemas-microsoft-com:mac:vml" xmlns:p="http://schemas.openxmlformats.org/presentationml/2006/main" mc:Ignorable="mv" mc:PreserveAttributes="mv:*">
+<p:sld xmlns:a="http://schemas.openxmlformats.org/drawingml/2006/main" xmlns:r="http://schemas.openxmlformats.org/officeDocument/2006/relationships" xmlns:p="http://schemas.openxmlformats.org/presentationml/2006/main">
   <p:cSld>
     <p:spTree>
       <p:nvGrpSpPr>
@@ -4923,13 +4923,13 @@
   <p:clrMapOvr>
     <a:masterClrMapping/>
   </p:clrMapOvr>
-  <p:transition spd="slow">
+  <p:transition xmlns:p14="http://schemas.microsoft.com/office/powerpoint/2010/main" spd="slow">
     <p:cut/>
   </p:transition>
   <p:timing>
     <p:tnLst>
       <p:par>
-        <p:cTn id="1" dur="indefinite" restart="never" nodeType="tmRoot"/>
+        <p:cTn xmlns:p14="http://schemas.microsoft.com/office/powerpoint/2010/main" id="1" dur="indefinite" restart="never" nodeType="tmRoot"/>
       </p:par>
     </p:tnLst>
   </p:timing>
@@ -4937,7 +4937,7 @@
 </file>
 
 <file path=ppt/slides/slide11.xml><?xml version="1.0" encoding="utf-8"?>
-<p:sld xmlns:a="http://schemas.openxmlformats.org/drawingml/2006/main" xmlns:r="http://schemas.openxmlformats.org/officeDocument/2006/relationships" xmlns:mc="http://schemas.openxmlformats.org/markup-compatibility/2006" xmlns:mv="urn:schemas-microsoft-com:mac:vml" xmlns:p="http://schemas.openxmlformats.org/presentationml/2006/main" mc:Ignorable="mv" mc:PreserveAttributes="mv:*">
+<p:sld xmlns:a="http://schemas.openxmlformats.org/drawingml/2006/main" xmlns:r="http://schemas.openxmlformats.org/officeDocument/2006/relationships" xmlns:p="http://schemas.openxmlformats.org/presentationml/2006/main">
   <p:cSld>
     <p:spTree>
       <p:nvGrpSpPr>
@@ -5112,13 +5112,13 @@
   <p:clrMapOvr>
     <a:masterClrMapping/>
   </p:clrMapOvr>
-  <p:transition spd="slow">
+  <p:transition xmlns:p14="http://schemas.microsoft.com/office/powerpoint/2010/main" spd="slow">
     <p:cut/>
   </p:transition>
   <p:timing>
     <p:tnLst>
       <p:par>
-        <p:cTn id="1" dur="indefinite" restart="never" nodeType="tmRoot"/>
+        <p:cTn xmlns:p14="http://schemas.microsoft.com/office/powerpoint/2010/main" id="1" dur="indefinite" restart="never" nodeType="tmRoot"/>
       </p:par>
     </p:tnLst>
   </p:timing>
@@ -5126,7 +5126,7 @@
 </file>
 
 <file path=ppt/slides/slide12.xml><?xml version="1.0" encoding="utf-8"?>
-<p:sld xmlns:a="http://schemas.openxmlformats.org/drawingml/2006/main" xmlns:r="http://schemas.openxmlformats.org/officeDocument/2006/relationships" xmlns:mc="http://schemas.openxmlformats.org/markup-compatibility/2006" xmlns:mv="urn:schemas-microsoft-com:mac:vml" xmlns:p="http://schemas.openxmlformats.org/presentationml/2006/main" mc:Ignorable="mv" mc:PreserveAttributes="mv:*">
+<p:sld xmlns:a="http://schemas.openxmlformats.org/drawingml/2006/main" xmlns:r="http://schemas.openxmlformats.org/officeDocument/2006/relationships" xmlns:p="http://schemas.openxmlformats.org/presentationml/2006/main">
   <p:cSld>
     <p:spTree>
       <p:nvGrpSpPr>
@@ -5283,13 +5283,13 @@
   <p:clrMapOvr>
     <a:masterClrMapping/>
   </p:clrMapOvr>
-  <p:transition spd="slow">
+  <p:transition xmlns:p14="http://schemas.microsoft.com/office/powerpoint/2010/main" spd="slow">
     <p:cut/>
   </p:transition>
   <p:timing>
     <p:tnLst>
       <p:par>
-        <p:cTn id="1" dur="indefinite" restart="never" nodeType="tmRoot"/>
+        <p:cTn xmlns:p14="http://schemas.microsoft.com/office/powerpoint/2010/main" id="1" dur="indefinite" restart="never" nodeType="tmRoot"/>
       </p:par>
     </p:tnLst>
   </p:timing>
@@ -5297,7 +5297,7 @@
 </file>
 
 <file path=ppt/slides/slide13.xml><?xml version="1.0" encoding="utf-8"?>
-<p:sld xmlns:a="http://schemas.openxmlformats.org/drawingml/2006/main" xmlns:r="http://schemas.openxmlformats.org/officeDocument/2006/relationships" xmlns:mc="http://schemas.openxmlformats.org/markup-compatibility/2006" xmlns:mv="urn:schemas-microsoft-com:mac:vml" xmlns:p="http://schemas.openxmlformats.org/presentationml/2006/main" mc:Ignorable="mv" mc:PreserveAttributes="mv:*">
+<p:sld xmlns:a="http://schemas.openxmlformats.org/drawingml/2006/main" xmlns:r="http://schemas.openxmlformats.org/officeDocument/2006/relationships" xmlns:p="http://schemas.openxmlformats.org/presentationml/2006/main">
   <p:cSld>
     <p:spTree>
       <p:nvGrpSpPr>
@@ -5428,13 +5428,13 @@
   <p:clrMapOvr>
     <a:masterClrMapping/>
   </p:clrMapOvr>
-  <p:transition spd="slow">
+  <p:transition xmlns:p14="http://schemas.microsoft.com/office/powerpoint/2010/main" spd="slow">
     <p:cut/>
   </p:transition>
   <p:timing>
     <p:tnLst>
       <p:par>
-        <p:cTn id="1" dur="indefinite" restart="never" nodeType="tmRoot"/>
+        <p:cTn xmlns:p14="http://schemas.microsoft.com/office/powerpoint/2010/main" id="1" dur="indefinite" restart="never" nodeType="tmRoot"/>
       </p:par>
     </p:tnLst>
   </p:timing>
@@ -5442,7 +5442,7 @@
 </file>
 
 <file path=ppt/slides/slide14.xml><?xml version="1.0" encoding="utf-8"?>
-<p:sld xmlns:a="http://schemas.openxmlformats.org/drawingml/2006/main" xmlns:r="http://schemas.openxmlformats.org/officeDocument/2006/relationships" xmlns:mc="http://schemas.openxmlformats.org/markup-compatibility/2006" xmlns:mv="urn:schemas-microsoft-com:mac:vml" xmlns:p="http://schemas.openxmlformats.org/presentationml/2006/main" mc:Ignorable="mv" mc:PreserveAttributes="mv:*">
+<p:sld xmlns:a="http://schemas.openxmlformats.org/drawingml/2006/main" xmlns:r="http://schemas.openxmlformats.org/officeDocument/2006/relationships" xmlns:p="http://schemas.openxmlformats.org/presentationml/2006/main">
   <p:cSld>
     <p:spTree>
       <p:nvGrpSpPr>
@@ -5566,13 +5566,13 @@
   <p:clrMapOvr>
     <a:masterClrMapping/>
   </p:clrMapOvr>
-  <p:transition spd="slow">
+  <p:transition xmlns:p14="http://schemas.microsoft.com/office/powerpoint/2010/main" spd="slow">
     <p:cut/>
   </p:transition>
   <p:timing>
     <p:tnLst>
       <p:par>
-        <p:cTn id="1" dur="indefinite" restart="never" nodeType="tmRoot"/>
+        <p:cTn xmlns:p14="http://schemas.microsoft.com/office/powerpoint/2010/main" id="1" dur="indefinite" restart="never" nodeType="tmRoot"/>
       </p:par>
     </p:tnLst>
   </p:timing>
@@ -5580,7 +5580,7 @@
 </file>
 
 <file path=ppt/slides/slide15.xml><?xml version="1.0" encoding="utf-8"?>
-<p:sld xmlns:a="http://schemas.openxmlformats.org/drawingml/2006/main" xmlns:r="http://schemas.openxmlformats.org/officeDocument/2006/relationships" xmlns:mc="http://schemas.openxmlformats.org/markup-compatibility/2006" xmlns:mv="urn:schemas-microsoft-com:mac:vml" xmlns:p="http://schemas.openxmlformats.org/presentationml/2006/main" mc:Ignorable="mv" mc:PreserveAttributes="mv:*">
+<p:sld xmlns:a="http://schemas.openxmlformats.org/drawingml/2006/main" xmlns:r="http://schemas.openxmlformats.org/officeDocument/2006/relationships" xmlns:p="http://schemas.openxmlformats.org/presentationml/2006/main">
   <p:cSld>
     <p:spTree>
       <p:nvGrpSpPr>
@@ -5650,11 +5650,7 @@
             </a:pPr>
             <a:r>
               <a:rPr lang="en" dirty="0" smtClean="0"/>
-              <a:t>Tamaño </a:t>
-            </a:r>
-            <a:r>
-              <a:rPr lang="en" dirty="0" smtClean="0"/>
-              <a:t>de proyecto. Triangular</a:t>
+              <a:t>Tamaño de proyecto. Triangular</a:t>
             </a:r>
           </a:p>
           <a:p>
@@ -5701,7 +5697,7 @@
 </file>
 
 <file path=ppt/slides/slide16.xml><?xml version="1.0" encoding="utf-8"?>
-<p:sld xmlns:a="http://schemas.openxmlformats.org/drawingml/2006/main" xmlns:r="http://schemas.openxmlformats.org/officeDocument/2006/relationships" xmlns:mc="http://schemas.openxmlformats.org/markup-compatibility/2006" xmlns:mv="urn:schemas-microsoft-com:mac:vml" xmlns:p="http://schemas.openxmlformats.org/presentationml/2006/main" mc:Ignorable="mv" mc:PreserveAttributes="mv:*">
+<p:sld xmlns:a="http://schemas.openxmlformats.org/drawingml/2006/main" xmlns:r="http://schemas.openxmlformats.org/officeDocument/2006/relationships" xmlns:p="http://schemas.openxmlformats.org/presentationml/2006/main">
   <p:cSld>
     <p:spTree>
       <p:nvGrpSpPr>
@@ -5759,15 +5755,7 @@
             </a:r>
             <a:r>
               <a:rPr lang="en" dirty="0" smtClean="0"/>
-              <a:t>hombre </a:t>
-            </a:r>
-            <a:r>
-              <a:rPr lang="en" dirty="0" smtClean="0"/>
-              <a:t>del </a:t>
-            </a:r>
-            <a:r>
-              <a:rPr lang="en" dirty="0" smtClean="0"/>
-              <a:t>proyecto</a:t>
+              <a:t>hombre del proyecto</a:t>
             </a:r>
             <a:r>
               <a:rPr lang="en-US" dirty="0" smtClean="0"/>
@@ -5827,7 +5815,7 @@
 </file>
 
 <file path=ppt/slides/slide17.xml><?xml version="1.0" encoding="utf-8"?>
-<p:sld xmlns:a="http://schemas.openxmlformats.org/drawingml/2006/main" xmlns:r="http://schemas.openxmlformats.org/officeDocument/2006/relationships" xmlns:mc="http://schemas.openxmlformats.org/markup-compatibility/2006" xmlns:mv="urn:schemas-microsoft-com:mac:vml" xmlns:p="http://schemas.openxmlformats.org/presentationml/2006/main" mc:Ignorable="mv" mc:PreserveAttributes="mv:*">
+<p:sld xmlns:a="http://schemas.openxmlformats.org/drawingml/2006/main" xmlns:r="http://schemas.openxmlformats.org/officeDocument/2006/relationships" xmlns:p="http://schemas.openxmlformats.org/presentationml/2006/main">
   <p:cSld>
     <p:spTree>
       <p:nvGrpSpPr>
@@ -5885,15 +5873,7 @@
             </a:r>
             <a:r>
               <a:rPr lang="en" dirty="0" smtClean="0"/>
-              <a:t>hombre </a:t>
-            </a:r>
-            <a:r>
-              <a:rPr lang="en" dirty="0" smtClean="0"/>
-              <a:t>del </a:t>
-            </a:r>
-            <a:r>
-              <a:rPr lang="en" dirty="0" smtClean="0"/>
-              <a:t>proyecto</a:t>
+              <a:t>hombre del proyecto</a:t>
             </a:r>
             <a:r>
               <a:rPr lang="en-US" dirty="0" smtClean="0"/>
@@ -5953,7 +5933,7 @@
 </file>
 
 <file path=ppt/slides/slide18.xml><?xml version="1.0" encoding="utf-8"?>
-<p:sld xmlns:a="http://schemas.openxmlformats.org/drawingml/2006/main" xmlns:r="http://schemas.openxmlformats.org/officeDocument/2006/relationships" xmlns:mc="http://schemas.openxmlformats.org/markup-compatibility/2006" xmlns:mv="urn:schemas-microsoft-com:mac:vml" xmlns:p="http://schemas.openxmlformats.org/presentationml/2006/main" mc:Ignorable="mv" mc:PreserveAttributes="mv:*">
+<p:sld xmlns:a="http://schemas.openxmlformats.org/drawingml/2006/main" xmlns:r="http://schemas.openxmlformats.org/officeDocument/2006/relationships" xmlns:p="http://schemas.openxmlformats.org/presentationml/2006/main">
   <p:cSld>
     <p:spTree>
       <p:nvGrpSpPr>
@@ -6011,15 +5991,7 @@
             </a:r>
             <a:r>
               <a:rPr lang="en" dirty="0" smtClean="0"/>
-              <a:t>hombre </a:t>
-            </a:r>
-            <a:r>
-              <a:rPr lang="en" dirty="0" smtClean="0"/>
-              <a:t>del </a:t>
-            </a:r>
-            <a:r>
-              <a:rPr lang="en" dirty="0" smtClean="0"/>
-              <a:t>proyecto</a:t>
+              <a:t>hombre del proyecto</a:t>
             </a:r>
             <a:r>
               <a:rPr lang="en-US" dirty="0" smtClean="0"/>
@@ -6027,11 +5999,7 @@
             </a:r>
             <a:r>
               <a:rPr lang="en-US" dirty="0" err="1" smtClean="0"/>
-              <a:t>peque</a:t>
-            </a:r>
-            <a:r>
-              <a:rPr lang="en-US" dirty="0" err="1" smtClean="0"/>
-              <a:t>ño</a:t>
+              <a:t>pequeño</a:t>
             </a:r>
             <a:r>
               <a:rPr lang="en-US" dirty="0" smtClean="0"/>
@@ -6083,7 +6051,7 @@
 </file>
 
 <file path=ppt/slides/slide19.xml><?xml version="1.0" encoding="utf-8"?>
-<p:sld xmlns:a="http://schemas.openxmlformats.org/drawingml/2006/main" xmlns:r="http://schemas.openxmlformats.org/officeDocument/2006/relationships" xmlns:mc="http://schemas.openxmlformats.org/markup-compatibility/2006" xmlns:mv="urn:schemas-microsoft-com:mac:vml" xmlns:p="http://schemas.openxmlformats.org/presentationml/2006/main" mc:Ignorable="mv" mc:PreserveAttributes="mv:*">
+<p:sld xmlns:a="http://schemas.openxmlformats.org/drawingml/2006/main" xmlns:r="http://schemas.openxmlformats.org/officeDocument/2006/relationships" xmlns:p="http://schemas.openxmlformats.org/presentationml/2006/main">
   <p:cSld>
     <p:spTree>
       <p:nvGrpSpPr>
@@ -6206,7 +6174,7 @@
 </file>
 
 <file path=ppt/slides/slide2.xml><?xml version="1.0" encoding="utf-8"?>
-<p:sld xmlns:a="http://schemas.openxmlformats.org/drawingml/2006/main" xmlns:r="http://schemas.openxmlformats.org/officeDocument/2006/relationships" xmlns:mc="http://schemas.openxmlformats.org/markup-compatibility/2006" xmlns:mv="urn:schemas-microsoft-com:mac:vml" xmlns:p="http://schemas.openxmlformats.org/presentationml/2006/main" mc:Ignorable="mv" mc:PreserveAttributes="mv:*">
+<p:sld xmlns:a="http://schemas.openxmlformats.org/drawingml/2006/main" xmlns:r="http://schemas.openxmlformats.org/officeDocument/2006/relationships" xmlns:p="http://schemas.openxmlformats.org/presentationml/2006/main">
   <p:cSld>
     <p:spTree>
       <p:nvGrpSpPr>
@@ -6447,13 +6415,13 @@
   <p:clrMapOvr>
     <a:masterClrMapping/>
   </p:clrMapOvr>
-  <p:transition spd="slow">
+  <p:transition xmlns:p14="http://schemas.microsoft.com/office/powerpoint/2010/main" spd="slow">
     <p:cut/>
   </p:transition>
   <p:timing>
     <p:tnLst>
       <p:par>
-        <p:cTn id="1" dur="indefinite" restart="never" nodeType="tmRoot"/>
+        <p:cTn xmlns:p14="http://schemas.microsoft.com/office/powerpoint/2010/main" id="1" dur="indefinite" restart="never" nodeType="tmRoot"/>
       </p:par>
     </p:tnLst>
   </p:timing>
@@ -6461,7 +6429,7 @@
 </file>
 
 <file path=ppt/slides/slide20.xml><?xml version="1.0" encoding="utf-8"?>
-<p:sld xmlns:a="http://schemas.openxmlformats.org/drawingml/2006/main" xmlns:r="http://schemas.openxmlformats.org/officeDocument/2006/relationships" xmlns:mc="http://schemas.openxmlformats.org/markup-compatibility/2006" xmlns:mv="urn:schemas-microsoft-com:mac:vml" xmlns:p="http://schemas.openxmlformats.org/presentationml/2006/main" mc:Ignorable="mv" mc:PreserveAttributes="mv:*">
+<p:sld xmlns:a="http://schemas.openxmlformats.org/drawingml/2006/main" xmlns:r="http://schemas.openxmlformats.org/officeDocument/2006/relationships" xmlns:p="http://schemas.openxmlformats.org/presentationml/2006/main">
   <p:cSld>
     <p:spTree>
       <p:nvGrpSpPr>
@@ -6584,7 +6552,7 @@
 </file>
 
 <file path=ppt/slides/slide21.xml><?xml version="1.0" encoding="utf-8"?>
-<p:sld xmlns:a="http://schemas.openxmlformats.org/drawingml/2006/main" xmlns:r="http://schemas.openxmlformats.org/officeDocument/2006/relationships" xmlns:mc="http://schemas.openxmlformats.org/markup-compatibility/2006" xmlns:mv="urn:schemas-microsoft-com:mac:vml" xmlns:p="http://schemas.openxmlformats.org/presentationml/2006/main" mc:Ignorable="mv" mc:PreserveAttributes="mv:*">
+<p:sld xmlns:a="http://schemas.openxmlformats.org/drawingml/2006/main" xmlns:r="http://schemas.openxmlformats.org/officeDocument/2006/relationships" xmlns:p="http://schemas.openxmlformats.org/presentationml/2006/main">
   <p:cSld>
     <p:spTree>
       <p:nvGrpSpPr>
@@ -6661,11 +6629,7 @@
             </a:r>
             <a:r>
               <a:rPr lang="en-US" dirty="0" err="1" smtClean="0"/>
-              <a:t>peque</a:t>
-            </a:r>
-            <a:r>
-              <a:rPr lang="en-US" dirty="0" err="1" smtClean="0"/>
-              <a:t>ño</a:t>
+              <a:t>pequeño</a:t>
             </a:r>
             <a:r>
               <a:rPr lang="en-US" dirty="0" smtClean="0"/>
@@ -6711,7 +6675,7 @@
 </file>
 
 <file path=ppt/slides/slide22.xml><?xml version="1.0" encoding="utf-8"?>
-<p:sld xmlns:a="http://schemas.openxmlformats.org/drawingml/2006/main" xmlns:r="http://schemas.openxmlformats.org/officeDocument/2006/relationships" xmlns:mc="http://schemas.openxmlformats.org/markup-compatibility/2006" xmlns:mv="urn:schemas-microsoft-com:mac:vml" xmlns:p="http://schemas.openxmlformats.org/presentationml/2006/main" mc:Ignorable="mv" mc:PreserveAttributes="mv:*">
+<p:sld xmlns:a="http://schemas.openxmlformats.org/drawingml/2006/main" xmlns:r="http://schemas.openxmlformats.org/officeDocument/2006/relationships" xmlns:p="http://schemas.openxmlformats.org/presentationml/2006/main">
   <p:cSld>
     <p:spTree>
       <p:nvGrpSpPr>
@@ -6799,7 +6763,7 @@
 </file>
 
 <file path=ppt/slides/slide23.xml><?xml version="1.0" encoding="utf-8"?>
-<p:sld xmlns:a="http://schemas.openxmlformats.org/drawingml/2006/main" xmlns:r="http://schemas.openxmlformats.org/officeDocument/2006/relationships" xmlns:mc="http://schemas.openxmlformats.org/markup-compatibility/2006" xmlns:mv="urn:schemas-microsoft-com:mac:vml" xmlns:p="http://schemas.openxmlformats.org/presentationml/2006/main" mc:Ignorable="mv" mc:PreserveAttributes="mv:*">
+<p:sld xmlns:a="http://schemas.openxmlformats.org/drawingml/2006/main" xmlns:r="http://schemas.openxmlformats.org/officeDocument/2006/relationships" xmlns:p="http://schemas.openxmlformats.org/presentationml/2006/main">
   <p:cSld>
     <p:spTree>
       <p:nvGrpSpPr>
@@ -6955,13 +6919,13 @@
   <p:clrMapOvr>
     <a:masterClrMapping/>
   </p:clrMapOvr>
-  <p:transition spd="slow">
+  <p:transition xmlns:p14="http://schemas.microsoft.com/office/powerpoint/2010/main" spd="slow">
     <p:cut/>
   </p:transition>
   <p:timing>
     <p:tnLst>
       <p:par>
-        <p:cTn id="1" dur="indefinite" restart="never" nodeType="tmRoot"/>
+        <p:cTn xmlns:p14="http://schemas.microsoft.com/office/powerpoint/2010/main" id="1" dur="indefinite" restart="never" nodeType="tmRoot"/>
       </p:par>
     </p:tnLst>
   </p:timing>
@@ -6969,7 +6933,7 @@
 </file>
 
 <file path=ppt/slides/slide24.xml><?xml version="1.0" encoding="utf-8"?>
-<p:sld xmlns:a="http://schemas.openxmlformats.org/drawingml/2006/main" xmlns:r="http://schemas.openxmlformats.org/officeDocument/2006/relationships" xmlns:mc="http://schemas.openxmlformats.org/markup-compatibility/2006" xmlns:mv="urn:schemas-microsoft-com:mac:vml" xmlns:p="http://schemas.openxmlformats.org/presentationml/2006/main" mc:Ignorable="mv" mc:PreserveAttributes="mv:*">
+<p:sld xmlns:a="http://schemas.openxmlformats.org/drawingml/2006/main" xmlns:r="http://schemas.openxmlformats.org/officeDocument/2006/relationships" xmlns:p="http://schemas.openxmlformats.org/presentationml/2006/main">
   <p:cSld>
     <p:spTree>
       <p:nvGrpSpPr>
@@ -7181,13 +7145,13 @@
   <p:clrMapOvr>
     <a:masterClrMapping/>
   </p:clrMapOvr>
-  <p:transition spd="slow">
+  <p:transition xmlns:p14="http://schemas.microsoft.com/office/powerpoint/2010/main" spd="slow">
     <p:cut/>
   </p:transition>
   <p:timing>
     <p:tnLst>
       <p:par>
-        <p:cTn id="1" dur="indefinite" restart="never" nodeType="tmRoot"/>
+        <p:cTn xmlns:p14="http://schemas.microsoft.com/office/powerpoint/2010/main" id="1" dur="indefinite" restart="never" nodeType="tmRoot"/>
       </p:par>
     </p:tnLst>
   </p:timing>
@@ -7195,7 +7159,7 @@
 </file>
 
 <file path=ppt/slides/slide25.xml><?xml version="1.0" encoding="utf-8"?>
-<p:sld xmlns:a="http://schemas.openxmlformats.org/drawingml/2006/main" xmlns:r="http://schemas.openxmlformats.org/officeDocument/2006/relationships" xmlns:mc="http://schemas.openxmlformats.org/markup-compatibility/2006" xmlns:mv="urn:schemas-microsoft-com:mac:vml" xmlns:p="http://schemas.openxmlformats.org/presentationml/2006/main" mc:Ignorable="mv" mc:PreserveAttributes="mv:*">
+<p:sld xmlns:a="http://schemas.openxmlformats.org/drawingml/2006/main" xmlns:r="http://schemas.openxmlformats.org/officeDocument/2006/relationships" xmlns:p="http://schemas.openxmlformats.org/presentationml/2006/main">
   <p:cSld>
     <p:spTree>
       <p:nvGrpSpPr>
@@ -7232,11 +7196,7 @@
             </a:r>
             <a:r>
               <a:rPr lang="en-US" dirty="0" err="1" smtClean="0"/>
-              <a:t>experimentaci</a:t>
-            </a:r>
-            <a:r>
-              <a:rPr lang="en-US" dirty="0" err="1" smtClean="0"/>
-              <a:t>ón</a:t>
+              <a:t>experimentación</a:t>
             </a:r>
             <a:endParaRPr lang="en-US" dirty="0"/>
           </a:p>
@@ -7259,19 +7219,11 @@
           <a:p>
             <a:r>
               <a:rPr lang="en-US" dirty="0" err="1" smtClean="0"/>
-              <a:t>Dise</a:t>
-            </a:r>
-            <a:r>
-              <a:rPr lang="en-US" dirty="0" err="1" smtClean="0"/>
-              <a:t>ño</a:t>
-            </a:r>
-            <a:r>
-              <a:rPr lang="en-US" dirty="0" smtClean="0"/>
-              <a:t> de</a:t>
-            </a:r>
-            <a:r>
-              <a:rPr lang="en-US" dirty="0" smtClean="0"/>
-              <a:t> </a:t>
+              <a:t>Diseño</a:t>
+            </a:r>
+            <a:r>
+              <a:rPr lang="en-US" dirty="0" smtClean="0"/>
+              <a:t> de </a:t>
             </a:r>
             <a:r>
               <a:rPr lang="en-US" dirty="0" err="1" smtClean="0"/>
@@ -7397,7 +7349,7 @@
 </file>
 
 <file path=ppt/slides/slide26.xml><?xml version="1.0" encoding="utf-8"?>
-<p:sld xmlns:a="http://schemas.openxmlformats.org/drawingml/2006/main" xmlns:r="http://schemas.openxmlformats.org/officeDocument/2006/relationships" xmlns:mc="http://schemas.openxmlformats.org/markup-compatibility/2006" xmlns:mv="urn:schemas-microsoft-com:mac:vml" xmlns:p="http://schemas.openxmlformats.org/presentationml/2006/main" mc:Ignorable="mv" mc:PreserveAttributes="mv:*">
+<p:sld xmlns:a="http://schemas.openxmlformats.org/drawingml/2006/main" xmlns:r="http://schemas.openxmlformats.org/officeDocument/2006/relationships" xmlns:p="http://schemas.openxmlformats.org/presentationml/2006/main">
   <p:cSld>
     <p:spTree>
       <p:nvGrpSpPr>
@@ -7430,11 +7382,7 @@
           <a:p>
             <a:r>
               <a:rPr lang="en-US" dirty="0" err="1" smtClean="0"/>
-              <a:t>Verificaci</a:t>
-            </a:r>
-            <a:r>
-              <a:rPr lang="en-US" dirty="0" err="1" smtClean="0"/>
-              <a:t>ón</a:t>
+              <a:t>Verificación</a:t>
             </a:r>
             <a:endParaRPr lang="en-US" dirty="0"/>
           </a:p>
@@ -7476,11 +7424,7 @@
             <a:pPr lvl="1"/>
             <a:r>
               <a:rPr lang="en-US" dirty="0" err="1" smtClean="0"/>
-              <a:t>Comparaci</a:t>
-            </a:r>
-            <a:r>
-              <a:rPr lang="en-US" dirty="0" err="1" smtClean="0"/>
-              <a:t>ón</a:t>
+              <a:t>Comparación</a:t>
             </a:r>
             <a:r>
               <a:rPr lang="en-US" dirty="0" smtClean="0"/>
@@ -7591,7 +7535,6 @@
               <a:rPr lang="en-US" dirty="0" smtClean="0"/>
               <a:t>.</a:t>
             </a:r>
-            <a:endParaRPr lang="en-US" dirty="0" smtClean="0"/>
           </a:p>
         </p:txBody>
       </p:sp>
@@ -7604,7 +7547,7 @@
 </file>
 
 <file path=ppt/slides/slide27.xml><?xml version="1.0" encoding="utf-8"?>
-<p:sld xmlns:a="http://schemas.openxmlformats.org/drawingml/2006/main" xmlns:r="http://schemas.openxmlformats.org/officeDocument/2006/relationships" xmlns:mc="http://schemas.openxmlformats.org/markup-compatibility/2006" xmlns:mv="urn:schemas-microsoft-com:mac:vml" xmlns:p="http://schemas.openxmlformats.org/presentationml/2006/main" mc:Ignorable="mv" mc:PreserveAttributes="mv:*">
+<p:sld xmlns:a="http://schemas.openxmlformats.org/drawingml/2006/main" xmlns:r="http://schemas.openxmlformats.org/officeDocument/2006/relationships" xmlns:p="http://schemas.openxmlformats.org/presentationml/2006/main">
   <p:cSld>
     <p:spTree>
       <p:nvGrpSpPr>
@@ -7637,11 +7580,7 @@
           <a:p>
             <a:r>
               <a:rPr lang="en-US" dirty="0" err="1" smtClean="0"/>
-              <a:t>N</a:t>
-            </a:r>
-            <a:r>
-              <a:rPr lang="en-US" dirty="0" err="1" smtClean="0"/>
-              <a:t>úmero</a:t>
+              <a:t>Número</a:t>
             </a:r>
             <a:r>
               <a:rPr lang="en-US" dirty="0" smtClean="0"/>
@@ -7731,11 +7670,7 @@
             </a:r>
             <a:r>
               <a:rPr lang="en-US" dirty="0" err="1" smtClean="0"/>
-              <a:t>significaci</a:t>
-            </a:r>
-            <a:r>
-              <a:rPr lang="en-US" dirty="0" err="1" smtClean="0"/>
-              <a:t>ón</a:t>
+              <a:t>significación</a:t>
             </a:r>
             <a:r>
               <a:rPr lang="en-US" dirty="0" smtClean="0"/>
@@ -7778,7 +7713,7 @@
 </file>
 
 <file path=ppt/slides/slide28.xml><?xml version="1.0" encoding="utf-8"?>
-<p:sld xmlns:a="http://schemas.openxmlformats.org/drawingml/2006/main" xmlns:r="http://schemas.openxmlformats.org/officeDocument/2006/relationships" xmlns:mc="http://schemas.openxmlformats.org/markup-compatibility/2006" xmlns:mv="urn:schemas-microsoft-com:mac:vml" xmlns:p="http://schemas.openxmlformats.org/presentationml/2006/main" mc:Ignorable="mv" mc:PreserveAttributes="mv:*">
+<p:sld xmlns:a="http://schemas.openxmlformats.org/drawingml/2006/main" xmlns:r="http://schemas.openxmlformats.org/officeDocument/2006/relationships" xmlns:p="http://schemas.openxmlformats.org/presentationml/2006/main">
   <p:cSld>
     <p:spTree>
       <p:nvGrpSpPr>
@@ -7841,6 +7776,64 @@
           </a:prstGeom>
         </p:spPr>
       </p:pic>
+      <p:sp>
+        <p:nvSpPr>
+          <p:cNvPr id="3" name="TextBox 2"/>
+          <p:cNvSpPr txBox="1"/>
+          <p:nvPr/>
+        </p:nvSpPr>
+        <p:spPr>
+          <a:xfrm>
+            <a:off x="2393872" y="4868298"/>
+            <a:ext cx="4356256" cy="307777"/>
+          </a:xfrm>
+          <a:prstGeom prst="rect">
+            <a:avLst/>
+          </a:prstGeom>
+          <a:noFill/>
+        </p:spPr>
+        <p:txBody>
+          <a:bodyPr wrap="none" rtlCol="0">
+            <a:spAutoFit/>
+          </a:bodyPr>
+          <a:lstStyle/>
+          <a:p>
+            <a:r>
+              <a:rPr lang="en-US" dirty="0" err="1" smtClean="0"/>
+              <a:t>Ingreso</a:t>
+            </a:r>
+            <a:r>
+              <a:rPr lang="en-US" dirty="0" smtClean="0"/>
+              <a:t> y </a:t>
+            </a:r>
+            <a:r>
+              <a:rPr lang="en-US" dirty="0" err="1" smtClean="0"/>
+              <a:t>Costo</a:t>
+            </a:r>
+            <a:r>
+              <a:rPr lang="en-US" dirty="0" smtClean="0"/>
+              <a:t> de </a:t>
+            </a:r>
+            <a:r>
+              <a:rPr lang="en-US" dirty="0" err="1" smtClean="0"/>
+              <a:t>Oportunidad</a:t>
+            </a:r>
+            <a:r>
+              <a:rPr lang="en-US" dirty="0" smtClean="0"/>
+              <a:t> en </a:t>
+            </a:r>
+            <a:r>
+              <a:rPr lang="en-US" dirty="0" err="1" smtClean="0"/>
+              <a:t>Millones</a:t>
+            </a:r>
+            <a:r>
+              <a:rPr lang="en-US" dirty="0" smtClean="0"/>
+              <a:t> de ARS</a:t>
+            </a:r>
+            <a:endParaRPr lang="en-US" dirty="0"/>
+          </a:p>
+        </p:txBody>
+      </p:sp>
     </p:spTree>
   </p:cSld>
   <p:clrMapOvr>
@@ -7850,7 +7843,7 @@
 </file>
 
 <file path=ppt/slides/slide29.xml><?xml version="1.0" encoding="utf-8"?>
-<p:sld xmlns:a="http://schemas.openxmlformats.org/drawingml/2006/main" xmlns:r="http://schemas.openxmlformats.org/officeDocument/2006/relationships" xmlns:mc="http://schemas.openxmlformats.org/markup-compatibility/2006" xmlns:mv="urn:schemas-microsoft-com:mac:vml" xmlns:p="http://schemas.openxmlformats.org/presentationml/2006/main" mc:Ignorable="mv" mc:PreserveAttributes="mv:*">
+<p:sld xmlns:a="http://schemas.openxmlformats.org/drawingml/2006/main" xmlns:r="http://schemas.openxmlformats.org/officeDocument/2006/relationships" xmlns:p="http://schemas.openxmlformats.org/presentationml/2006/main">
   <p:cSld>
     <p:spTree>
       <p:nvGrpSpPr>
@@ -7899,7 +7892,7 @@
 </file>
 
 <file path=ppt/slides/slide3.xml><?xml version="1.0" encoding="utf-8"?>
-<p:sld xmlns:a="http://schemas.openxmlformats.org/drawingml/2006/main" xmlns:r="http://schemas.openxmlformats.org/officeDocument/2006/relationships" xmlns:mc="http://schemas.openxmlformats.org/markup-compatibility/2006" xmlns:mv="urn:schemas-microsoft-com:mac:vml" xmlns:p="http://schemas.openxmlformats.org/presentationml/2006/main" mc:Ignorable="mv" mc:PreserveAttributes="mv:*">
+<p:sld xmlns:a="http://schemas.openxmlformats.org/drawingml/2006/main" xmlns:r="http://schemas.openxmlformats.org/officeDocument/2006/relationships" xmlns:p="http://schemas.openxmlformats.org/presentationml/2006/main">
   <p:cSld>
     <p:spTree>
       <p:nvGrpSpPr>
@@ -8121,13 +8114,13 @@
   <p:clrMapOvr>
     <a:masterClrMapping/>
   </p:clrMapOvr>
-  <p:transition spd="slow">
+  <p:transition xmlns:p14="http://schemas.microsoft.com/office/powerpoint/2010/main" spd="slow">
     <p:cut/>
   </p:transition>
   <p:timing>
     <p:tnLst>
       <p:par>
-        <p:cTn id="1" dur="indefinite" restart="never" nodeType="tmRoot"/>
+        <p:cTn xmlns:p14="http://schemas.microsoft.com/office/powerpoint/2010/main" id="1" dur="indefinite" restart="never" nodeType="tmRoot"/>
       </p:par>
     </p:tnLst>
   </p:timing>
@@ -8135,7 +8128,7 @@
 </file>
 
 <file path=ppt/slides/slide30.xml><?xml version="1.0" encoding="utf-8"?>
-<p:sld xmlns:a="http://schemas.openxmlformats.org/drawingml/2006/main" xmlns:r="http://schemas.openxmlformats.org/officeDocument/2006/relationships" xmlns:mc="http://schemas.openxmlformats.org/markup-compatibility/2006" xmlns:mv="urn:schemas-microsoft-com:mac:vml" xmlns:p="http://schemas.openxmlformats.org/presentationml/2006/main" mc:Ignorable="mv" mc:PreserveAttributes="mv:*">
+<p:sld xmlns:a="http://schemas.openxmlformats.org/drawingml/2006/main" xmlns:r="http://schemas.openxmlformats.org/officeDocument/2006/relationships" xmlns:p="http://schemas.openxmlformats.org/presentationml/2006/main">
   <p:cSld>
     <p:spTree>
       <p:nvGrpSpPr>
@@ -8184,7 +8177,7 @@
 </file>
 
 <file path=ppt/slides/slide31.xml><?xml version="1.0" encoding="utf-8"?>
-<p:sld xmlns:a="http://schemas.openxmlformats.org/drawingml/2006/main" xmlns:r="http://schemas.openxmlformats.org/officeDocument/2006/relationships" xmlns:mc="http://schemas.openxmlformats.org/markup-compatibility/2006" xmlns:mv="urn:schemas-microsoft-com:mac:vml" xmlns:p="http://schemas.openxmlformats.org/presentationml/2006/main" mc:Ignorable="mv" mc:PreserveAttributes="mv:*">
+<p:sld xmlns:a="http://schemas.openxmlformats.org/drawingml/2006/main" xmlns:r="http://schemas.openxmlformats.org/officeDocument/2006/relationships" xmlns:p="http://schemas.openxmlformats.org/presentationml/2006/main">
   <p:cSld>
     <p:spTree>
       <p:nvGrpSpPr>
@@ -8233,7 +8226,7 @@
 </file>
 
 <file path=ppt/slides/slide32.xml><?xml version="1.0" encoding="utf-8"?>
-<p:sld xmlns:a="http://schemas.openxmlformats.org/drawingml/2006/main" xmlns:r="http://schemas.openxmlformats.org/officeDocument/2006/relationships" xmlns:mc="http://schemas.openxmlformats.org/markup-compatibility/2006" xmlns:mv="urn:schemas-microsoft-com:mac:vml" xmlns:p="http://schemas.openxmlformats.org/presentationml/2006/main" mc:Ignorable="mv" mc:PreserveAttributes="mv:*">
+<p:sld xmlns:a="http://schemas.openxmlformats.org/drawingml/2006/main" xmlns:r="http://schemas.openxmlformats.org/officeDocument/2006/relationships" xmlns:p="http://schemas.openxmlformats.org/presentationml/2006/main">
   <p:cSld>
     <p:spTree>
       <p:nvGrpSpPr>
@@ -8328,11 +8321,7 @@
           <a:p>
             <a:r>
               <a:rPr lang="en-US" dirty="0" err="1" smtClean="0"/>
-              <a:t>Seg</a:t>
-            </a:r>
-            <a:r>
-              <a:rPr lang="en-US" dirty="0" err="1" smtClean="0"/>
-              <a:t>ún</a:t>
+              <a:t>Según</a:t>
             </a:r>
             <a:r>
               <a:rPr lang="en-US" dirty="0" smtClean="0"/>
@@ -8492,7 +8481,7 @@
 </file>
 
 <file path=ppt/slides/slide33.xml><?xml version="1.0" encoding="utf-8"?>
-<p:sld xmlns:a="http://schemas.openxmlformats.org/drawingml/2006/main" xmlns:r="http://schemas.openxmlformats.org/officeDocument/2006/relationships" xmlns:mc="http://schemas.openxmlformats.org/markup-compatibility/2006" xmlns:mv="urn:schemas-microsoft-com:mac:vml" xmlns:p="http://schemas.openxmlformats.org/presentationml/2006/main" mc:Ignorable="mv" mc:PreserveAttributes="mv:*">
+<p:sld xmlns:a="http://schemas.openxmlformats.org/drawingml/2006/main" xmlns:r="http://schemas.openxmlformats.org/officeDocument/2006/relationships" xmlns:p="http://schemas.openxmlformats.org/presentationml/2006/main">
   <p:cSld>
     <p:spTree>
       <p:nvGrpSpPr>
@@ -8525,11 +8514,7 @@
           <a:p>
             <a:r>
               <a:rPr lang="en-US" dirty="0" err="1" smtClean="0"/>
-              <a:t>Pr</a:t>
-            </a:r>
-            <a:r>
-              <a:rPr lang="en-US" dirty="0" err="1" smtClean="0"/>
-              <a:t>óximos</a:t>
+              <a:t>Próximos</a:t>
             </a:r>
             <a:r>
               <a:rPr lang="en-US" dirty="0" smtClean="0"/>
@@ -8576,11 +8561,7 @@
             </a:r>
             <a:r>
               <a:rPr lang="en-US" dirty="0" err="1" smtClean="0"/>
-              <a:t>decisi</a:t>
-            </a:r>
-            <a:r>
-              <a:rPr lang="en-US" dirty="0" err="1" smtClean="0"/>
-              <a:t>ón</a:t>
+              <a:t>decisión</a:t>
             </a:r>
             <a:r>
               <a:rPr lang="en-US" dirty="0" smtClean="0"/>
@@ -8627,6 +8608,30 @@
               <a:rPr lang="en-US" dirty="0" smtClean="0"/>
               <a:t>.</a:t>
             </a:r>
+          </a:p>
+          <a:p>
+            <a:pPr lvl="1"/>
+            <a:r>
+              <a:rPr lang="en-US" dirty="0" err="1" smtClean="0"/>
+              <a:t>Encontrar</a:t>
+            </a:r>
+            <a:r>
+              <a:rPr lang="en-US" dirty="0" smtClean="0"/>
+              <a:t> </a:t>
+            </a:r>
+            <a:r>
+              <a:rPr lang="en-US" dirty="0" err="1" smtClean="0"/>
+              <a:t>punto</a:t>
+            </a:r>
+            <a:r>
+              <a:rPr lang="en-US" dirty="0" smtClean="0"/>
+              <a:t> de </a:t>
+            </a:r>
+            <a:r>
+              <a:rPr lang="en-US" dirty="0" err="1" smtClean="0"/>
+              <a:t>quiebre</a:t>
+            </a:r>
+            <a:endParaRPr lang="en-US" dirty="0" smtClean="0"/>
           </a:p>
           <a:p>
             <a:endParaRPr lang="en-US" dirty="0" smtClean="0"/>
@@ -8669,7 +8674,7 @@
 </file>
 
 <file path=ppt/slides/slide34.xml><?xml version="1.0" encoding="utf-8"?>
-<p:sld xmlns:a="http://schemas.openxmlformats.org/drawingml/2006/main" xmlns:r="http://schemas.openxmlformats.org/officeDocument/2006/relationships" xmlns:mc="http://schemas.openxmlformats.org/markup-compatibility/2006" xmlns:mv="urn:schemas-microsoft-com:mac:vml" xmlns:p="http://schemas.openxmlformats.org/presentationml/2006/main" mc:Ignorable="mv" mc:PreserveAttributes="mv:*">
+<p:sld xmlns:a="http://schemas.openxmlformats.org/drawingml/2006/main" xmlns:r="http://schemas.openxmlformats.org/officeDocument/2006/relationships" xmlns:p="http://schemas.openxmlformats.org/presentationml/2006/main">
   <p:cSld>
     <p:spTree>
       <p:nvGrpSpPr>
@@ -8848,13 +8853,13 @@
   <p:clrMapOvr>
     <a:masterClrMapping/>
   </p:clrMapOvr>
-  <p:transition spd="slow">
+  <p:transition xmlns:p14="http://schemas.microsoft.com/office/powerpoint/2010/main" spd="slow">
     <p:cut/>
   </p:transition>
   <p:timing>
     <p:tnLst>
       <p:par>
-        <p:cTn id="1" dur="indefinite" restart="never" nodeType="tmRoot"/>
+        <p:cTn xmlns:p14="http://schemas.microsoft.com/office/powerpoint/2010/main" id="1" dur="indefinite" restart="never" nodeType="tmRoot"/>
       </p:par>
     </p:tnLst>
   </p:timing>
@@ -8862,7 +8867,7 @@
 </file>
 
 <file path=ppt/slides/slide35.xml><?xml version="1.0" encoding="utf-8"?>
-<p:sld xmlns:a="http://schemas.openxmlformats.org/drawingml/2006/main" xmlns:r="http://schemas.openxmlformats.org/officeDocument/2006/relationships" xmlns:mc="http://schemas.openxmlformats.org/markup-compatibility/2006" xmlns:mv="urn:schemas-microsoft-com:mac:vml" xmlns:p="http://schemas.openxmlformats.org/presentationml/2006/main" mc:Ignorable="mv" mc:PreserveAttributes="mv:*">
+<p:sld xmlns:a="http://schemas.openxmlformats.org/drawingml/2006/main" xmlns:r="http://schemas.openxmlformats.org/officeDocument/2006/relationships" xmlns:p="http://schemas.openxmlformats.org/presentationml/2006/main">
   <p:cSld>
     <p:spTree>
       <p:nvGrpSpPr>
@@ -8976,13 +8981,13 @@
   <p:clrMapOvr>
     <a:masterClrMapping/>
   </p:clrMapOvr>
-  <p:transition spd="slow">
+  <p:transition xmlns:p14="http://schemas.microsoft.com/office/powerpoint/2010/main" spd="slow">
     <p:cut/>
   </p:transition>
   <p:timing>
     <p:tnLst>
       <p:par>
-        <p:cTn id="1" dur="indefinite" restart="never" nodeType="tmRoot"/>
+        <p:cTn xmlns:p14="http://schemas.microsoft.com/office/powerpoint/2010/main" id="1" dur="indefinite" restart="never" nodeType="tmRoot"/>
       </p:par>
     </p:tnLst>
   </p:timing>
@@ -8990,7 +8995,7 @@
 </file>
 
 <file path=ppt/slides/slide4.xml><?xml version="1.0" encoding="utf-8"?>
-<p:sld xmlns:a="http://schemas.openxmlformats.org/drawingml/2006/main" xmlns:r="http://schemas.openxmlformats.org/officeDocument/2006/relationships" xmlns:mc="http://schemas.openxmlformats.org/markup-compatibility/2006" xmlns:mv="urn:schemas-microsoft-com:mac:vml" xmlns:p="http://schemas.openxmlformats.org/presentationml/2006/main" mc:Ignorable="mv" mc:PreserveAttributes="mv:*">
+<p:sld xmlns:a="http://schemas.openxmlformats.org/drawingml/2006/main" xmlns:r="http://schemas.openxmlformats.org/officeDocument/2006/relationships" xmlns:p="http://schemas.openxmlformats.org/presentationml/2006/main">
   <p:cSld>
     <p:spTree>
       <p:nvGrpSpPr>
@@ -9126,13 +9131,13 @@
   <p:clrMapOvr>
     <a:masterClrMapping/>
   </p:clrMapOvr>
-  <p:transition spd="slow">
+  <p:transition xmlns:p14="http://schemas.microsoft.com/office/powerpoint/2010/main" spd="slow">
     <p:cut/>
   </p:transition>
   <p:timing>
     <p:tnLst>
       <p:par>
-        <p:cTn id="1" dur="indefinite" restart="never" nodeType="tmRoot"/>
+        <p:cTn xmlns:p14="http://schemas.microsoft.com/office/powerpoint/2010/main" id="1" dur="indefinite" restart="never" nodeType="tmRoot"/>
       </p:par>
     </p:tnLst>
   </p:timing>
@@ -9140,7 +9145,7 @@
 </file>
 
 <file path=ppt/slides/slide5.xml><?xml version="1.0" encoding="utf-8"?>
-<p:sld xmlns:a="http://schemas.openxmlformats.org/drawingml/2006/main" xmlns:r="http://schemas.openxmlformats.org/officeDocument/2006/relationships" xmlns:mc="http://schemas.openxmlformats.org/markup-compatibility/2006" xmlns:mv="urn:schemas-microsoft-com:mac:vml" xmlns:p="http://schemas.openxmlformats.org/presentationml/2006/main" mc:Ignorable="mv" mc:PreserveAttributes="mv:*">
+<p:sld xmlns:a="http://schemas.openxmlformats.org/drawingml/2006/main" xmlns:r="http://schemas.openxmlformats.org/officeDocument/2006/relationships" xmlns:p="http://schemas.openxmlformats.org/presentationml/2006/main">
   <p:cSld>
     <p:spTree>
       <p:nvGrpSpPr>
@@ -9301,13 +9306,13 @@
   <p:clrMapOvr>
     <a:masterClrMapping/>
   </p:clrMapOvr>
-  <p:transition spd="slow">
+  <p:transition xmlns:p14="http://schemas.microsoft.com/office/powerpoint/2010/main" spd="slow">
     <p:cut/>
   </p:transition>
   <p:timing>
     <p:tnLst>
       <p:par>
-        <p:cTn id="1" dur="indefinite" restart="never" nodeType="tmRoot"/>
+        <p:cTn xmlns:p14="http://schemas.microsoft.com/office/powerpoint/2010/main" id="1" dur="indefinite" restart="never" nodeType="tmRoot"/>
       </p:par>
     </p:tnLst>
   </p:timing>
@@ -9315,7 +9320,7 @@
 </file>
 
 <file path=ppt/slides/slide6.xml><?xml version="1.0" encoding="utf-8"?>
-<p:sld xmlns:a="http://schemas.openxmlformats.org/drawingml/2006/main" xmlns:r="http://schemas.openxmlformats.org/officeDocument/2006/relationships" xmlns:mc="http://schemas.openxmlformats.org/markup-compatibility/2006" xmlns:mv="urn:schemas-microsoft-com:mac:vml" xmlns:p="http://schemas.openxmlformats.org/presentationml/2006/main" mc:Ignorable="mv" mc:PreserveAttributes="mv:*">
+<p:sld xmlns:a="http://schemas.openxmlformats.org/drawingml/2006/main" xmlns:r="http://schemas.openxmlformats.org/officeDocument/2006/relationships" xmlns:p="http://schemas.openxmlformats.org/presentationml/2006/main">
   <p:cSld>
     <p:spTree>
       <p:nvGrpSpPr>
@@ -9432,13 +9437,13 @@
   <p:clrMapOvr>
     <a:masterClrMapping/>
   </p:clrMapOvr>
-  <p:transition spd="slow">
+  <p:transition xmlns:p14="http://schemas.microsoft.com/office/powerpoint/2010/main" spd="slow">
     <p:cut/>
   </p:transition>
   <p:timing>
     <p:tnLst>
       <p:par>
-        <p:cTn id="1" dur="indefinite" restart="never" nodeType="tmRoot"/>
+        <p:cTn xmlns:p14="http://schemas.microsoft.com/office/powerpoint/2010/main" id="1" dur="indefinite" restart="never" nodeType="tmRoot"/>
       </p:par>
     </p:tnLst>
   </p:timing>
@@ -9446,7 +9451,7 @@
 </file>
 
 <file path=ppt/slides/slide7.xml><?xml version="1.0" encoding="utf-8"?>
-<p:sld xmlns:a="http://schemas.openxmlformats.org/drawingml/2006/main" xmlns:r="http://schemas.openxmlformats.org/officeDocument/2006/relationships" xmlns:mc="http://schemas.openxmlformats.org/markup-compatibility/2006" xmlns:mv="urn:schemas-microsoft-com:mac:vml" xmlns:p="http://schemas.openxmlformats.org/presentationml/2006/main" mc:Ignorable="mv" mc:PreserveAttributes="mv:*">
+<p:sld xmlns:a="http://schemas.openxmlformats.org/drawingml/2006/main" xmlns:r="http://schemas.openxmlformats.org/officeDocument/2006/relationships" xmlns:p="http://schemas.openxmlformats.org/presentationml/2006/main">
   <p:cSld>
     <p:spTree>
       <p:nvGrpSpPr>
@@ -9649,7 +9654,7 @@
           <a:blip r:embed="rId3">
             <a:extLst>
               <a:ext uri="{28A0092B-C50C-407E-A947-70E740481C1C}">
-                <a14:useLocalDpi xmlns:a14="http://schemas.microsoft.com/office/drawing/2010/main" xmlns:p="http://schemas.openxmlformats.org/presentationml/2006/main" xmlns:r="http://schemas.openxmlformats.org/officeDocument/2006/relationships" xmlns:a="http://schemas.openxmlformats.org/drawingml/2006/main" xmlns="" val="0"/>
+                <a14:useLocalDpi xmlns:a14="http://schemas.microsoft.com/office/drawing/2010/main" val="0"/>
               </a:ext>
             </a:extLst>
           </a:blip>
@@ -9672,13 +9677,13 @@
   <p:clrMapOvr>
     <a:masterClrMapping/>
   </p:clrMapOvr>
-  <p:transition spd="slow">
+  <p:transition xmlns:p14="http://schemas.microsoft.com/office/powerpoint/2010/main" spd="slow">
     <p:cut/>
   </p:transition>
   <p:timing>
     <p:tnLst>
       <p:par>
-        <p:cTn id="1" dur="indefinite" restart="never" nodeType="tmRoot"/>
+        <p:cTn xmlns:p14="http://schemas.microsoft.com/office/powerpoint/2010/main" id="1" dur="indefinite" restart="never" nodeType="tmRoot"/>
       </p:par>
     </p:tnLst>
   </p:timing>
@@ -9686,7 +9691,7 @@
 </file>
 
 <file path=ppt/slides/slide8.xml><?xml version="1.0" encoding="utf-8"?>
-<p:sld xmlns:a="http://schemas.openxmlformats.org/drawingml/2006/main" xmlns:r="http://schemas.openxmlformats.org/officeDocument/2006/relationships" xmlns:mc="http://schemas.openxmlformats.org/markup-compatibility/2006" xmlns:mv="urn:schemas-microsoft-com:mac:vml" xmlns:p="http://schemas.openxmlformats.org/presentationml/2006/main" mc:Ignorable="mv" mc:PreserveAttributes="mv:*">
+<p:sld xmlns:a="http://schemas.openxmlformats.org/drawingml/2006/main" xmlns:r="http://schemas.openxmlformats.org/officeDocument/2006/relationships" xmlns:p="http://schemas.openxmlformats.org/presentationml/2006/main">
   <p:cSld>
     <p:spTree>
       <p:nvGrpSpPr>
@@ -9833,13 +9838,13 @@
   <p:clrMapOvr>
     <a:masterClrMapping/>
   </p:clrMapOvr>
-  <p:transition spd="slow">
+  <p:transition xmlns:p14="http://schemas.microsoft.com/office/powerpoint/2010/main" spd="slow">
     <p:cut/>
   </p:transition>
   <p:timing>
     <p:tnLst>
       <p:par>
-        <p:cTn id="1" dur="indefinite" restart="never" nodeType="tmRoot"/>
+        <p:cTn xmlns:p14="http://schemas.microsoft.com/office/powerpoint/2010/main" id="1" dur="indefinite" restart="never" nodeType="tmRoot"/>
       </p:par>
     </p:tnLst>
   </p:timing>
@@ -9847,7 +9852,7 @@
 </file>
 
 <file path=ppt/slides/slide9.xml><?xml version="1.0" encoding="utf-8"?>
-<p:sld xmlns:a="http://schemas.openxmlformats.org/drawingml/2006/main" xmlns:r="http://schemas.openxmlformats.org/officeDocument/2006/relationships" xmlns:mc="http://schemas.openxmlformats.org/markup-compatibility/2006" xmlns:mv="urn:schemas-microsoft-com:mac:vml" xmlns:p="http://schemas.openxmlformats.org/presentationml/2006/main" mc:Ignorable="mv" mc:PreserveAttributes="mv:*">
+<p:sld xmlns:a="http://schemas.openxmlformats.org/drawingml/2006/main" xmlns:r="http://schemas.openxmlformats.org/officeDocument/2006/relationships" xmlns:p="http://schemas.openxmlformats.org/presentationml/2006/main">
   <p:cSld>
     <p:spTree>
       <p:nvGrpSpPr>

--- a/presentacion.pptx
+++ b/presentacion.pptx
@@ -572,7 +572,7 @@
   <p:cSld>
     <p:spTree>
       <p:nvGrpSpPr>
-        <p:cNvPr id="1" name="Shape 90"/>
+        <p:cNvPr id="1" name="Shape 84"/>
         <p:cNvGrpSpPr/>
         <p:nvPr/>
       </p:nvGrpSpPr>
@@ -586,7 +586,7 @@
       </p:grpSpPr>
       <p:sp>
         <p:nvSpPr>
-          <p:cNvPr id="91" name="Shape 91"/>
+          <p:cNvPr id="85" name="Shape 85"/>
           <p:cNvSpPr>
             <a:spLocks noGrp="1" noRot="1" noChangeAspect="1"/>
           </p:cNvSpPr>
@@ -596,8 +596,8 @@
         </p:nvSpPr>
         <p:spPr>
           <a:xfrm>
-            <a:off x="1143000" y="685800"/>
-            <a:ext cx="4572000" cy="3429000"/>
+            <a:off x="1143225" y="685800"/>
+            <a:ext cx="4572299" cy="3429000"/>
           </a:xfrm>
           <a:custGeom>
             <a:avLst/>
@@ -627,7 +627,7 @@
       </p:sp>
       <p:sp>
         <p:nvSpPr>
-          <p:cNvPr id="92" name="Shape 92"/>
+          <p:cNvPr id="86" name="Shape 86"/>
           <p:cNvSpPr txBox="1">
             <a:spLocks noGrp="1"/>
           </p:cNvSpPr>
@@ -651,6 +651,18 @@
           <a:lstStyle/>
           <a:p>
             <a:endParaRPr dirty="0"/>
+          </a:p>
+          <a:p>
+            <a:r>
+              <a:rPr dirty="0"/>
+              <a:t>----- Meeting Notes (27/06/13 21:27) -----</a:t>
+            </a:r>
+          </a:p>
+          <a:p>
+            <a:r>
+              <a:rPr dirty="0"/>
+              <a:t>aclarar tiempos, vease T y duracion de periodo</a:t>
+            </a:r>
           </a:p>
         </p:txBody>
       </p:sp>
@@ -667,7 +679,7 @@
   <p:cSld>
     <p:spTree>
       <p:nvGrpSpPr>
-        <p:cNvPr id="1" name="Shape 96"/>
+        <p:cNvPr id="1" name="Shape 90"/>
         <p:cNvGrpSpPr/>
         <p:nvPr/>
       </p:nvGrpSpPr>
@@ -681,7 +693,7 @@
       </p:grpSpPr>
       <p:sp>
         <p:nvSpPr>
-          <p:cNvPr id="97" name="Shape 97"/>
+          <p:cNvPr id="91" name="Shape 91"/>
           <p:cNvSpPr>
             <a:spLocks noGrp="1" noRot="1" noChangeAspect="1"/>
           </p:cNvSpPr>
@@ -722,7 +734,7 @@
       </p:sp>
       <p:sp>
         <p:nvSpPr>
-          <p:cNvPr id="98" name="Shape 98"/>
+          <p:cNvPr id="92" name="Shape 92"/>
           <p:cNvSpPr txBox="1">
             <a:spLocks noGrp="1"/>
           </p:cNvSpPr>
@@ -762,7 +774,7 @@
   <p:cSld>
     <p:spTree>
       <p:nvGrpSpPr>
-        <p:cNvPr id="1" name="Shape 102"/>
+        <p:cNvPr id="1" name="Shape 96"/>
         <p:cNvGrpSpPr/>
         <p:nvPr/>
       </p:nvGrpSpPr>
@@ -776,7 +788,7 @@
       </p:grpSpPr>
       <p:sp>
         <p:nvSpPr>
-          <p:cNvPr id="103" name="Shape 103"/>
+          <p:cNvPr id="97" name="Shape 97"/>
           <p:cNvSpPr>
             <a:spLocks noGrp="1" noRot="1" noChangeAspect="1"/>
           </p:cNvSpPr>
@@ -817,7 +829,7 @@
       </p:sp>
       <p:sp>
         <p:nvSpPr>
-          <p:cNvPr id="104" name="Shape 104"/>
+          <p:cNvPr id="98" name="Shape 98"/>
           <p:cNvSpPr txBox="1">
             <a:spLocks noGrp="1"/>
           </p:cNvSpPr>
@@ -840,7 +852,7 @@
           </a:bodyPr>
           <a:lstStyle/>
           <a:p>
-            <a:endParaRPr/>
+            <a:endParaRPr dirty="0"/>
           </a:p>
         </p:txBody>
       </p:sp>
@@ -857,7 +869,7 @@
   <p:cSld>
     <p:spTree>
       <p:nvGrpSpPr>
-        <p:cNvPr id="1" name="Shape 108"/>
+        <p:cNvPr id="1" name="Shape 102"/>
         <p:cNvGrpSpPr/>
         <p:nvPr/>
       </p:nvGrpSpPr>
@@ -871,7 +883,7 @@
       </p:grpSpPr>
       <p:sp>
         <p:nvSpPr>
-          <p:cNvPr id="109" name="Shape 109"/>
+          <p:cNvPr id="103" name="Shape 103"/>
           <p:cNvSpPr>
             <a:spLocks noGrp="1" noRot="1" noChangeAspect="1"/>
           </p:cNvSpPr>
@@ -912,7 +924,7 @@
       </p:sp>
       <p:sp>
         <p:nvSpPr>
-          <p:cNvPr id="110" name="Shape 110"/>
+          <p:cNvPr id="104" name="Shape 104"/>
           <p:cNvSpPr txBox="1">
             <a:spLocks noGrp="1"/>
           </p:cNvSpPr>
@@ -935,32 +947,18 @@
           </a:bodyPr>
           <a:lstStyle/>
           <a:p>
-            <a:endParaRPr dirty="0"/>
-          </a:p>
-          <a:p>
-            <a:r>
-              <a:rPr dirty="0"/>
-              <a:t>----- Meeting Notes (13/06/13 20:56) -----</a:t>
-            </a:r>
-          </a:p>
-          <a:p>
-            <a:r>
-              <a:rPr dirty="0"/>
-              <a:t>especificar la media n </a:t>
-            </a:r>
-            <a:r>
-              <a:rPr dirty="0" smtClean="0"/>
-              <a:t>shit</a:t>
-            </a:r>
-            <a:endParaRPr dirty="0"/>
-          </a:p>
-          <a:p>
-            <a:endParaRPr dirty="0"/>
-          </a:p>
-          <a:p>
-            <a:r>
-              <a:rPr dirty="0"/>
-              <a:t>insertar graficos en esta filmina que demuestren cuanto toma cada uno</a:t>
+            <a:endParaRPr/>
+          </a:p>
+          <a:p>
+            <a:r>
+              <a:rPr/>
+              <a:t>----- Meeting Notes (27/06/13 21:27) -----</a:t>
+            </a:r>
+          </a:p>
+          <a:p>
+            <a:r>
+              <a:rPr/>
+              <a:t>mergear esta diapo y la anterior (y dar vuelta el orden)</a:t>
             </a:r>
           </a:p>
         </p:txBody>
@@ -978,7 +976,7 @@
   <p:cSld>
     <p:spTree>
       <p:nvGrpSpPr>
-        <p:cNvPr id="1" name="Shape 115"/>
+        <p:cNvPr id="1" name="Shape 108"/>
         <p:cNvGrpSpPr/>
         <p:nvPr/>
       </p:nvGrpSpPr>
@@ -992,7 +990,7 @@
       </p:grpSpPr>
       <p:sp>
         <p:nvSpPr>
-          <p:cNvPr id="116" name="Shape 116"/>
+          <p:cNvPr id="109" name="Shape 109"/>
           <p:cNvSpPr>
             <a:spLocks noGrp="1" noRot="1" noChangeAspect="1"/>
           </p:cNvSpPr>
@@ -1033,7 +1031,7 @@
       </p:sp>
       <p:sp>
         <p:nvSpPr>
-          <p:cNvPr id="117" name="Shape 117"/>
+          <p:cNvPr id="110" name="Shape 110"/>
           <p:cNvSpPr txBox="1">
             <a:spLocks noGrp="1"/>
           </p:cNvSpPr>
@@ -1056,7 +1054,54 @@
           </a:bodyPr>
           <a:lstStyle/>
           <a:p>
-            <a:endParaRPr/>
+            <a:endParaRPr dirty="0"/>
+          </a:p>
+          <a:p>
+            <a:r>
+              <a:rPr dirty="0"/>
+              <a:t>----- Meeting Notes (13/06/13 20:56) -----</a:t>
+            </a:r>
+          </a:p>
+          <a:p>
+            <a:r>
+              <a:rPr dirty="0"/>
+              <a:t>especificar la media n </a:t>
+            </a:r>
+            <a:r>
+              <a:rPr dirty="0" smtClean="0"/>
+              <a:t>shit</a:t>
+            </a:r>
+            <a:endParaRPr dirty="0"/>
+          </a:p>
+          <a:p>
+            <a:endParaRPr dirty="0"/>
+          </a:p>
+          <a:p>
+            <a:r>
+              <a:rPr dirty="0"/>
+              <a:t>insertar graficos en esta filmina que demuestren cuanto toma cada uno</a:t>
+            </a:r>
+          </a:p>
+          <a:p>
+            <a:r>
+              <a:rPr dirty="0"/>
+              <a:t>----- Meeting Notes (27/06/13 21:27) -----</a:t>
+            </a:r>
+          </a:p>
+          <a:p>
+            <a:r>
+              <a:rPr dirty="0"/>
+              <a:t>remover grafico de esta?</a:t>
+            </a:r>
+          </a:p>
+          <a:p>
+            <a:endParaRPr dirty="0"/>
+          </a:p>
+          <a:p>
+            <a:r>
+              <a:rPr dirty="0"/>
+              <a:t>confunde a serie de tiempo</a:t>
+            </a:r>
           </a:p>
         </p:txBody>
       </p:sp>
@@ -1069,11 +1114,11 @@
 </file>
 
 <file path=ppt/notesSlides/notesSlide15.xml><?xml version="1.0" encoding="utf-8"?>
-<p:notes xmlns:a="http://schemas.openxmlformats.org/drawingml/2006/main" xmlns:r="http://schemas.openxmlformats.org/officeDocument/2006/relationships" xmlns:p="http://schemas.openxmlformats.org/presentationml/2006/main" showMasterSp="0" showMasterPhAnim="0">
+<p:notes xmlns:a="http://schemas.openxmlformats.org/drawingml/2006/main" xmlns:r="http://schemas.openxmlformats.org/officeDocument/2006/relationships" xmlns:p="http://schemas.openxmlformats.org/presentationml/2006/main">
   <p:cSld>
     <p:spTree>
       <p:nvGrpSpPr>
-        <p:cNvPr id="1" name="Shape 121"/>
+        <p:cNvPr id="1" name=""/>
         <p:cNvGrpSpPr/>
         <p:nvPr/>
       </p:nvGrpSpPr>
@@ -1087,7 +1132,168 @@
       </p:grpSpPr>
       <p:sp>
         <p:nvSpPr>
-          <p:cNvPr id="122" name="Shape 122"/>
+          <p:cNvPr id="2" name="Slide Image Placeholder 1"/>
+          <p:cNvSpPr>
+            <a:spLocks noGrp="1" noRot="1" noChangeAspect="1"/>
+          </p:cNvSpPr>
+          <p:nvPr>
+            <p:ph type="sldImg"/>
+          </p:nvPr>
+        </p:nvSpPr>
+        <p:spPr/>
+      </p:sp>
+      <p:sp>
+        <p:nvSpPr>
+          <p:cNvPr id="3" name="Notes Placeholder 2"/>
+          <p:cNvSpPr>
+            <a:spLocks noGrp="1"/>
+          </p:cNvSpPr>
+          <p:nvPr>
+            <p:ph type="body" idx="1"/>
+          </p:nvPr>
+        </p:nvSpPr>
+        <p:spPr/>
+        <p:txBody>
+          <a:bodyPr/>
+          <a:lstStyle/>
+          <a:p>
+            <a:endParaRPr lang="en-US"/>
+          </a:p>
+          <a:p>
+            <a:r>
+              <a:rPr lang="en-US"/>
+              <a:t>----- Meeting Notes (27/06/13 21:27) -----</a:t>
+            </a:r>
+          </a:p>
+          <a:p>
+            <a:r>
+              <a:rPr lang="en-US"/>
+              <a:t>confunde, again</a:t>
+            </a:r>
+          </a:p>
+          <a:p>
+            <a:endParaRPr lang="en-US"/>
+          </a:p>
+          <a:p>
+            <a:r>
+              <a:rPr lang="en-US"/>
+              <a:t>layout horizontal en vez de vertical, merge con la anterior</a:t>
+            </a:r>
+          </a:p>
+        </p:txBody>
+      </p:sp>
+    </p:spTree>
+    <p:extLst>
+      <p:ext uri="{BB962C8B-B14F-4D97-AF65-F5344CB8AC3E}">
+        <p14:creationId xmlns:p14="http://schemas.microsoft.com/office/powerpoint/2010/main" val="2739947107"/>
+      </p:ext>
+    </p:extLst>
+  </p:cSld>
+  <p:clrMapOvr>
+    <a:masterClrMapping/>
+  </p:clrMapOvr>
+</p:notes>
+</file>
+
+<file path=ppt/notesSlides/notesSlide16.xml><?xml version="1.0" encoding="utf-8"?>
+<p:notes xmlns:a="http://schemas.openxmlformats.org/drawingml/2006/main" xmlns:r="http://schemas.openxmlformats.org/officeDocument/2006/relationships" xmlns:p="http://schemas.openxmlformats.org/presentationml/2006/main">
+  <p:cSld>
+    <p:spTree>
+      <p:nvGrpSpPr>
+        <p:cNvPr id="1" name=""/>
+        <p:cNvGrpSpPr/>
+        <p:nvPr/>
+      </p:nvGrpSpPr>
+      <p:grpSpPr>
+        <a:xfrm>
+          <a:off x="0" y="0"/>
+          <a:ext cx="0" cy="0"/>
+          <a:chOff x="0" y="0"/>
+          <a:chExt cx="0" cy="0"/>
+        </a:xfrm>
+      </p:grpSpPr>
+      <p:sp>
+        <p:nvSpPr>
+          <p:cNvPr id="2" name="Slide Image Placeholder 1"/>
+          <p:cNvSpPr>
+            <a:spLocks noGrp="1" noRot="1" noChangeAspect="1"/>
+          </p:cNvSpPr>
+          <p:nvPr>
+            <p:ph type="sldImg"/>
+          </p:nvPr>
+        </p:nvSpPr>
+        <p:spPr/>
+      </p:sp>
+      <p:sp>
+        <p:nvSpPr>
+          <p:cNvPr id="3" name="Notes Placeholder 2"/>
+          <p:cNvSpPr>
+            <a:spLocks noGrp="1"/>
+          </p:cNvSpPr>
+          <p:nvPr>
+            <p:ph type="body" idx="1"/>
+          </p:nvPr>
+        </p:nvSpPr>
+        <p:spPr/>
+        <p:txBody>
+          <a:bodyPr/>
+          <a:lstStyle/>
+          <a:p>
+            <a:endParaRPr lang="en-US"/>
+          </a:p>
+          <a:p>
+            <a:r>
+              <a:rPr lang="en-US"/>
+              <a:t>----- Meeting Notes (27/06/13 21:27) -----</a:t>
+            </a:r>
+          </a:p>
+          <a:p>
+            <a:r>
+              <a:rPr lang="en-US"/>
+              <a:t>graficos, no histogramas</a:t>
+            </a:r>
+          </a:p>
+          <a:p>
+            <a:r>
+              <a:rPr lang="en-US"/>
+              <a:t>que se pueda comparar entre tamaños</a:t>
+            </a:r>
+          </a:p>
+        </p:txBody>
+      </p:sp>
+    </p:spTree>
+    <p:extLst>
+      <p:ext uri="{BB962C8B-B14F-4D97-AF65-F5344CB8AC3E}">
+        <p14:creationId xmlns:p14="http://schemas.microsoft.com/office/powerpoint/2010/main" val="552037487"/>
+      </p:ext>
+    </p:extLst>
+  </p:cSld>
+  <p:clrMapOvr>
+    <a:masterClrMapping/>
+  </p:clrMapOvr>
+</p:notes>
+</file>
+
+<file path=ppt/notesSlides/notesSlide17.xml><?xml version="1.0" encoding="utf-8"?>
+<p:notes xmlns:a="http://schemas.openxmlformats.org/drawingml/2006/main" xmlns:r="http://schemas.openxmlformats.org/officeDocument/2006/relationships" xmlns:p="http://schemas.openxmlformats.org/presentationml/2006/main" showMasterSp="0" showMasterPhAnim="0">
+  <p:cSld>
+    <p:spTree>
+      <p:nvGrpSpPr>
+        <p:cNvPr id="1" name="Shape 115"/>
+        <p:cNvGrpSpPr/>
+        <p:nvPr/>
+      </p:nvGrpSpPr>
+      <p:grpSpPr>
+        <a:xfrm>
+          <a:off x="0" y="0"/>
+          <a:ext cx="0" cy="0"/>
+          <a:chOff x="0" y="0"/>
+          <a:chExt cx="0" cy="0"/>
+        </a:xfrm>
+      </p:grpSpPr>
+      <p:sp>
+        <p:nvSpPr>
+          <p:cNvPr id="116" name="Shape 116"/>
           <p:cNvSpPr>
             <a:spLocks noGrp="1" noRot="1" noChangeAspect="1"/>
           </p:cNvSpPr>
@@ -1128,7 +1334,7 @@
       </p:sp>
       <p:sp>
         <p:nvSpPr>
-          <p:cNvPr id="123" name="Shape 123"/>
+          <p:cNvPr id="117" name="Shape 117"/>
           <p:cNvSpPr txBox="1">
             <a:spLocks noGrp="1"/>
           </p:cNvSpPr>
@@ -1152,16 +1358,6 @@
           <a:lstStyle/>
           <a:p>
             <a:endParaRPr/>
-          </a:p>
-          <a:p>
-            <a:r>
-              <a:t>----- Meeting Notes (13/06/13 20:56) -----</a:t>
-            </a:r>
-          </a:p>
-          <a:p>
-            <a:r>
-              <a:t>añadir el plan de cuadros en una filmina</a:t>
-            </a:r>
           </a:p>
         </p:txBody>
       </p:sp>
@@ -1173,12 +1369,12 @@
 </p:notes>
 </file>
 
-<file path=ppt/notesSlides/notesSlide16.xml><?xml version="1.0" encoding="utf-8"?>
+<file path=ppt/notesSlides/notesSlide18.xml><?xml version="1.0" encoding="utf-8"?>
 <p:notes xmlns:a="http://schemas.openxmlformats.org/drawingml/2006/main" xmlns:r="http://schemas.openxmlformats.org/officeDocument/2006/relationships" xmlns:p="http://schemas.openxmlformats.org/presentationml/2006/main" showMasterSp="0" showMasterPhAnim="0">
   <p:cSld>
     <p:spTree>
       <p:nvGrpSpPr>
-        <p:cNvPr id="1" name="Shape 131"/>
+        <p:cNvPr id="1" name="Shape 121"/>
         <p:cNvGrpSpPr/>
         <p:nvPr/>
       </p:nvGrpSpPr>
@@ -1192,7 +1388,7 @@
       </p:grpSpPr>
       <p:sp>
         <p:nvSpPr>
-          <p:cNvPr id="132" name="Shape 132"/>
+          <p:cNvPr id="122" name="Shape 122"/>
           <p:cNvSpPr>
             <a:spLocks noGrp="1" noRot="1" noChangeAspect="1"/>
           </p:cNvSpPr>
@@ -1202,8 +1398,8 @@
         </p:nvSpPr>
         <p:spPr>
           <a:xfrm>
-            <a:off x="1143225" y="685800"/>
-            <a:ext cx="4572299" cy="3429000"/>
+            <a:off x="1143000" y="685800"/>
+            <a:ext cx="4572000" cy="3429000"/>
           </a:xfrm>
           <a:custGeom>
             <a:avLst/>
@@ -1233,7 +1429,7 @@
       </p:sp>
       <p:sp>
         <p:nvSpPr>
-          <p:cNvPr id="133" name="Shape 133"/>
+          <p:cNvPr id="123" name="Shape 123"/>
           <p:cNvSpPr txBox="1">
             <a:spLocks noGrp="1"/>
           </p:cNvSpPr>
@@ -1257,6 +1453,16 @@
           <a:lstStyle/>
           <a:p>
             <a:endParaRPr/>
+          </a:p>
+          <a:p>
+            <a:r>
+              <a:t>----- Meeting Notes (13/06/13 20:56) -----</a:t>
+            </a:r>
+          </a:p>
+          <a:p>
+            <a:r>
+              <a:t>añadir el plan de cuadros en una filmina</a:t>
+            </a:r>
           </a:p>
         </p:txBody>
       </p:sp>
@@ -1268,12 +1474,12 @@
 </p:notes>
 </file>
 
-<file path=ppt/notesSlides/notesSlide17.xml><?xml version="1.0" encoding="utf-8"?>
+<file path=ppt/notesSlides/notesSlide19.xml><?xml version="1.0" encoding="utf-8"?>
 <p:notes xmlns:a="http://schemas.openxmlformats.org/drawingml/2006/main" xmlns:r="http://schemas.openxmlformats.org/officeDocument/2006/relationships" xmlns:p="http://schemas.openxmlformats.org/presentationml/2006/main" showMasterSp="0" showMasterPhAnim="0">
   <p:cSld>
     <p:spTree>
       <p:nvGrpSpPr>
-        <p:cNvPr id="1" name="Shape 138"/>
+        <p:cNvPr id="1" name="Shape 131"/>
         <p:cNvGrpSpPr/>
         <p:nvPr/>
       </p:nvGrpSpPr>
@@ -1287,7 +1493,7 @@
       </p:grpSpPr>
       <p:sp>
         <p:nvSpPr>
-          <p:cNvPr id="139" name="Shape 139"/>
+          <p:cNvPr id="132" name="Shape 132"/>
           <p:cNvSpPr>
             <a:spLocks noGrp="1" noRot="1" noChangeAspect="1"/>
           </p:cNvSpPr>
@@ -1328,7 +1534,7 @@
       </p:sp>
       <p:sp>
         <p:nvSpPr>
-          <p:cNvPr id="140" name="Shape 140"/>
+          <p:cNvPr id="133" name="Shape 133"/>
           <p:cNvSpPr txBox="1">
             <a:spLocks noGrp="1"/>
           </p:cNvSpPr>
@@ -1458,6 +1664,101 @@
 </p:notes>
 </file>
 
+<file path=ppt/notesSlides/notesSlide20.xml><?xml version="1.0" encoding="utf-8"?>
+<p:notes xmlns:a="http://schemas.openxmlformats.org/drawingml/2006/main" xmlns:r="http://schemas.openxmlformats.org/officeDocument/2006/relationships" xmlns:p="http://schemas.openxmlformats.org/presentationml/2006/main" showMasterSp="0" showMasterPhAnim="0">
+  <p:cSld>
+    <p:spTree>
+      <p:nvGrpSpPr>
+        <p:cNvPr id="1" name="Shape 138"/>
+        <p:cNvGrpSpPr/>
+        <p:nvPr/>
+      </p:nvGrpSpPr>
+      <p:grpSpPr>
+        <a:xfrm>
+          <a:off x="0" y="0"/>
+          <a:ext cx="0" cy="0"/>
+          <a:chOff x="0" y="0"/>
+          <a:chExt cx="0" cy="0"/>
+        </a:xfrm>
+      </p:grpSpPr>
+      <p:sp>
+        <p:nvSpPr>
+          <p:cNvPr id="139" name="Shape 139"/>
+          <p:cNvSpPr>
+            <a:spLocks noGrp="1" noRot="1" noChangeAspect="1"/>
+          </p:cNvSpPr>
+          <p:nvPr>
+            <p:ph type="sldImg" idx="2"/>
+          </p:nvPr>
+        </p:nvSpPr>
+        <p:spPr>
+          <a:xfrm>
+            <a:off x="1143225" y="685800"/>
+            <a:ext cx="4572299" cy="3429000"/>
+          </a:xfrm>
+          <a:custGeom>
+            <a:avLst/>
+            <a:gdLst/>
+            <a:ahLst/>
+            <a:cxnLst/>
+            <a:rect l="0" t="0" r="0" b="0"/>
+            <a:pathLst>
+              <a:path w="120000" h="120000" extrusionOk="0">
+                <a:moveTo>
+                  <a:pt x="0" y="0"/>
+                </a:moveTo>
+                <a:lnTo>
+                  <a:pt x="120000" y="0"/>
+                </a:lnTo>
+                <a:lnTo>
+                  <a:pt x="120000" y="120000"/>
+                </a:lnTo>
+                <a:lnTo>
+                  <a:pt x="0" y="120000"/>
+                </a:lnTo>
+                <a:close/>
+              </a:path>
+            </a:pathLst>
+          </a:custGeom>
+        </p:spPr>
+      </p:sp>
+      <p:sp>
+        <p:nvSpPr>
+          <p:cNvPr id="140" name="Shape 140"/>
+          <p:cNvSpPr txBox="1">
+            <a:spLocks noGrp="1"/>
+          </p:cNvSpPr>
+          <p:nvPr>
+            <p:ph type="body" idx="1"/>
+          </p:nvPr>
+        </p:nvSpPr>
+        <p:spPr>
+          <a:xfrm>
+            <a:off x="685800" y="4343400"/>
+            <a:ext cx="5486399" cy="4114800"/>
+          </a:xfrm>
+          <a:prstGeom prst="rect">
+            <a:avLst/>
+          </a:prstGeom>
+        </p:spPr>
+        <p:txBody>
+          <a:bodyPr lIns="91425" tIns="91425" rIns="91425" bIns="91425" anchor="t" anchorCtr="0">
+            <a:noAutofit/>
+          </a:bodyPr>
+          <a:lstStyle/>
+          <a:p>
+            <a:endParaRPr/>
+          </a:p>
+        </p:txBody>
+      </p:sp>
+    </p:spTree>
+  </p:cSld>
+  <p:clrMapOvr>
+    <a:masterClrMapping/>
+  </p:clrMapOvr>
+</p:notes>
+</file>
+
 <file path=ppt/notesSlides/notesSlide3.xml><?xml version="1.0" encoding="utf-8"?>
 <p:notes xmlns:a="http://schemas.openxmlformats.org/drawingml/2006/main" xmlns:r="http://schemas.openxmlformats.org/officeDocument/2006/relationships" xmlns:p="http://schemas.openxmlformats.org/presentationml/2006/main" showMasterSp="0" showMasterPhAnim="0">
   <p:cSld>
@@ -1677,8 +1978,8 @@
         </p:nvSpPr>
         <p:spPr>
           <a:xfrm>
-            <a:off x="1143225" y="685800"/>
-            <a:ext cx="4572299" cy="3429000"/>
+            <a:off x="1143000" y="685800"/>
+            <a:ext cx="4572000" cy="3429000"/>
           </a:xfrm>
           <a:custGeom>
             <a:avLst/>
@@ -1732,6 +2033,18 @@
           <a:lstStyle/>
           <a:p>
             <a:endParaRPr/>
+          </a:p>
+          <a:p>
+            <a:r>
+              <a:rPr/>
+              <a:t>----- Meeting Notes (27/06/13 21:27) -----</a:t>
+            </a:r>
+          </a:p>
+          <a:p>
+            <a:r>
+              <a:rPr/>
+              <a:t>aclarar fuerte que no lo hacemos</a:t>
+            </a:r>
           </a:p>
         </p:txBody>
       </p:sp>
@@ -2029,11 +2342,11 @@
 </file>
 
 <file path=ppt/notesSlides/notesSlide9.xml><?xml version="1.0" encoding="utf-8"?>
-<p:notes xmlns:a="http://schemas.openxmlformats.org/drawingml/2006/main" xmlns:r="http://schemas.openxmlformats.org/officeDocument/2006/relationships" xmlns:p="http://schemas.openxmlformats.org/presentationml/2006/main" showMasterSp="0" showMasterPhAnim="0">
+<p:notes xmlns:a="http://schemas.openxmlformats.org/drawingml/2006/main" xmlns:r="http://schemas.openxmlformats.org/officeDocument/2006/relationships" xmlns:p="http://schemas.openxmlformats.org/presentationml/2006/main">
   <p:cSld>
     <p:spTree>
       <p:nvGrpSpPr>
-        <p:cNvPr id="1" name="Shape 84"/>
+        <p:cNvPr id="1" name=""/>
         <p:cNvGrpSpPr/>
         <p:nvPr/>
       </p:nvGrpSpPr>
@@ -2047,75 +2360,59 @@
       </p:grpSpPr>
       <p:sp>
         <p:nvSpPr>
-          <p:cNvPr id="85" name="Shape 85"/>
+          <p:cNvPr id="2" name="Slide Image Placeholder 1"/>
           <p:cNvSpPr>
             <a:spLocks noGrp="1" noRot="1" noChangeAspect="1"/>
           </p:cNvSpPr>
           <p:nvPr>
-            <p:ph type="sldImg" idx="2"/>
+            <p:ph type="sldImg"/>
           </p:nvPr>
         </p:nvSpPr>
-        <p:spPr>
-          <a:xfrm>
-            <a:off x="1143225" y="685800"/>
-            <a:ext cx="4572299" cy="3429000"/>
-          </a:xfrm>
-          <a:custGeom>
-            <a:avLst/>
-            <a:gdLst/>
-            <a:ahLst/>
-            <a:cxnLst/>
-            <a:rect l="0" t="0" r="0" b="0"/>
-            <a:pathLst>
-              <a:path w="120000" h="120000" extrusionOk="0">
-                <a:moveTo>
-                  <a:pt x="0" y="0"/>
-                </a:moveTo>
-                <a:lnTo>
-                  <a:pt x="120000" y="0"/>
-                </a:lnTo>
-                <a:lnTo>
-                  <a:pt x="120000" y="120000"/>
-                </a:lnTo>
-                <a:lnTo>
-                  <a:pt x="0" y="120000"/>
-                </a:lnTo>
-                <a:close/>
-              </a:path>
-            </a:pathLst>
-          </a:custGeom>
-        </p:spPr>
-      </p:sp>
-      <p:sp>
-        <p:nvSpPr>
-          <p:cNvPr id="86" name="Shape 86"/>
-          <p:cNvSpPr txBox="1">
+        <p:spPr/>
+      </p:sp>
+      <p:sp>
+        <p:nvSpPr>
+          <p:cNvPr id="3" name="Notes Placeholder 2"/>
+          <p:cNvSpPr>
             <a:spLocks noGrp="1"/>
           </p:cNvSpPr>
           <p:nvPr>
             <p:ph type="body" idx="1"/>
           </p:nvPr>
         </p:nvSpPr>
-        <p:spPr>
-          <a:xfrm>
-            <a:off x="685800" y="4343400"/>
-            <a:ext cx="5486399" cy="4114800"/>
-          </a:xfrm>
-          <a:prstGeom prst="rect">
-            <a:avLst/>
-          </a:prstGeom>
-        </p:spPr>
+        <p:spPr/>
         <p:txBody>
-          <a:bodyPr lIns="91425" tIns="91425" rIns="91425" bIns="91425" anchor="t" anchorCtr="0">
-            <a:noAutofit/>
-          </a:bodyPr>
+          <a:bodyPr/>
           <a:lstStyle/>
           <a:p>
-            <a:endParaRPr dirty="0"/>
+            <a:endParaRPr lang="en-US"/>
+          </a:p>
+          <a:p>
+            <a:r>
+              <a:rPr lang="en-US"/>
+              <a:t>----- Meeting Notes (27/06/13 21:27) -----</a:t>
+            </a:r>
+          </a:p>
+          <a:p>
+            <a:r>
+              <a:rPr lang="en-US"/>
+              <a:t>poner despues de explicar estrategias</a:t>
+            </a:r>
+          </a:p>
+          <a:p>
+            <a:r>
+              <a:rPr lang="en-US"/>
+              <a:t>cambiar 1 y 2 por nombre directo</a:t>
+            </a:r>
           </a:p>
         </p:txBody>
       </p:sp>
     </p:spTree>
+    <p:extLst>
+      <p:ext uri="{BB962C8B-B14F-4D97-AF65-F5344CB8AC3E}">
+        <p14:creationId xmlns:p14="http://schemas.microsoft.com/office/powerpoint/2010/main" val="3102552380"/>
+      </p:ext>
+    </p:extLst>
   </p:cSld>
   <p:clrMapOvr>
     <a:masterClrMapping/>
@@ -5013,16 +5310,55 @@
           </a:bodyPr>
           <a:lstStyle/>
           <a:p>
-            <a:pPr lvl="0" rtl="0">
+            <a:pPr marL="0" lvl="0" indent="0" rtl="0">
+              <a:buSzPct val="100000"/>
               <a:buNone/>
             </a:pPr>
-            <a:r>
-              <a:rPr lang="en" dirty="0"/>
-              <a:t>Tienen 2 </a:t>
-            </a:r>
-            <a:r>
-              <a:rPr lang="en" dirty="0" smtClean="0"/>
-              <a:t>criterios:</a:t>
+            <a:endParaRPr lang="es-ES_tradnl" sz="3200" dirty="0" smtClean="0"/>
+          </a:p>
+          <a:p>
+            <a:pPr marL="0" lvl="0" indent="0" rtl="0">
+              <a:buSzPct val="100000"/>
+              <a:buNone/>
+            </a:pPr>
+            <a:r>
+              <a:rPr lang="es-ES_tradnl" sz="3200" dirty="0" smtClean="0"/>
+              <a:t>M</a:t>
+            </a:r>
+            <a:r>
+              <a:rPr lang="es-ES_tradnl" sz="3200" dirty="0" smtClean="0"/>
+              <a:t>ayor Precio / Hora</a:t>
+            </a:r>
+          </a:p>
+          <a:p>
+            <a:pPr marL="914400" lvl="1" indent="-514350"/>
+            <a:r>
+              <a:rPr lang="es-ES_tradnl" dirty="0" smtClean="0"/>
+              <a:t>Desempate por mayor cantidad de Horas Hombre</a:t>
+            </a:r>
+          </a:p>
+          <a:p>
+            <a:pPr marL="914400" lvl="1" indent="-514350"/>
+            <a:endParaRPr lang="es-ES_tradnl" sz="3200" dirty="0" smtClean="0"/>
+          </a:p>
+          <a:p>
+            <a:pPr marL="0" indent="0">
+              <a:buNone/>
+            </a:pPr>
+            <a:r>
+              <a:rPr lang="es-ES_tradnl" sz="3200" dirty="0" smtClean="0"/>
+              <a:t>Mayor Facturaci</a:t>
+            </a:r>
+            <a:r>
+              <a:rPr lang="es-ES_tradnl" sz="3200" dirty="0" smtClean="0"/>
+              <a:t>ón</a:t>
+            </a:r>
+          </a:p>
+          <a:p>
+            <a:pPr marL="914400" lvl="1" indent="-514350"/>
+            <a:r>
+              <a:rPr lang="es-ES_tradnl" dirty="0" smtClean="0"/>
+              <a:t>Desempate por Precio / Hora más alto</a:t>
             </a:r>
             <a:endParaRPr lang="es-ES_tradnl" dirty="0" smtClean="0"/>
           </a:p>
@@ -5032,78 +5368,7 @@
               <a:buFont typeface="+mj-lt"/>
               <a:buAutoNum type="arabicPeriod"/>
             </a:pPr>
-            <a:r>
-              <a:rPr lang="es-ES_tradnl" dirty="0"/>
-              <a:t> </a:t>
-            </a:r>
-            <a:r>
-              <a:rPr lang="es-ES_tradnl" dirty="0" smtClean="0"/>
-              <a:t>Para ordenar de mayor a menor</a:t>
-            </a:r>
-          </a:p>
-          <a:p>
-            <a:pPr marL="514350" lvl="0" indent="-514350" rtl="0">
-              <a:buSzPct val="100000"/>
-              <a:buFont typeface="+mj-lt"/>
-              <a:buAutoNum type="arabicPeriod"/>
-            </a:pPr>
-            <a:r>
-              <a:rPr lang="es-ES_tradnl" dirty="0" smtClean="0"/>
-              <a:t> Para desempatar</a:t>
-            </a:r>
-          </a:p>
-          <a:p>
-            <a:pPr marL="514350" lvl="0" indent="-514350" rtl="0">
-              <a:buFont typeface="+mj-lt"/>
-              <a:buAutoNum type="arabicPeriod"/>
-            </a:pPr>
             <a:endParaRPr lang="es-ES_tradnl" dirty="0" smtClean="0"/>
-          </a:p>
-          <a:p>
-            <a:pPr marL="0" lvl="0" indent="0" rtl="0">
-              <a:buNone/>
-            </a:pPr>
-            <a:endParaRPr lang="en" dirty="0"/>
-          </a:p>
-          <a:p>
-            <a:pPr marL="457200" lvl="0" indent="-419100" algn="ctr" rtl="0">
-              <a:buClr>
-                <a:srgbClr val="000000"/>
-              </a:buClr>
-              <a:buSzPct val="166666"/>
-              <a:buFont typeface="Arial"/>
-              <a:buChar char="•"/>
-            </a:pPr>
-            <a:r>
-              <a:rPr lang="en" dirty="0"/>
-              <a:t>Precio/hora </a:t>
-            </a:r>
-            <a:r>
-              <a:rPr lang="en-US" dirty="0" smtClean="0"/>
-              <a:t>-</a:t>
-            </a:r>
-            <a:r>
-              <a:rPr lang="en" dirty="0" smtClean="0"/>
-              <a:t> Horas</a:t>
-            </a:r>
-            <a:endParaRPr lang="en" dirty="0"/>
-          </a:p>
-          <a:p>
-            <a:pPr marL="457200" lvl="0" indent="-419100" algn="ctr" rtl="0">
-              <a:buClr>
-                <a:srgbClr val="000000"/>
-              </a:buClr>
-              <a:buSzPct val="166666"/>
-              <a:buFont typeface="Arial"/>
-              <a:buChar char="•"/>
-            </a:pPr>
-            <a:r>
-              <a:rPr lang="en" dirty="0"/>
-              <a:t>Facturación - Precio/hora</a:t>
-            </a:r>
-          </a:p>
-          <a:p>
-            <a:endParaRPr lang="en" dirty="0"/>
           </a:p>
         </p:txBody>
       </p:sp>
@@ -5265,8 +5530,8 @@
               <a:t>Los proyectos mejores que el 80% percentil </a:t>
             </a:r>
             <a:r>
-              <a:rPr lang="es-ES_tradnl" dirty="0" err="1" smtClean="0"/>
-              <a:t>historico</a:t>
+              <a:rPr lang="es-ES_tradnl" dirty="0" smtClean="0"/>
+              <a:t>histórico</a:t>
             </a:r>
             <a:endParaRPr lang="en" dirty="0"/>
           </a:p>
@@ -5527,7 +5792,23 @@
             </a:pPr>
             <a:r>
               <a:rPr lang="en" dirty="0"/>
-              <a:t>Cantidad de proyectos por mes. P(3</a:t>
+              <a:t>Cantidad de proyectos por mes. </a:t>
+            </a:r>
+            <a:r>
+              <a:rPr lang="en" dirty="0" smtClean="0"/>
+              <a:t>P</a:t>
+            </a:r>
+            <a:r>
+              <a:rPr lang="es-ES_tradnl" dirty="0" err="1" smtClean="0"/>
+              <a:t>oisson</a:t>
+            </a:r>
+            <a:r>
+              <a:rPr lang="es-ES_tradnl" dirty="0"/>
+              <a:t>(</a:t>
+            </a:r>
+            <a:r>
+              <a:rPr lang="en" dirty="0" smtClean="0"/>
+              <a:t>3</a:t>
             </a:r>
             <a:r>
               <a:rPr lang="en" dirty="0" smtClean="0"/>
@@ -5618,7 +5899,7 @@
           <a:p>
             <a:r>
               <a:rPr lang="en" dirty="0" smtClean="0"/>
-              <a:t>Tipo de proyecto. U(10%/75%/15%)</a:t>
+              <a:t>Tipo de proyecto. </a:t>
             </a:r>
             <a:endParaRPr lang="en-US" dirty="0"/>
           </a:p>
@@ -5649,9 +5930,30 @@
               <a:buNone/>
             </a:pPr>
             <a:r>
-              <a:rPr lang="en" dirty="0" smtClean="0"/>
-              <a:t>Tamaño de proyecto. Triangular</a:t>
-            </a:r>
+              <a:rPr lang="es-ES_tradnl" sz="2000" dirty="0" smtClean="0"/>
+              <a:t>Uniforme Chico = </a:t>
+            </a:r>
+            <a:r>
+              <a:rPr lang="en" sz="2000" dirty="0" smtClean="0"/>
+              <a:t>10%</a:t>
+            </a:r>
+            <a:r>
+              <a:rPr lang="es-ES_tradnl" sz="2000" dirty="0" smtClean="0"/>
+              <a:t> Mediano = </a:t>
+            </a:r>
+            <a:r>
+              <a:rPr lang="en" sz="2000" dirty="0" smtClean="0"/>
+              <a:t>75%</a:t>
+            </a:r>
+            <a:r>
+              <a:rPr lang="es-ES_tradnl" sz="2000" dirty="0" smtClean="0"/>
+              <a:t> Grande = </a:t>
+            </a:r>
+            <a:r>
+              <a:rPr lang="en" sz="2000" dirty="0" smtClean="0"/>
+              <a:t>15%</a:t>
+            </a:r>
+            <a:endParaRPr lang="en" sz="2000" dirty="0" smtClean="0"/>
           </a:p>
           <a:p>
             <a:pPr lvl="1">
@@ -5673,7 +5975,7 @@
           <p:nvPr/>
         </p:nvPicPr>
         <p:blipFill>
-          <a:blip r:embed="rId2"/>
+          <a:blip r:embed="rId3"/>
           <a:stretch>
             <a:fillRect/>
           </a:stretch>
@@ -5693,6 +5995,13 @@
   <p:clrMapOvr>
     <a:masterClrMapping/>
   </p:clrMapOvr>
+  <p:timing>
+    <p:tnLst>
+      <p:par>
+        <p:cTn xmlns:p14="http://schemas.microsoft.com/office/powerpoint/2010/main" id="1" dur="indefinite" restart="never" nodeType="tmRoot"/>
+      </p:par>
+    </p:tnLst>
+  </p:timing>
 </p:sld>
 </file>
 
@@ -5791,26 +6100,86 @@
           <p:nvPr/>
         </p:nvPicPr>
         <p:blipFill>
-          <a:blip r:embed="rId2"/>
+          <a:blip r:embed="rId3"/>
           <a:stretch>
             <a:fillRect/>
           </a:stretch>
         </p:blipFill>
         <p:spPr>
           <a:xfrm>
-            <a:off x="730250" y="869369"/>
-            <a:ext cx="7358919" cy="5619538"/>
+            <a:off x="1064746" y="1424353"/>
+            <a:ext cx="6689926" cy="5108671"/>
           </a:xfrm>
           <a:prstGeom prst="rect">
             <a:avLst/>
           </a:prstGeom>
         </p:spPr>
       </p:pic>
+      <p:sp>
+        <p:nvSpPr>
+          <p:cNvPr id="2" name="TextBox 1"/>
+          <p:cNvSpPr txBox="1"/>
+          <p:nvPr/>
+        </p:nvSpPr>
+        <p:spPr>
+          <a:xfrm>
+            <a:off x="1064746" y="774008"/>
+            <a:ext cx="5323843" cy="584776"/>
+          </a:xfrm>
+          <a:prstGeom prst="rect">
+            <a:avLst/>
+          </a:prstGeom>
+          <a:noFill/>
+        </p:spPr>
+        <p:txBody>
+          <a:bodyPr wrap="none" rtlCol="0">
+            <a:spAutoFit/>
+          </a:bodyPr>
+          <a:lstStyle/>
+          <a:p>
+            <a:r>
+              <a:rPr lang="en-US" sz="1800" dirty="0" smtClean="0"/>
+              <a:t>Triangular  Min = </a:t>
+            </a:r>
+            <a:r>
+              <a:rPr lang="en-US" sz="1800" dirty="0"/>
+              <a:t>4500 </a:t>
+            </a:r>
+            <a:r>
+              <a:rPr lang="en-US" sz="1800" dirty="0" smtClean="0"/>
+              <a:t> Max = 8000  </a:t>
+            </a:r>
+            <a:r>
+              <a:rPr lang="en-US" sz="1800" dirty="0" err="1" smtClean="0"/>
+              <a:t>Moda</a:t>
+            </a:r>
+            <a:r>
+              <a:rPr lang="en-US" sz="1800" dirty="0" smtClean="0"/>
+              <a:t> = 5300</a:t>
+            </a:r>
+            <a:endParaRPr lang="en-US" sz="1800" dirty="0"/>
+          </a:p>
+          <a:p>
+            <a:r>
+              <a:rPr lang="en-US" dirty="0" smtClean="0"/>
+              <a:t> </a:t>
+            </a:r>
+            <a:endParaRPr lang="en-US" dirty="0"/>
+          </a:p>
+        </p:txBody>
+      </p:sp>
     </p:spTree>
   </p:cSld>
   <p:clrMapOvr>
     <a:masterClrMapping/>
   </p:clrMapOvr>
+  <p:timing>
+    <p:tnLst>
+      <p:par>
+        <p:cTn xmlns:p14="http://schemas.microsoft.com/office/powerpoint/2010/main" id="1" dur="indefinite" restart="never" nodeType="tmRoot"/>
+      </p:par>
+    </p:tnLst>
+  </p:timing>
 </p:sld>
 </file>
 
@@ -5916,19 +6285,71 @@
         </p:blipFill>
         <p:spPr>
           <a:xfrm>
-            <a:off x="571500" y="750044"/>
-            <a:ext cx="8001000" cy="5753100"/>
+            <a:off x="935182" y="1359027"/>
+            <a:ext cx="7273636" cy="5230091"/>
           </a:xfrm>
           <a:prstGeom prst="rect">
             <a:avLst/>
           </a:prstGeom>
         </p:spPr>
       </p:pic>
+      <p:sp>
+        <p:nvSpPr>
+          <p:cNvPr id="4" name="TextBox 3"/>
+          <p:cNvSpPr txBox="1"/>
+          <p:nvPr/>
+        </p:nvSpPr>
+        <p:spPr>
+          <a:xfrm>
+            <a:off x="1064746" y="774008"/>
+            <a:ext cx="5388089" cy="584776"/>
+          </a:xfrm>
+          <a:prstGeom prst="rect">
+            <a:avLst/>
+          </a:prstGeom>
+          <a:noFill/>
+        </p:spPr>
+        <p:txBody>
+          <a:bodyPr wrap="none" rtlCol="0">
+            <a:spAutoFit/>
+          </a:bodyPr>
+          <a:lstStyle/>
+          <a:p>
+            <a:r>
+              <a:rPr lang="en-US" sz="1800" dirty="0" smtClean="0"/>
+              <a:t>Triangular  Min = 2000 Max = 4500  </a:t>
+            </a:r>
+            <a:r>
+              <a:rPr lang="en-US" sz="1800" dirty="0" err="1" smtClean="0"/>
+              <a:t>Moda</a:t>
+            </a:r>
+            <a:r>
+              <a:rPr lang="en-US" sz="1800" dirty="0" smtClean="0"/>
+              <a:t> = 3200</a:t>
+            </a:r>
+            <a:endParaRPr lang="en-US" sz="1800" dirty="0"/>
+          </a:p>
+          <a:p>
+            <a:r>
+              <a:rPr lang="en-US" dirty="0" smtClean="0"/>
+              <a:t> </a:t>
+            </a:r>
+            <a:endParaRPr lang="en-US" dirty="0"/>
+          </a:p>
+        </p:txBody>
+      </p:sp>
     </p:spTree>
   </p:cSld>
   <p:clrMapOvr>
     <a:masterClrMapping/>
   </p:clrMapOvr>
+  <p:timing>
+    <p:tnLst>
+      <p:par>
+        <p:cTn xmlns:p14="http://schemas.microsoft.com/office/powerpoint/2010/main" id="1" dur="indefinite" restart="never" nodeType="tmRoot"/>
+      </p:par>
+    </p:tnLst>
+  </p:timing>
 </p:sld>
 </file>
 
@@ -6034,19 +6455,71 @@
         </p:blipFill>
         <p:spPr>
           <a:xfrm>
-            <a:off x="641350" y="750044"/>
-            <a:ext cx="7861300" cy="5994400"/>
+            <a:off x="998682" y="1250175"/>
+            <a:ext cx="7146636" cy="5449455"/>
           </a:xfrm>
           <a:prstGeom prst="rect">
             <a:avLst/>
           </a:prstGeom>
         </p:spPr>
       </p:pic>
+      <p:sp>
+        <p:nvSpPr>
+          <p:cNvPr id="4" name="TextBox 3"/>
+          <p:cNvSpPr txBox="1"/>
+          <p:nvPr/>
+        </p:nvSpPr>
+        <p:spPr>
+          <a:xfrm>
+            <a:off x="1064746" y="774008"/>
+            <a:ext cx="5323843" cy="584776"/>
+          </a:xfrm>
+          <a:prstGeom prst="rect">
+            <a:avLst/>
+          </a:prstGeom>
+          <a:noFill/>
+        </p:spPr>
+        <p:txBody>
+          <a:bodyPr wrap="none" rtlCol="0">
+            <a:spAutoFit/>
+          </a:bodyPr>
+          <a:lstStyle/>
+          <a:p>
+            <a:r>
+              <a:rPr lang="en-US" sz="1800" dirty="0" smtClean="0"/>
+              <a:t>Triangular  Min = 500  Max = 3200  </a:t>
+            </a:r>
+            <a:r>
+              <a:rPr lang="en-US" sz="1800" dirty="0" err="1" smtClean="0"/>
+              <a:t>Moda</a:t>
+            </a:r>
+            <a:r>
+              <a:rPr lang="en-US" sz="1800" dirty="0" smtClean="0"/>
+              <a:t> = 2000</a:t>
+            </a:r>
+            <a:endParaRPr lang="en-US" sz="1800" dirty="0"/>
+          </a:p>
+          <a:p>
+            <a:r>
+              <a:rPr lang="en-US" dirty="0" smtClean="0"/>
+              <a:t> </a:t>
+            </a:r>
+            <a:endParaRPr lang="en-US" dirty="0"/>
+          </a:p>
+        </p:txBody>
+      </p:sp>
     </p:spTree>
   </p:cSld>
   <p:clrMapOvr>
     <a:masterClrMapping/>
   </p:clrMapOvr>
+  <p:timing>
+    <p:tnLst>
+      <p:par>
+        <p:cTn xmlns:p14="http://schemas.microsoft.com/office/powerpoint/2010/main" id="1" dur="indefinite" restart="never" nodeType="tmRoot"/>
+      </p:par>
+    </p:tnLst>
+  </p:timing>
 </p:sld>
 </file>
 
@@ -6157,19 +6630,71 @@
         </p:blipFill>
         <p:spPr>
           <a:xfrm>
-            <a:off x="635000" y="743687"/>
-            <a:ext cx="7874000" cy="5816600"/>
+            <a:off x="992909" y="1343574"/>
+            <a:ext cx="7158182" cy="5287818"/>
           </a:xfrm>
           <a:prstGeom prst="rect">
             <a:avLst/>
           </a:prstGeom>
         </p:spPr>
       </p:pic>
+      <p:sp>
+        <p:nvSpPr>
+          <p:cNvPr id="4" name="TextBox 3"/>
+          <p:cNvSpPr txBox="1"/>
+          <p:nvPr/>
+        </p:nvSpPr>
+        <p:spPr>
+          <a:xfrm>
+            <a:off x="1064746" y="774008"/>
+            <a:ext cx="4938709" cy="584776"/>
+          </a:xfrm>
+          <a:prstGeom prst="rect">
+            <a:avLst/>
+          </a:prstGeom>
+          <a:noFill/>
+        </p:spPr>
+        <p:txBody>
+          <a:bodyPr wrap="none" rtlCol="0">
+            <a:spAutoFit/>
+          </a:bodyPr>
+          <a:lstStyle/>
+          <a:p>
+            <a:r>
+              <a:rPr lang="en-US" sz="1800" dirty="0" smtClean="0"/>
+              <a:t>Triangular  Min = 180  Max = 310  </a:t>
+            </a:r>
+            <a:r>
+              <a:rPr lang="en-US" sz="1800" dirty="0" err="1" smtClean="0"/>
+              <a:t>Moda</a:t>
+            </a:r>
+            <a:r>
+              <a:rPr lang="en-US" sz="1800" dirty="0" smtClean="0"/>
+              <a:t> = 230  </a:t>
+            </a:r>
+            <a:endParaRPr lang="en-US" sz="1800" dirty="0"/>
+          </a:p>
+          <a:p>
+            <a:r>
+              <a:rPr lang="en-US" dirty="0" smtClean="0"/>
+              <a:t> </a:t>
+            </a:r>
+            <a:endParaRPr lang="en-US" dirty="0"/>
+          </a:p>
+        </p:txBody>
+      </p:sp>
     </p:spTree>
   </p:cSld>
   <p:clrMapOvr>
     <a:masterClrMapping/>
   </p:clrMapOvr>
+  <p:timing>
+    <p:tnLst>
+      <p:par>
+        <p:cTn xmlns:p14="http://schemas.microsoft.com/office/powerpoint/2010/main" id="1" dur="indefinite" restart="never" nodeType="tmRoot"/>
+      </p:par>
+    </p:tnLst>
+  </p:timing>
 </p:sld>
 </file>
 
@@ -6535,19 +7060,71 @@
         </p:blipFill>
         <p:spPr>
           <a:xfrm>
-            <a:off x="673100" y="799424"/>
-            <a:ext cx="7797800" cy="5956300"/>
+            <a:off x="1027546" y="1273859"/>
+            <a:ext cx="7088909" cy="5414818"/>
           </a:xfrm>
           <a:prstGeom prst="rect">
             <a:avLst/>
           </a:prstGeom>
         </p:spPr>
       </p:pic>
+      <p:sp>
+        <p:nvSpPr>
+          <p:cNvPr id="5" name="TextBox 4"/>
+          <p:cNvSpPr txBox="1"/>
+          <p:nvPr/>
+        </p:nvSpPr>
+        <p:spPr>
+          <a:xfrm>
+            <a:off x="1064746" y="774008"/>
+            <a:ext cx="4938709" cy="584776"/>
+          </a:xfrm>
+          <a:prstGeom prst="rect">
+            <a:avLst/>
+          </a:prstGeom>
+          <a:noFill/>
+        </p:spPr>
+        <p:txBody>
+          <a:bodyPr wrap="none" rtlCol="0">
+            <a:spAutoFit/>
+          </a:bodyPr>
+          <a:lstStyle/>
+          <a:p>
+            <a:r>
+              <a:rPr lang="en-US" sz="1800" dirty="0" smtClean="0"/>
+              <a:t>Triangular  Min = 200  Max = 240  </a:t>
+            </a:r>
+            <a:r>
+              <a:rPr lang="en-US" sz="1800" dirty="0" err="1" smtClean="0"/>
+              <a:t>Moda</a:t>
+            </a:r>
+            <a:r>
+              <a:rPr lang="en-US" sz="1800" dirty="0" smtClean="0"/>
+              <a:t> = 230</a:t>
+            </a:r>
+            <a:endParaRPr lang="en-US" sz="1800" dirty="0"/>
+          </a:p>
+          <a:p>
+            <a:r>
+              <a:rPr lang="en-US" dirty="0" smtClean="0"/>
+              <a:t> </a:t>
+            </a:r>
+            <a:endParaRPr lang="en-US" dirty="0"/>
+          </a:p>
+        </p:txBody>
+      </p:sp>
     </p:spTree>
   </p:cSld>
   <p:clrMapOvr>
     <a:masterClrMapping/>
   </p:clrMapOvr>
+  <p:timing>
+    <p:tnLst>
+      <p:par>
+        <p:cTn xmlns:p14="http://schemas.microsoft.com/office/powerpoint/2010/main" id="1" dur="indefinite" restart="never" nodeType="tmRoot"/>
+      </p:par>
+    </p:tnLst>
+  </p:timing>
 </p:sld>
 </file>
 
@@ -6658,19 +7235,71 @@
         </p:blipFill>
         <p:spPr>
           <a:xfrm>
-            <a:off x="654050" y="878845"/>
-            <a:ext cx="7835900" cy="5867400"/>
+            <a:off x="1010228" y="1373203"/>
+            <a:ext cx="7123545" cy="5334000"/>
           </a:xfrm>
           <a:prstGeom prst="rect">
             <a:avLst/>
           </a:prstGeom>
         </p:spPr>
       </p:pic>
+      <p:sp>
+        <p:nvSpPr>
+          <p:cNvPr id="5" name="TextBox 4"/>
+          <p:cNvSpPr txBox="1"/>
+          <p:nvPr/>
+        </p:nvSpPr>
+        <p:spPr>
+          <a:xfrm>
+            <a:off x="1064746" y="774008"/>
+            <a:ext cx="4938709" cy="584776"/>
+          </a:xfrm>
+          <a:prstGeom prst="rect">
+            <a:avLst/>
+          </a:prstGeom>
+          <a:noFill/>
+        </p:spPr>
+        <p:txBody>
+          <a:bodyPr wrap="none" rtlCol="0">
+            <a:spAutoFit/>
+          </a:bodyPr>
+          <a:lstStyle/>
+          <a:p>
+            <a:r>
+              <a:rPr lang="en-US" sz="1800" dirty="0" smtClean="0"/>
+              <a:t>Triangular  Min = 200  Max = 300  </a:t>
+            </a:r>
+            <a:r>
+              <a:rPr lang="en-US" sz="1800" dirty="0" err="1" smtClean="0"/>
+              <a:t>Moda</a:t>
+            </a:r>
+            <a:r>
+              <a:rPr lang="en-US" sz="1800" dirty="0" smtClean="0"/>
+              <a:t> = 290</a:t>
+            </a:r>
+            <a:endParaRPr lang="en-US" sz="1800" dirty="0"/>
+          </a:p>
+          <a:p>
+            <a:r>
+              <a:rPr lang="en-US" dirty="0" smtClean="0"/>
+              <a:t> </a:t>
+            </a:r>
+            <a:endParaRPr lang="en-US" dirty="0"/>
+          </a:p>
+        </p:txBody>
+      </p:sp>
     </p:spTree>
   </p:cSld>
   <p:clrMapOvr>
     <a:masterClrMapping/>
   </p:clrMapOvr>
+  <p:timing>
+    <p:tnLst>
+      <p:par>
+        <p:cTn xmlns:p14="http://schemas.microsoft.com/office/powerpoint/2010/main" id="1" dur="indefinite" restart="never" nodeType="tmRoot"/>
+      </p:par>
+    </p:tnLst>
+  </p:timing>
 </p:sld>
 </file>
 
@@ -6759,6 +7388,13 @@
   <p:clrMapOvr>
     <a:masterClrMapping/>
   </p:clrMapOvr>
+  <p:timing>
+    <p:tnLst>
+      <p:par>
+        <p:cTn xmlns:p14="http://schemas.microsoft.com/office/powerpoint/2010/main" id="1" dur="indefinite" restart="never" nodeType="tmRoot"/>
+      </p:par>
+    </p:tnLst>
+  </p:timing>
 </p:sld>
 </file>
 
@@ -7345,6 +7981,13 @@
   <p:clrMapOvr>
     <a:masterClrMapping/>
   </p:clrMapOvr>
+  <p:timing>
+    <p:tnLst>
+      <p:par>
+        <p:cTn xmlns:p14="http://schemas.microsoft.com/office/powerpoint/2010/main" id="1" dur="indefinite" restart="never" nodeType="tmRoot"/>
+      </p:par>
+    </p:tnLst>
+  </p:timing>
 </p:sld>
 </file>
 
@@ -7543,6 +8186,13 @@
   <p:clrMapOvr>
     <a:masterClrMapping/>
   </p:clrMapOvr>
+  <p:timing>
+    <p:tnLst>
+      <p:par>
+        <p:cTn xmlns:p14="http://schemas.microsoft.com/office/powerpoint/2010/main" id="1" dur="indefinite" restart="never" nodeType="tmRoot"/>
+      </p:par>
+    </p:tnLst>
+  </p:timing>
 </p:sld>
 </file>
 
@@ -7709,6 +8359,13 @@
   <p:clrMapOvr>
     <a:masterClrMapping/>
   </p:clrMapOvr>
+  <p:timing>
+    <p:tnLst>
+      <p:par>
+        <p:cTn xmlns:p14="http://schemas.microsoft.com/office/powerpoint/2010/main" id="1" dur="indefinite" restart="never" nodeType="tmRoot"/>
+      </p:par>
+    </p:tnLst>
+  </p:timing>
 </p:sld>
 </file>
 
@@ -7839,6 +8496,13 @@
   <p:clrMapOvr>
     <a:masterClrMapping/>
   </p:clrMapOvr>
+  <p:timing>
+    <p:tnLst>
+      <p:par>
+        <p:cTn xmlns:p14="http://schemas.microsoft.com/office/powerpoint/2010/main" id="1" dur="indefinite" restart="never" nodeType="tmRoot"/>
+      </p:par>
+    </p:tnLst>
+  </p:timing>
 </p:sld>
 </file>
 
@@ -7888,6 +8552,13 @@
   <p:clrMapOvr>
     <a:masterClrMapping/>
   </p:clrMapOvr>
+  <p:timing>
+    <p:tnLst>
+      <p:par>
+        <p:cTn xmlns:p14="http://schemas.microsoft.com/office/powerpoint/2010/main" id="1" dur="indefinite" restart="never" nodeType="tmRoot"/>
+      </p:par>
+    </p:tnLst>
+  </p:timing>
 </p:sld>
 </file>
 
@@ -8173,6 +8844,13 @@
   <p:clrMapOvr>
     <a:masterClrMapping/>
   </p:clrMapOvr>
+  <p:timing>
+    <p:tnLst>
+      <p:par>
+        <p:cTn xmlns:p14="http://schemas.microsoft.com/office/powerpoint/2010/main" id="1" dur="indefinite" restart="never" nodeType="tmRoot"/>
+      </p:par>
+    </p:tnLst>
+  </p:timing>
 </p:sld>
 </file>
 
@@ -8222,6 +8900,13 @@
   <p:clrMapOvr>
     <a:masterClrMapping/>
   </p:clrMapOvr>
+  <p:timing>
+    <p:tnLst>
+      <p:par>
+        <p:cTn xmlns:p14="http://schemas.microsoft.com/office/powerpoint/2010/main" id="1" dur="indefinite" restart="never" nodeType="tmRoot"/>
+      </p:par>
+    </p:tnLst>
+  </p:timing>
 </p:sld>
 </file>
 
@@ -8477,6 +9162,13 @@
   <p:clrMapOvr>
     <a:masterClrMapping/>
   </p:clrMapOvr>
+  <p:timing>
+    <p:tnLst>
+      <p:par>
+        <p:cTn xmlns:p14="http://schemas.microsoft.com/office/powerpoint/2010/main" id="1" dur="indefinite" restart="never" nodeType="tmRoot"/>
+      </p:par>
+    </p:tnLst>
+  </p:timing>
 </p:sld>
 </file>
 
@@ -8670,11 +9362,18 @@
   <p:clrMapOvr>
     <a:masterClrMapping/>
   </p:clrMapOvr>
+  <p:timing>
+    <p:tnLst>
+      <p:par>
+        <p:cTn xmlns:p14="http://schemas.microsoft.com/office/powerpoint/2010/main" id="1" dur="indefinite" restart="never" nodeType="tmRoot"/>
+      </p:par>
+    </p:tnLst>
+  </p:timing>
 </p:sld>
 </file>
 
 <file path=ppt/slides/slide34.xml><?xml version="1.0" encoding="utf-8"?>
-<p:sld xmlns:a="http://schemas.openxmlformats.org/drawingml/2006/main" xmlns:r="http://schemas.openxmlformats.org/officeDocument/2006/relationships" xmlns:p="http://schemas.openxmlformats.org/presentationml/2006/main">
+<p:sld xmlns:a="http://schemas.openxmlformats.org/drawingml/2006/main" xmlns:r="http://schemas.openxmlformats.org/officeDocument/2006/relationships" xmlns:p="http://schemas.openxmlformats.org/presentationml/2006/main" show="0">
   <p:cSld>
     <p:spTree>
       <p:nvGrpSpPr>
@@ -9195,9 +9894,14 @@
               <a:buChar char="•"/>
             </a:pPr>
             <a:r>
-              <a:rPr lang="en"/>
-              <a:t>La capacitación del personal y su curva de aprendizaje</a:t>
-            </a:r>
+              <a:rPr lang="en" dirty="0"/>
+              <a:t>La capacitación del personal y su curva de </a:t>
+            </a:r>
+            <a:r>
+              <a:rPr lang="en" dirty="0" smtClean="0"/>
+              <a:t>aprendizaje</a:t>
+            </a:r>
+            <a:endParaRPr lang="en" dirty="0"/>
           </a:p>
           <a:p>
             <a:pPr marL="457200" lvl="0" indent="-419100" rtl="0">
@@ -9209,9 +9913,14 @@
               <a:buChar char="•"/>
             </a:pPr>
             <a:r>
-              <a:rPr lang="en"/>
-              <a:t>Nuevos requerimientos en el proyecto</a:t>
-            </a:r>
+              <a:rPr lang="en" dirty="0"/>
+              <a:t>Nuevos requerimientos en el </a:t>
+            </a:r>
+            <a:r>
+              <a:rPr lang="en" dirty="0" smtClean="0"/>
+              <a:t>proyecto</a:t>
+            </a:r>
+            <a:endParaRPr lang="en" dirty="0"/>
           </a:p>
           <a:p>
             <a:pPr marL="457200" lvl="0" indent="-419100" rtl="0">
@@ -9223,9 +9932,14 @@
               <a:buChar char="•"/>
             </a:pPr>
             <a:r>
-              <a:rPr lang="en"/>
-              <a:t>Competencia, mercado, precios</a:t>
-            </a:r>
+              <a:rPr lang="en" dirty="0"/>
+              <a:t>Competencia, mercado, </a:t>
+            </a:r>
+            <a:r>
+              <a:rPr lang="en" dirty="0" smtClean="0"/>
+              <a:t>precios</a:t>
+            </a:r>
+            <a:endParaRPr lang="en" dirty="0"/>
           </a:p>
           <a:p>
             <a:pPr marL="457200" lvl="0" indent="-419100" rtl="0">
@@ -9237,7 +9951,7 @@
               <a:buChar char="•"/>
             </a:pPr>
             <a:r>
-              <a:rPr lang="en"/>
+              <a:rPr lang="en" dirty="0"/>
               <a:t>La situación financiera de la empresa</a:t>
             </a:r>
           </a:p>
@@ -9251,18 +9965,26 @@
               <a:buChar char="•"/>
             </a:pPr>
             <a:r>
-              <a:rPr lang="en"/>
-              <a:t>La reasignación de desarrolladores</a:t>
-            </a:r>
-          </a:p>
-          <a:p>
-            <a:endParaRPr lang="en"/>
-          </a:p>
-          <a:p>
-            <a:endParaRPr lang="en"/>
-          </a:p>
-          <a:p>
-            <a:endParaRPr lang="en"/>
+              <a:rPr lang="es-ES_tradnl" dirty="0" smtClean="0"/>
+              <a:t>El recambio </a:t>
+            </a:r>
+            <a:r>
+              <a:rPr lang="en" dirty="0" smtClean="0"/>
+              <a:t>de </a:t>
+            </a:r>
+            <a:r>
+              <a:rPr lang="en" dirty="0"/>
+              <a:t>desarrolladores</a:t>
+            </a:r>
+          </a:p>
+          <a:p>
+            <a:endParaRPr lang="en" dirty="0"/>
+          </a:p>
+          <a:p>
+            <a:endParaRPr lang="en" dirty="0"/>
+          </a:p>
+          <a:p>
+            <a:endParaRPr lang="en" dirty="0"/>
           </a:p>
         </p:txBody>
       </p:sp>
@@ -9769,18 +10491,29 @@
           <a:p>
             <a:pPr marL="457200" indent="-419100"/>
             <a:r>
+              <a:rPr lang="es-ES_tradnl" dirty="0" smtClean="0"/>
+              <a:t>Ganancia </a:t>
+            </a:r>
+            <a:r>
+              <a:rPr lang="en" dirty="0" smtClean="0"/>
+              <a:t>generad</a:t>
+            </a:r>
+            <a:r>
+              <a:rPr lang="es-ES_tradnl" dirty="0" smtClean="0"/>
+              <a:t>a</a:t>
+            </a:r>
+            <a:r>
+              <a:rPr lang="en" dirty="0" smtClean="0"/>
+              <a:t> </a:t>
+            </a:r>
+            <a:r>
               <a:rPr lang="en" dirty="0"/>
-              <a:t>Ingreso generado por los proyectos aceptados.</a:t>
-            </a:r>
-          </a:p>
-          <a:p>
-            <a:pPr marL="38100" lvl="0" indent="0" rtl="0">
-              <a:buClr>
-                <a:srgbClr val="000000"/>
-              </a:buClr>
-              <a:buSzPct val="166666"/>
-              <a:buNone/>
-            </a:pPr>
+              <a:t>por los proyectos aceptados</a:t>
+            </a:r>
+            <a:r>
+              <a:rPr lang="en" dirty="0" smtClean="0"/>
+              <a:t>.</a:t>
+            </a:r>
             <a:endParaRPr lang="es-ES_tradnl" dirty="0" smtClean="0"/>
           </a:p>
           <a:p>
@@ -9795,23 +10528,24 @@
             <a:r>
               <a:rPr lang="en" dirty="0"/>
               <a:t>
-Costo de oportunidad, ingreso que hubieran generado los proyectos rechazados</a:t>
+Costo de oportunidad, </a:t>
+            </a:r>
+            <a:r>
+              <a:rPr lang="es-ES_tradnl" dirty="0" smtClean="0"/>
+              <a:t>ganancia </a:t>
+            </a:r>
+            <a:r>
+              <a:rPr lang="en" dirty="0" smtClean="0"/>
+              <a:t>que </a:t>
+            </a:r>
+            <a:r>
+              <a:rPr lang="en" dirty="0"/>
+              <a:t>hubieran generado los proyectos rechazados</a:t>
             </a:r>
             <a:r>
               <a:rPr lang="en" dirty="0" smtClean="0"/>
               <a:t>.</a:t>
             </a:r>
-            <a:endParaRPr lang="es-ES_tradnl" dirty="0" smtClean="0"/>
-          </a:p>
-          <a:p>
-            <a:pPr marL="457200" lvl="0" indent="-419100" rtl="0">
-              <a:buClr>
-                <a:srgbClr val="000000"/>
-              </a:buClr>
-              <a:buSzPct val="166666"/>
-              <a:buFont typeface="Arial"/>
-              <a:buChar char="•"/>
-            </a:pPr>
             <a:endParaRPr lang="en" dirty="0"/>
           </a:p>
           <a:p>
@@ -9904,7 +10638,7 @@
           <p:nvPr/>
         </p:nvPicPr>
         <p:blipFill>
-          <a:blip r:embed="rId2"/>
+          <a:blip r:embed="rId3"/>
           <a:stretch>
             <a:fillRect/>
           </a:stretch>
@@ -9924,6 +10658,13 @@
   <p:clrMapOvr>
     <a:masterClrMapping/>
   </p:clrMapOvr>
+  <p:timing>
+    <p:tnLst>
+      <p:par>
+        <p:cTn xmlns:p14="http://schemas.microsoft.com/office/powerpoint/2010/main" id="1" dur="indefinite" restart="never" nodeType="tmRoot"/>
+      </p:par>
+    </p:tnLst>
+  </p:timing>
 </p:sld>
 </file>
 
